--- a/算法/排序算法/桶排序/桶排序.pptx
+++ b/算法/排序算法/桶排序/桶排序.pptx
@@ -7,17 +7,20 @@
   </p:sldMasterIdLst>
   <p:sldIdLst>
     <p:sldId id="257" r:id="rId4"/>
-    <p:sldId id="256" r:id="rId5"/>
-    <p:sldId id="262" r:id="rId6"/>
-    <p:sldId id="263" r:id="rId7"/>
-    <p:sldId id="264" r:id="rId8"/>
-    <p:sldId id="265" r:id="rId9"/>
-    <p:sldId id="266" r:id="rId10"/>
-    <p:sldId id="267" r:id="rId11"/>
-    <p:sldId id="268" r:id="rId12"/>
-    <p:sldId id="269" r:id="rId13"/>
-    <p:sldId id="270" r:id="rId14"/>
-    <p:sldId id="271" r:id="rId15"/>
+    <p:sldId id="273" r:id="rId5"/>
+    <p:sldId id="274" r:id="rId6"/>
+    <p:sldId id="256" r:id="rId7"/>
+    <p:sldId id="272" r:id="rId8"/>
+    <p:sldId id="262" r:id="rId9"/>
+    <p:sldId id="263" r:id="rId10"/>
+    <p:sldId id="264" r:id="rId11"/>
+    <p:sldId id="265" r:id="rId12"/>
+    <p:sldId id="266" r:id="rId13"/>
+    <p:sldId id="267" r:id="rId14"/>
+    <p:sldId id="268" r:id="rId15"/>
+    <p:sldId id="269" r:id="rId16"/>
+    <p:sldId id="270" r:id="rId17"/>
+    <p:sldId id="271" r:id="rId18"/>
   </p:sldIdLst>
   <p:sldSz cx="12192000" cy="6858000"/>
   <p:notesSz cx="6858000" cy="9144000"/>
@@ -12018,7 +12021,7 @@
         <p:spPr/>
         <p:txBody>
           <a:bodyPr>
-            <a:normAutofit/>
+            <a:normAutofit fontScale="90000"/>
           </a:bodyPr>
           <a:p>
             <a:pPr algn="ctr"/>
@@ -12056,6 +12059,3720 @@
 </file>
 
 <file path=ppt/slides/slide10.xml><?xml version="1.0" encoding="utf-8"?>
+<p:sld xmlns:a="http://schemas.openxmlformats.org/drawingml/2006/main" xmlns:r="http://schemas.openxmlformats.org/officeDocument/2006/relationships" xmlns:p="http://schemas.openxmlformats.org/presentationml/2006/main">
+  <p:cSld>
+    <p:spTree>
+      <p:nvGrpSpPr>
+        <p:cNvPr id="1" name=""/>
+        <p:cNvGrpSpPr/>
+        <p:nvPr/>
+      </p:nvGrpSpPr>
+      <p:grpSpPr>
+        <a:xfrm>
+          <a:off x="0" y="0"/>
+          <a:ext cx="0" cy="0"/>
+          <a:chOff x="0" y="0"/>
+          <a:chExt cx="0" cy="0"/>
+        </a:xfrm>
+      </p:grpSpPr>
+      <p:sp>
+        <p:nvSpPr>
+          <p:cNvPr id="6" name="圆角矩形 5"/>
+          <p:cNvSpPr/>
+          <p:nvPr/>
+        </p:nvSpPr>
+        <p:spPr>
+          <a:xfrm>
+            <a:off x="1967865" y="810895"/>
+            <a:ext cx="669290" cy="669290"/>
+          </a:xfrm>
+          <a:prstGeom prst="roundRect">
+            <a:avLst/>
+          </a:prstGeom>
+        </p:spPr>
+        <p:style>
+          <a:lnRef idx="2">
+            <a:schemeClr val="accent1">
+              <a:shade val="50000"/>
+            </a:schemeClr>
+          </a:lnRef>
+          <a:fillRef idx="1">
+            <a:schemeClr val="accent1"/>
+          </a:fillRef>
+          <a:effectRef idx="0">
+            <a:schemeClr val="accent1"/>
+          </a:effectRef>
+          <a:fontRef idx="minor">
+            <a:schemeClr val="lt1"/>
+          </a:fontRef>
+        </p:style>
+        <p:txBody>
+          <a:bodyPr rtlCol="0" anchor="ctr"/>
+          <a:p>
+            <a:pPr algn="ctr"/>
+            <a:r>
+              <a:rPr lang="en-US" altLang="zh-CN"/>
+              <a:t>14</a:t>
+            </a:r>
+            <a:endParaRPr lang="en-US" altLang="zh-CN"/>
+          </a:p>
+        </p:txBody>
+      </p:sp>
+      <p:sp>
+        <p:nvSpPr>
+          <p:cNvPr id="8" name="圆角矩形 7"/>
+          <p:cNvSpPr/>
+          <p:nvPr/>
+        </p:nvSpPr>
+        <p:spPr>
+          <a:xfrm>
+            <a:off x="3051810" y="810895"/>
+            <a:ext cx="669290" cy="669290"/>
+          </a:xfrm>
+          <a:prstGeom prst="roundRect">
+            <a:avLst/>
+          </a:prstGeom>
+        </p:spPr>
+        <p:style>
+          <a:lnRef idx="2">
+            <a:schemeClr val="accent1">
+              <a:shade val="50000"/>
+            </a:schemeClr>
+          </a:lnRef>
+          <a:fillRef idx="1">
+            <a:schemeClr val="accent1"/>
+          </a:fillRef>
+          <a:effectRef idx="0">
+            <a:schemeClr val="accent1"/>
+          </a:effectRef>
+          <a:fontRef idx="minor">
+            <a:schemeClr val="lt1"/>
+          </a:fontRef>
+        </p:style>
+        <p:txBody>
+          <a:bodyPr rtlCol="0" anchor="ctr"/>
+          <a:p>
+            <a:pPr algn="ctr"/>
+            <a:r>
+              <a:rPr lang="en-US" altLang="zh-CN"/>
+              <a:t>28</a:t>
+            </a:r>
+            <a:endParaRPr lang="en-US" altLang="zh-CN"/>
+          </a:p>
+        </p:txBody>
+      </p:sp>
+      <p:sp>
+        <p:nvSpPr>
+          <p:cNvPr id="9" name="圆角矩形 8"/>
+          <p:cNvSpPr/>
+          <p:nvPr/>
+        </p:nvSpPr>
+        <p:spPr>
+          <a:xfrm>
+            <a:off x="9555480" y="810895"/>
+            <a:ext cx="669290" cy="669290"/>
+          </a:xfrm>
+          <a:prstGeom prst="roundRect">
+            <a:avLst/>
+          </a:prstGeom>
+        </p:spPr>
+        <p:style>
+          <a:lnRef idx="2">
+            <a:schemeClr val="accent1">
+              <a:shade val="50000"/>
+            </a:schemeClr>
+          </a:lnRef>
+          <a:fillRef idx="1">
+            <a:schemeClr val="accent1"/>
+          </a:fillRef>
+          <a:effectRef idx="0">
+            <a:schemeClr val="accent1"/>
+          </a:effectRef>
+          <a:fontRef idx="minor">
+            <a:schemeClr val="lt1"/>
+          </a:fontRef>
+        </p:style>
+        <p:txBody>
+          <a:bodyPr rtlCol="0" anchor="ctr"/>
+          <a:p>
+            <a:pPr algn="ctr"/>
+            <a:r>
+              <a:rPr lang="en-US" altLang="zh-CN"/>
+              <a:t>47</a:t>
+            </a:r>
+            <a:endParaRPr lang="en-US" altLang="zh-CN"/>
+          </a:p>
+        </p:txBody>
+      </p:sp>
+      <p:sp>
+        <p:nvSpPr>
+          <p:cNvPr id="10" name="圆角矩形 9"/>
+          <p:cNvSpPr/>
+          <p:nvPr/>
+        </p:nvSpPr>
+        <p:spPr>
+          <a:xfrm>
+            <a:off x="4135755" y="810895"/>
+            <a:ext cx="669290" cy="669290"/>
+          </a:xfrm>
+          <a:prstGeom prst="roundRect">
+            <a:avLst/>
+          </a:prstGeom>
+        </p:spPr>
+        <p:style>
+          <a:lnRef idx="2">
+            <a:schemeClr val="accent1">
+              <a:shade val="50000"/>
+            </a:schemeClr>
+          </a:lnRef>
+          <a:fillRef idx="1">
+            <a:schemeClr val="accent1"/>
+          </a:fillRef>
+          <a:effectRef idx="0">
+            <a:schemeClr val="accent1"/>
+          </a:effectRef>
+          <a:fontRef idx="minor">
+            <a:schemeClr val="lt1"/>
+          </a:fontRef>
+        </p:style>
+        <p:txBody>
+          <a:bodyPr rtlCol="0" anchor="ctr"/>
+          <a:p>
+            <a:pPr algn="ctr"/>
+            <a:r>
+              <a:rPr lang="en-US" altLang="zh-CN"/>
+              <a:t>10</a:t>
+            </a:r>
+            <a:endParaRPr lang="en-US" altLang="zh-CN"/>
+          </a:p>
+        </p:txBody>
+      </p:sp>
+      <p:sp>
+        <p:nvSpPr>
+          <p:cNvPr id="11" name="圆角矩形 10"/>
+          <p:cNvSpPr/>
+          <p:nvPr/>
+        </p:nvSpPr>
+        <p:spPr>
+          <a:xfrm>
+            <a:off x="7387590" y="810895"/>
+            <a:ext cx="669290" cy="669290"/>
+          </a:xfrm>
+          <a:prstGeom prst="roundRect">
+            <a:avLst/>
+          </a:prstGeom>
+        </p:spPr>
+        <p:style>
+          <a:lnRef idx="2">
+            <a:schemeClr val="accent1">
+              <a:shade val="50000"/>
+            </a:schemeClr>
+          </a:lnRef>
+          <a:fillRef idx="1">
+            <a:schemeClr val="accent1"/>
+          </a:fillRef>
+          <a:effectRef idx="0">
+            <a:schemeClr val="accent1"/>
+          </a:effectRef>
+          <a:fontRef idx="minor">
+            <a:schemeClr val="lt1"/>
+          </a:fontRef>
+        </p:style>
+        <p:txBody>
+          <a:bodyPr rtlCol="0" anchor="ctr"/>
+          <a:p>
+            <a:pPr algn="ctr"/>
+            <a:r>
+              <a:rPr lang="en-US" altLang="zh-CN"/>
+              <a:t>39</a:t>
+            </a:r>
+            <a:endParaRPr lang="en-US" altLang="zh-CN"/>
+          </a:p>
+        </p:txBody>
+      </p:sp>
+      <p:sp>
+        <p:nvSpPr>
+          <p:cNvPr id="12" name="圆角矩形 11"/>
+          <p:cNvSpPr/>
+          <p:nvPr/>
+        </p:nvSpPr>
+        <p:spPr>
+          <a:xfrm>
+            <a:off x="8471535" y="810895"/>
+            <a:ext cx="669290" cy="669290"/>
+          </a:xfrm>
+          <a:prstGeom prst="roundRect">
+            <a:avLst/>
+          </a:prstGeom>
+        </p:spPr>
+        <p:style>
+          <a:lnRef idx="2">
+            <a:schemeClr val="accent1">
+              <a:shade val="50000"/>
+            </a:schemeClr>
+          </a:lnRef>
+          <a:fillRef idx="1">
+            <a:schemeClr val="accent1"/>
+          </a:fillRef>
+          <a:effectRef idx="0">
+            <a:schemeClr val="accent1"/>
+          </a:effectRef>
+          <a:fontRef idx="minor">
+            <a:schemeClr val="lt1"/>
+          </a:fontRef>
+        </p:style>
+        <p:txBody>
+          <a:bodyPr rtlCol="0" anchor="ctr"/>
+          <a:p>
+            <a:pPr algn="ctr"/>
+            <a:r>
+              <a:rPr lang="en-US" altLang="zh-CN"/>
+              <a:t>35</a:t>
+            </a:r>
+            <a:endParaRPr lang="en-US" altLang="zh-CN"/>
+          </a:p>
+        </p:txBody>
+      </p:sp>
+      <p:sp>
+        <p:nvSpPr>
+          <p:cNvPr id="13" name="圆角矩形 12"/>
+          <p:cNvSpPr/>
+          <p:nvPr/>
+        </p:nvSpPr>
+        <p:spPr>
+          <a:xfrm>
+            <a:off x="5219700" y="810895"/>
+            <a:ext cx="669290" cy="669290"/>
+          </a:xfrm>
+          <a:prstGeom prst="roundRect">
+            <a:avLst/>
+          </a:prstGeom>
+        </p:spPr>
+        <p:style>
+          <a:lnRef idx="2">
+            <a:schemeClr val="accent1">
+              <a:shade val="50000"/>
+            </a:schemeClr>
+          </a:lnRef>
+          <a:fillRef idx="1">
+            <a:schemeClr val="accent1"/>
+          </a:fillRef>
+          <a:effectRef idx="0">
+            <a:schemeClr val="accent1"/>
+          </a:effectRef>
+          <a:fontRef idx="minor">
+            <a:schemeClr val="lt1"/>
+          </a:fontRef>
+        </p:style>
+        <p:txBody>
+          <a:bodyPr rtlCol="0" anchor="ctr"/>
+          <a:p>
+            <a:pPr algn="ctr"/>
+            <a:r>
+              <a:rPr lang="en-US" altLang="zh-CN"/>
+              <a:t>24</a:t>
+            </a:r>
+            <a:endParaRPr lang="en-US" altLang="zh-CN"/>
+          </a:p>
+        </p:txBody>
+      </p:sp>
+      <p:sp>
+        <p:nvSpPr>
+          <p:cNvPr id="14" name="圆角矩形 13"/>
+          <p:cNvSpPr/>
+          <p:nvPr/>
+        </p:nvSpPr>
+        <p:spPr>
+          <a:xfrm>
+            <a:off x="6303645" y="810895"/>
+            <a:ext cx="669290" cy="669290"/>
+          </a:xfrm>
+          <a:prstGeom prst="roundRect">
+            <a:avLst/>
+          </a:prstGeom>
+        </p:spPr>
+        <p:style>
+          <a:lnRef idx="2">
+            <a:schemeClr val="accent1">
+              <a:shade val="50000"/>
+            </a:schemeClr>
+          </a:lnRef>
+          <a:fillRef idx="1">
+            <a:schemeClr val="accent1"/>
+          </a:fillRef>
+          <a:effectRef idx="0">
+            <a:schemeClr val="accent1"/>
+          </a:effectRef>
+          <a:fontRef idx="minor">
+            <a:schemeClr val="lt1"/>
+          </a:fontRef>
+        </p:style>
+        <p:txBody>
+          <a:bodyPr rtlCol="0" anchor="ctr"/>
+          <a:p>
+            <a:pPr algn="ctr"/>
+            <a:r>
+              <a:rPr lang="en-US" altLang="zh-CN"/>
+              <a:t>50</a:t>
+            </a:r>
+            <a:endParaRPr lang="en-US" altLang="zh-CN"/>
+          </a:p>
+        </p:txBody>
+      </p:sp>
+      <p:sp>
+        <p:nvSpPr>
+          <p:cNvPr id="38" name="流程图: 磁盘 37"/>
+          <p:cNvSpPr/>
+          <p:nvPr/>
+        </p:nvSpPr>
+        <p:spPr>
+          <a:xfrm>
+            <a:off x="1866900" y="2459990"/>
+            <a:ext cx="797560" cy="1218565"/>
+          </a:xfrm>
+          <a:prstGeom prst="flowChartMagneticDisk">
+            <a:avLst/>
+          </a:prstGeom>
+        </p:spPr>
+        <p:style>
+          <a:lnRef idx="2">
+            <a:schemeClr val="accent3">
+              <a:shade val="50000"/>
+            </a:schemeClr>
+          </a:lnRef>
+          <a:fillRef idx="1">
+            <a:schemeClr val="accent3"/>
+          </a:fillRef>
+          <a:effectRef idx="0">
+            <a:schemeClr val="accent3"/>
+          </a:effectRef>
+          <a:fontRef idx="minor">
+            <a:schemeClr val="lt1"/>
+          </a:fontRef>
+        </p:style>
+        <p:txBody>
+          <a:bodyPr rtlCol="0" anchor="ctr"/>
+          <a:p>
+            <a:pPr algn="ctr"/>
+            <a:r>
+              <a:rPr lang="en-US" altLang="zh-CN">
+                <a:solidFill>
+                  <a:srgbClr val="FFFF00"/>
+                </a:solidFill>
+              </a:rPr>
+              <a:t>10</a:t>
+            </a:r>
+            <a:endParaRPr lang="en-US" altLang="zh-CN">
+              <a:solidFill>
+                <a:srgbClr val="FFFF00"/>
+              </a:solidFill>
+            </a:endParaRPr>
+          </a:p>
+          <a:p>
+            <a:pPr algn="ctr"/>
+            <a:r>
+              <a:rPr lang="en-US" altLang="zh-CN">
+                <a:solidFill>
+                  <a:srgbClr val="FFFF00"/>
+                </a:solidFill>
+              </a:rPr>
+              <a:t>14</a:t>
+            </a:r>
+            <a:endParaRPr lang="en-US" altLang="zh-CN">
+              <a:solidFill>
+                <a:srgbClr val="FFFF00"/>
+              </a:solidFill>
+            </a:endParaRPr>
+          </a:p>
+        </p:txBody>
+      </p:sp>
+      <p:sp>
+        <p:nvSpPr>
+          <p:cNvPr id="39" name="流程图: 磁盘 38"/>
+          <p:cNvSpPr/>
+          <p:nvPr/>
+        </p:nvSpPr>
+        <p:spPr>
+          <a:xfrm>
+            <a:off x="3399155" y="2459990"/>
+            <a:ext cx="797560" cy="1218565"/>
+          </a:xfrm>
+          <a:prstGeom prst="flowChartMagneticDisk">
+            <a:avLst/>
+          </a:prstGeom>
+        </p:spPr>
+        <p:style>
+          <a:lnRef idx="2">
+            <a:schemeClr val="accent3">
+              <a:shade val="50000"/>
+            </a:schemeClr>
+          </a:lnRef>
+          <a:fillRef idx="1">
+            <a:schemeClr val="accent3"/>
+          </a:fillRef>
+          <a:effectRef idx="0">
+            <a:schemeClr val="accent3"/>
+          </a:effectRef>
+          <a:fontRef idx="minor">
+            <a:schemeClr val="lt1"/>
+          </a:fontRef>
+        </p:style>
+        <p:txBody>
+          <a:bodyPr rtlCol="0" anchor="ctr"/>
+          <a:p>
+            <a:pPr algn="ctr"/>
+            <a:r>
+              <a:rPr lang="en-US" altLang="zh-CN">
+                <a:solidFill>
+                  <a:srgbClr val="FFFF00"/>
+                </a:solidFill>
+              </a:rPr>
+              <a:t>24</a:t>
+            </a:r>
+            <a:endParaRPr lang="en-US" altLang="zh-CN">
+              <a:solidFill>
+                <a:srgbClr val="FFFF00"/>
+              </a:solidFill>
+            </a:endParaRPr>
+          </a:p>
+        </p:txBody>
+      </p:sp>
+      <p:sp>
+        <p:nvSpPr>
+          <p:cNvPr id="40" name="流程图: 磁盘 39"/>
+          <p:cNvSpPr/>
+          <p:nvPr/>
+        </p:nvSpPr>
+        <p:spPr>
+          <a:xfrm>
+            <a:off x="4931410" y="2459990"/>
+            <a:ext cx="797560" cy="1218565"/>
+          </a:xfrm>
+          <a:prstGeom prst="flowChartMagneticDisk">
+            <a:avLst/>
+          </a:prstGeom>
+        </p:spPr>
+        <p:style>
+          <a:lnRef idx="2">
+            <a:schemeClr val="accent3">
+              <a:shade val="50000"/>
+            </a:schemeClr>
+          </a:lnRef>
+          <a:fillRef idx="1">
+            <a:schemeClr val="accent3"/>
+          </a:fillRef>
+          <a:effectRef idx="0">
+            <a:schemeClr val="accent3"/>
+          </a:effectRef>
+          <a:fontRef idx="minor">
+            <a:schemeClr val="lt1"/>
+          </a:fontRef>
+        </p:style>
+        <p:txBody>
+          <a:bodyPr rtlCol="0" anchor="ctr"/>
+          <a:p>
+            <a:pPr algn="ctr"/>
+            <a:r>
+              <a:rPr lang="en-US" altLang="zh-CN">
+                <a:solidFill>
+                  <a:srgbClr val="FFFF00"/>
+                </a:solidFill>
+              </a:rPr>
+              <a:t>28</a:t>
+            </a:r>
+            <a:endParaRPr lang="en-US" altLang="zh-CN">
+              <a:solidFill>
+                <a:srgbClr val="FFFF00"/>
+              </a:solidFill>
+            </a:endParaRPr>
+          </a:p>
+        </p:txBody>
+      </p:sp>
+      <p:sp>
+        <p:nvSpPr>
+          <p:cNvPr id="41" name="流程图: 磁盘 40"/>
+          <p:cNvSpPr/>
+          <p:nvPr/>
+        </p:nvSpPr>
+        <p:spPr>
+          <a:xfrm>
+            <a:off x="6463665" y="2459990"/>
+            <a:ext cx="797560" cy="1218565"/>
+          </a:xfrm>
+          <a:prstGeom prst="flowChartMagneticDisk">
+            <a:avLst/>
+          </a:prstGeom>
+        </p:spPr>
+        <p:style>
+          <a:lnRef idx="2">
+            <a:schemeClr val="accent3">
+              <a:shade val="50000"/>
+            </a:schemeClr>
+          </a:lnRef>
+          <a:fillRef idx="1">
+            <a:schemeClr val="accent3"/>
+          </a:fillRef>
+          <a:effectRef idx="0">
+            <a:schemeClr val="accent3"/>
+          </a:effectRef>
+          <a:fontRef idx="minor">
+            <a:schemeClr val="lt1"/>
+          </a:fontRef>
+        </p:style>
+        <p:txBody>
+          <a:bodyPr rtlCol="0" anchor="ctr"/>
+          <a:p>
+            <a:pPr algn="ctr"/>
+            <a:r>
+              <a:rPr lang="en-US" altLang="zh-CN">
+                <a:solidFill>
+                  <a:srgbClr val="FFFF00"/>
+                </a:solidFill>
+              </a:rPr>
+              <a:t>35</a:t>
+            </a:r>
+            <a:endParaRPr lang="en-US" altLang="zh-CN">
+              <a:solidFill>
+                <a:srgbClr val="FFFF00"/>
+              </a:solidFill>
+            </a:endParaRPr>
+          </a:p>
+          <a:p>
+            <a:pPr algn="ctr"/>
+            <a:r>
+              <a:rPr lang="en-US" altLang="zh-CN">
+                <a:solidFill>
+                  <a:srgbClr val="FFFF00"/>
+                </a:solidFill>
+              </a:rPr>
+              <a:t>39</a:t>
+            </a:r>
+            <a:endParaRPr lang="en-US" altLang="zh-CN">
+              <a:solidFill>
+                <a:srgbClr val="FFFF00"/>
+              </a:solidFill>
+            </a:endParaRPr>
+          </a:p>
+        </p:txBody>
+      </p:sp>
+      <p:sp>
+        <p:nvSpPr>
+          <p:cNvPr id="42" name="流程图: 磁盘 41"/>
+          <p:cNvSpPr/>
+          <p:nvPr/>
+        </p:nvSpPr>
+        <p:spPr>
+          <a:xfrm>
+            <a:off x="7995920" y="2456180"/>
+            <a:ext cx="797560" cy="1218565"/>
+          </a:xfrm>
+          <a:prstGeom prst="flowChartMagneticDisk">
+            <a:avLst/>
+          </a:prstGeom>
+        </p:spPr>
+        <p:style>
+          <a:lnRef idx="2">
+            <a:schemeClr val="accent3">
+              <a:shade val="50000"/>
+            </a:schemeClr>
+          </a:lnRef>
+          <a:fillRef idx="1">
+            <a:schemeClr val="accent3"/>
+          </a:fillRef>
+          <a:effectRef idx="0">
+            <a:schemeClr val="accent3"/>
+          </a:effectRef>
+          <a:fontRef idx="minor">
+            <a:schemeClr val="lt1"/>
+          </a:fontRef>
+        </p:style>
+        <p:txBody>
+          <a:bodyPr rtlCol="0" anchor="ctr"/>
+          <a:p>
+            <a:pPr algn="ctr"/>
+            <a:r>
+              <a:rPr lang="en-US" altLang="zh-CN">
+                <a:solidFill>
+                  <a:srgbClr val="FFFF00"/>
+                </a:solidFill>
+              </a:rPr>
+              <a:t>47</a:t>
+            </a:r>
+            <a:endParaRPr lang="en-US" altLang="zh-CN">
+              <a:solidFill>
+                <a:srgbClr val="FFFF00"/>
+              </a:solidFill>
+            </a:endParaRPr>
+          </a:p>
+        </p:txBody>
+      </p:sp>
+      <p:sp>
+        <p:nvSpPr>
+          <p:cNvPr id="43" name="流程图: 磁盘 42"/>
+          <p:cNvSpPr/>
+          <p:nvPr/>
+        </p:nvSpPr>
+        <p:spPr>
+          <a:xfrm>
+            <a:off x="9528175" y="2419350"/>
+            <a:ext cx="797560" cy="1218565"/>
+          </a:xfrm>
+          <a:prstGeom prst="flowChartMagneticDisk">
+            <a:avLst/>
+          </a:prstGeom>
+        </p:spPr>
+        <p:style>
+          <a:lnRef idx="2">
+            <a:schemeClr val="accent3">
+              <a:shade val="50000"/>
+            </a:schemeClr>
+          </a:lnRef>
+          <a:fillRef idx="1">
+            <a:schemeClr val="accent3"/>
+          </a:fillRef>
+          <a:effectRef idx="0">
+            <a:schemeClr val="accent3"/>
+          </a:effectRef>
+          <a:fontRef idx="minor">
+            <a:schemeClr val="lt1"/>
+          </a:fontRef>
+        </p:style>
+        <p:txBody>
+          <a:bodyPr rtlCol="0" anchor="ctr"/>
+          <a:p>
+            <a:pPr algn="ctr"/>
+            <a:r>
+              <a:rPr lang="en-US" altLang="zh-CN">
+                <a:solidFill>
+                  <a:srgbClr val="FFFF00"/>
+                </a:solidFill>
+              </a:rPr>
+              <a:t>50</a:t>
+            </a:r>
+            <a:endParaRPr lang="en-US" altLang="zh-CN">
+              <a:solidFill>
+                <a:srgbClr val="FFFF00"/>
+              </a:solidFill>
+            </a:endParaRPr>
+          </a:p>
+        </p:txBody>
+      </p:sp>
+      <p:sp>
+        <p:nvSpPr>
+          <p:cNvPr id="44" name="文本框 43"/>
+          <p:cNvSpPr txBox="1"/>
+          <p:nvPr/>
+        </p:nvSpPr>
+        <p:spPr>
+          <a:xfrm>
+            <a:off x="1784985" y="3956685"/>
+            <a:ext cx="961390" cy="368300"/>
+          </a:xfrm>
+          <a:prstGeom prst="rect">
+            <a:avLst/>
+          </a:prstGeom>
+          <a:noFill/>
+        </p:spPr>
+        <p:txBody>
+          <a:bodyPr wrap="square" rtlCol="0">
+            <a:spAutoFit/>
+          </a:bodyPr>
+          <a:p>
+            <a:pPr algn="ctr"/>
+            <a:r>
+              <a:rPr lang="en-US" altLang="zh-CN"/>
+              <a:t>[10,17]</a:t>
+            </a:r>
+            <a:endParaRPr lang="en-US" altLang="zh-CN"/>
+          </a:p>
+        </p:txBody>
+      </p:sp>
+      <p:sp>
+        <p:nvSpPr>
+          <p:cNvPr id="45" name="文本框 44"/>
+          <p:cNvSpPr txBox="1"/>
+          <p:nvPr/>
+        </p:nvSpPr>
+        <p:spPr>
+          <a:xfrm>
+            <a:off x="3317240" y="3956685"/>
+            <a:ext cx="961390" cy="368300"/>
+          </a:xfrm>
+          <a:prstGeom prst="rect">
+            <a:avLst/>
+          </a:prstGeom>
+          <a:noFill/>
+        </p:spPr>
+        <p:txBody>
+          <a:bodyPr wrap="square" rtlCol="0">
+            <a:spAutoFit/>
+          </a:bodyPr>
+          <a:p>
+            <a:pPr algn="ctr"/>
+            <a:r>
+              <a:rPr lang="en-US" altLang="zh-CN"/>
+              <a:t>[18,25]</a:t>
+            </a:r>
+            <a:endParaRPr lang="en-US" altLang="zh-CN"/>
+          </a:p>
+        </p:txBody>
+      </p:sp>
+      <p:sp>
+        <p:nvSpPr>
+          <p:cNvPr id="46" name="文本框 45"/>
+          <p:cNvSpPr txBox="1"/>
+          <p:nvPr/>
+        </p:nvSpPr>
+        <p:spPr>
+          <a:xfrm>
+            <a:off x="4849495" y="3956685"/>
+            <a:ext cx="961390" cy="368300"/>
+          </a:xfrm>
+          <a:prstGeom prst="rect">
+            <a:avLst/>
+          </a:prstGeom>
+          <a:noFill/>
+        </p:spPr>
+        <p:txBody>
+          <a:bodyPr wrap="square" rtlCol="0">
+            <a:spAutoFit/>
+          </a:bodyPr>
+          <a:p>
+            <a:pPr algn="ctr"/>
+            <a:r>
+              <a:rPr lang="en-US" altLang="zh-CN"/>
+              <a:t>[26,33]</a:t>
+            </a:r>
+            <a:endParaRPr lang="en-US" altLang="zh-CN"/>
+          </a:p>
+        </p:txBody>
+      </p:sp>
+      <p:sp>
+        <p:nvSpPr>
+          <p:cNvPr id="47" name="文本框 46"/>
+          <p:cNvSpPr txBox="1"/>
+          <p:nvPr/>
+        </p:nvSpPr>
+        <p:spPr>
+          <a:xfrm>
+            <a:off x="6381750" y="3956685"/>
+            <a:ext cx="961390" cy="368300"/>
+          </a:xfrm>
+          <a:prstGeom prst="rect">
+            <a:avLst/>
+          </a:prstGeom>
+          <a:noFill/>
+        </p:spPr>
+        <p:txBody>
+          <a:bodyPr wrap="square" rtlCol="0">
+            <a:spAutoFit/>
+          </a:bodyPr>
+          <a:p>
+            <a:pPr algn="ctr"/>
+            <a:r>
+              <a:rPr lang="en-US" altLang="zh-CN"/>
+              <a:t>[34,41]</a:t>
+            </a:r>
+            <a:endParaRPr lang="en-US" altLang="zh-CN"/>
+          </a:p>
+        </p:txBody>
+      </p:sp>
+      <p:sp>
+        <p:nvSpPr>
+          <p:cNvPr id="48" name="文本框 47"/>
+          <p:cNvSpPr txBox="1"/>
+          <p:nvPr/>
+        </p:nvSpPr>
+        <p:spPr>
+          <a:xfrm>
+            <a:off x="7914005" y="3956685"/>
+            <a:ext cx="961390" cy="368300"/>
+          </a:xfrm>
+          <a:prstGeom prst="rect">
+            <a:avLst/>
+          </a:prstGeom>
+          <a:noFill/>
+        </p:spPr>
+        <p:txBody>
+          <a:bodyPr wrap="square" rtlCol="0">
+            <a:spAutoFit/>
+          </a:bodyPr>
+          <a:p>
+            <a:pPr algn="ctr"/>
+            <a:r>
+              <a:rPr lang="en-US" altLang="zh-CN"/>
+              <a:t>[42,49]</a:t>
+            </a:r>
+            <a:endParaRPr lang="en-US" altLang="zh-CN"/>
+          </a:p>
+        </p:txBody>
+      </p:sp>
+      <p:sp>
+        <p:nvSpPr>
+          <p:cNvPr id="49" name="文本框 48"/>
+          <p:cNvSpPr txBox="1"/>
+          <p:nvPr/>
+        </p:nvSpPr>
+        <p:spPr>
+          <a:xfrm>
+            <a:off x="9446260" y="3956685"/>
+            <a:ext cx="961390" cy="368300"/>
+          </a:xfrm>
+          <a:prstGeom prst="rect">
+            <a:avLst/>
+          </a:prstGeom>
+          <a:noFill/>
+        </p:spPr>
+        <p:txBody>
+          <a:bodyPr wrap="square" rtlCol="0">
+            <a:spAutoFit/>
+          </a:bodyPr>
+          <a:p>
+            <a:pPr algn="ctr"/>
+            <a:r>
+              <a:rPr lang="en-US" altLang="zh-CN"/>
+              <a:t>[50,57]</a:t>
+            </a:r>
+            <a:endParaRPr lang="en-US" altLang="zh-CN"/>
+          </a:p>
+        </p:txBody>
+      </p:sp>
+      <p:sp>
+        <p:nvSpPr>
+          <p:cNvPr id="19" name="圆角矩形 18"/>
+          <p:cNvSpPr/>
+          <p:nvPr/>
+        </p:nvSpPr>
+        <p:spPr>
+          <a:xfrm>
+            <a:off x="1967865" y="5234305"/>
+            <a:ext cx="669290" cy="669290"/>
+          </a:xfrm>
+          <a:prstGeom prst="roundRect">
+            <a:avLst/>
+          </a:prstGeom>
+        </p:spPr>
+        <p:style>
+          <a:lnRef idx="2">
+            <a:schemeClr val="accent4">
+              <a:shade val="50000"/>
+            </a:schemeClr>
+          </a:lnRef>
+          <a:fillRef idx="1">
+            <a:schemeClr val="accent4"/>
+          </a:fillRef>
+          <a:effectRef idx="0">
+            <a:schemeClr val="accent4"/>
+          </a:effectRef>
+          <a:fontRef idx="minor">
+            <a:schemeClr val="lt1"/>
+          </a:fontRef>
+        </p:style>
+        <p:txBody>
+          <a:bodyPr rtlCol="0" anchor="ctr"/>
+          <a:p>
+            <a:pPr algn="ctr"/>
+            <a:r>
+              <a:rPr lang="en-US" altLang="zh-CN"/>
+              <a:t>10</a:t>
+            </a:r>
+            <a:endParaRPr lang="en-US" altLang="zh-CN"/>
+          </a:p>
+        </p:txBody>
+      </p:sp>
+      <p:sp>
+        <p:nvSpPr>
+          <p:cNvPr id="2" name="圆角矩形 1"/>
+          <p:cNvSpPr/>
+          <p:nvPr/>
+        </p:nvSpPr>
+        <p:spPr>
+          <a:xfrm>
+            <a:off x="3051810" y="5234305"/>
+            <a:ext cx="669290" cy="669290"/>
+          </a:xfrm>
+          <a:prstGeom prst="roundRect">
+            <a:avLst/>
+          </a:prstGeom>
+        </p:spPr>
+        <p:style>
+          <a:lnRef idx="2">
+            <a:schemeClr val="accent4">
+              <a:shade val="50000"/>
+            </a:schemeClr>
+          </a:lnRef>
+          <a:fillRef idx="1">
+            <a:schemeClr val="accent4"/>
+          </a:fillRef>
+          <a:effectRef idx="0">
+            <a:schemeClr val="accent4"/>
+          </a:effectRef>
+          <a:fontRef idx="minor">
+            <a:schemeClr val="lt1"/>
+          </a:fontRef>
+        </p:style>
+        <p:txBody>
+          <a:bodyPr rtlCol="0" anchor="ctr"/>
+          <a:p>
+            <a:pPr algn="ctr"/>
+            <a:r>
+              <a:rPr lang="en-US" altLang="zh-CN"/>
+              <a:t>14</a:t>
+            </a:r>
+            <a:endParaRPr lang="en-US" altLang="zh-CN"/>
+          </a:p>
+        </p:txBody>
+      </p:sp>
+      <p:sp>
+        <p:nvSpPr>
+          <p:cNvPr id="3" name="圆角矩形 2"/>
+          <p:cNvSpPr/>
+          <p:nvPr/>
+        </p:nvSpPr>
+        <p:spPr>
+          <a:xfrm>
+            <a:off x="4135755" y="5234305"/>
+            <a:ext cx="669290" cy="669290"/>
+          </a:xfrm>
+          <a:prstGeom prst="roundRect">
+            <a:avLst/>
+          </a:prstGeom>
+        </p:spPr>
+        <p:style>
+          <a:lnRef idx="2">
+            <a:schemeClr val="accent4">
+              <a:shade val="50000"/>
+            </a:schemeClr>
+          </a:lnRef>
+          <a:fillRef idx="1">
+            <a:schemeClr val="accent4"/>
+          </a:fillRef>
+          <a:effectRef idx="0">
+            <a:schemeClr val="accent4"/>
+          </a:effectRef>
+          <a:fontRef idx="minor">
+            <a:schemeClr val="lt1"/>
+          </a:fontRef>
+        </p:style>
+        <p:txBody>
+          <a:bodyPr rtlCol="0" anchor="ctr"/>
+          <a:p>
+            <a:pPr algn="ctr"/>
+            <a:r>
+              <a:rPr lang="en-US" altLang="zh-CN"/>
+              <a:t>24</a:t>
+            </a:r>
+            <a:endParaRPr lang="en-US" altLang="zh-CN"/>
+          </a:p>
+        </p:txBody>
+      </p:sp>
+      <p:sp>
+        <p:nvSpPr>
+          <p:cNvPr id="4" name="圆角矩形 3"/>
+          <p:cNvSpPr/>
+          <p:nvPr/>
+        </p:nvSpPr>
+        <p:spPr>
+          <a:xfrm>
+            <a:off x="5219700" y="5234305"/>
+            <a:ext cx="669290" cy="669290"/>
+          </a:xfrm>
+          <a:prstGeom prst="roundRect">
+            <a:avLst/>
+          </a:prstGeom>
+        </p:spPr>
+        <p:style>
+          <a:lnRef idx="2">
+            <a:schemeClr val="accent4">
+              <a:shade val="50000"/>
+            </a:schemeClr>
+          </a:lnRef>
+          <a:fillRef idx="1">
+            <a:schemeClr val="accent4"/>
+          </a:fillRef>
+          <a:effectRef idx="0">
+            <a:schemeClr val="accent4"/>
+          </a:effectRef>
+          <a:fontRef idx="minor">
+            <a:schemeClr val="lt1"/>
+          </a:fontRef>
+        </p:style>
+        <p:txBody>
+          <a:bodyPr rtlCol="0" anchor="ctr"/>
+          <a:p>
+            <a:pPr algn="ctr"/>
+            <a:r>
+              <a:rPr lang="en-US" altLang="zh-CN"/>
+              <a:t>28</a:t>
+            </a:r>
+            <a:endParaRPr lang="en-US" altLang="zh-CN"/>
+          </a:p>
+        </p:txBody>
+      </p:sp>
+      <p:sp>
+        <p:nvSpPr>
+          <p:cNvPr id="5" name="圆角矩形 4"/>
+          <p:cNvSpPr/>
+          <p:nvPr/>
+        </p:nvSpPr>
+        <p:spPr>
+          <a:xfrm>
+            <a:off x="6527800" y="2968625"/>
+            <a:ext cx="669290" cy="669290"/>
+          </a:xfrm>
+          <a:prstGeom prst="roundRect">
+            <a:avLst/>
+          </a:prstGeom>
+        </p:spPr>
+        <p:style>
+          <a:lnRef idx="2">
+            <a:schemeClr val="accent4">
+              <a:shade val="50000"/>
+            </a:schemeClr>
+          </a:lnRef>
+          <a:fillRef idx="1">
+            <a:schemeClr val="accent4"/>
+          </a:fillRef>
+          <a:effectRef idx="0">
+            <a:schemeClr val="accent4"/>
+          </a:effectRef>
+          <a:fontRef idx="minor">
+            <a:schemeClr val="lt1"/>
+          </a:fontRef>
+        </p:style>
+        <p:txBody>
+          <a:bodyPr rtlCol="0" anchor="ctr"/>
+          <a:p>
+            <a:pPr algn="ctr"/>
+            <a:r>
+              <a:rPr lang="en-US" altLang="zh-CN"/>
+              <a:t>35</a:t>
+            </a:r>
+            <a:endParaRPr lang="en-US" altLang="zh-CN"/>
+          </a:p>
+        </p:txBody>
+      </p:sp>
+    </p:spTree>
+    <p:custDataLst>
+      <p:tags r:id="rId1"/>
+    </p:custDataLst>
+  </p:cSld>
+  <p:clrMapOvr>
+    <a:masterClrMapping/>
+  </p:clrMapOvr>
+  <mc:AlternateContent xmlns:mc="http://schemas.openxmlformats.org/markup-compatibility/2006" xmlns:p159="http://schemas.microsoft.com/office/powerpoint/2015/09/main">
+    <mc:Choice Requires="p159">
+      <p:transition xmlns:p14="http://schemas.microsoft.com/office/powerpoint/2010/main" p14:dur="500">
+        <p159:morph option="byObject"/>
+      </p:transition>
+    </mc:Choice>
+    <mc:Fallback>
+      <p:transition>
+        <p:fade/>
+      </p:transition>
+    </mc:Fallback>
+  </mc:AlternateContent>
+  <p:timing>
+    <p:tnLst>
+      <p:par>
+        <p:cTn id="1" dur="indefinite" restart="never" nodeType="tmRoot">
+          <p:childTnLst>
+            <p:seq concurrent="1" nextAc="seek">
+              <p:cTn id="2" dur="indefinite" nodeType="mainSeq">
+                <p:childTnLst>
+                  <p:par>
+                    <p:cTn id="3" fill="hold">
+                      <p:stCondLst>
+                        <p:cond delay="indefinite"/>
+                      </p:stCondLst>
+                      <p:childTnLst>
+                        <p:par>
+                          <p:cTn id="4" fill="hold">
+                            <p:stCondLst>
+                              <p:cond delay="0"/>
+                            </p:stCondLst>
+                            <p:childTnLst>
+                              <p:par>
+                                <p:cTn id="5" presetID="1" presetClass="entr" presetSubtype="0" fill="hold" grpId="0" nodeType="clickEffect">
+                                  <p:stCondLst>
+                                    <p:cond delay="0"/>
+                                  </p:stCondLst>
+                                  <p:childTnLst>
+                                    <p:set>
+                                      <p:cBhvr>
+                                        <p:cTn id="6" dur="1" fill="hold">
+                                          <p:stCondLst>
+                                            <p:cond delay="0"/>
+                                          </p:stCondLst>
+                                        </p:cTn>
+                                        <p:tgtEl>
+                                          <p:spTgt spid="5"/>
+                                        </p:tgtEl>
+                                        <p:attrNameLst>
+                                          <p:attrName>style.visibility</p:attrName>
+                                        </p:attrNameLst>
+                                      </p:cBhvr>
+                                      <p:to>
+                                        <p:strVal val="visible"/>
+                                      </p:to>
+                                    </p:set>
+                                  </p:childTnLst>
+                                </p:cTn>
+                              </p:par>
+                            </p:childTnLst>
+                          </p:cTn>
+                        </p:par>
+                      </p:childTnLst>
+                    </p:cTn>
+                  </p:par>
+                </p:childTnLst>
+              </p:cTn>
+              <p:prevCondLst>
+                <p:cond evt="onPrev" delay="0">
+                  <p:tgtEl>
+                    <p:sldTgt/>
+                  </p:tgtEl>
+                </p:cond>
+              </p:prevCondLst>
+              <p:nextCondLst>
+                <p:cond evt="onNext" delay="0">
+                  <p:tgtEl>
+                    <p:sldTgt/>
+                  </p:tgtEl>
+                </p:cond>
+              </p:nextCondLst>
+            </p:seq>
+          </p:childTnLst>
+        </p:cTn>
+      </p:par>
+    </p:tnLst>
+    <p:bldLst>
+      <p:bldP spid="5" grpId="0" bldLvl="0" animBg="1"/>
+    </p:bldLst>
+  </p:timing>
+</p:sld>
+</file>
+
+<file path=ppt/slides/slide11.xml><?xml version="1.0" encoding="utf-8"?>
+<p:sld xmlns:a="http://schemas.openxmlformats.org/drawingml/2006/main" xmlns:r="http://schemas.openxmlformats.org/officeDocument/2006/relationships" xmlns:p="http://schemas.openxmlformats.org/presentationml/2006/main">
+  <p:cSld>
+    <p:spTree>
+      <p:nvGrpSpPr>
+        <p:cNvPr id="1" name=""/>
+        <p:cNvGrpSpPr/>
+        <p:nvPr/>
+      </p:nvGrpSpPr>
+      <p:grpSpPr>
+        <a:xfrm>
+          <a:off x="0" y="0"/>
+          <a:ext cx="0" cy="0"/>
+          <a:chOff x="0" y="0"/>
+          <a:chExt cx="0" cy="0"/>
+        </a:xfrm>
+      </p:grpSpPr>
+      <p:sp>
+        <p:nvSpPr>
+          <p:cNvPr id="6" name="圆角矩形 5"/>
+          <p:cNvSpPr/>
+          <p:nvPr/>
+        </p:nvSpPr>
+        <p:spPr>
+          <a:xfrm>
+            <a:off x="1967865" y="810895"/>
+            <a:ext cx="669290" cy="669290"/>
+          </a:xfrm>
+          <a:prstGeom prst="roundRect">
+            <a:avLst/>
+          </a:prstGeom>
+        </p:spPr>
+        <p:style>
+          <a:lnRef idx="2">
+            <a:schemeClr val="accent1">
+              <a:shade val="50000"/>
+            </a:schemeClr>
+          </a:lnRef>
+          <a:fillRef idx="1">
+            <a:schemeClr val="accent1"/>
+          </a:fillRef>
+          <a:effectRef idx="0">
+            <a:schemeClr val="accent1"/>
+          </a:effectRef>
+          <a:fontRef idx="minor">
+            <a:schemeClr val="lt1"/>
+          </a:fontRef>
+        </p:style>
+        <p:txBody>
+          <a:bodyPr rtlCol="0" anchor="ctr"/>
+          <a:p>
+            <a:pPr algn="ctr"/>
+            <a:r>
+              <a:rPr lang="en-US" altLang="zh-CN"/>
+              <a:t>14</a:t>
+            </a:r>
+            <a:endParaRPr lang="en-US" altLang="zh-CN"/>
+          </a:p>
+        </p:txBody>
+      </p:sp>
+      <p:sp>
+        <p:nvSpPr>
+          <p:cNvPr id="8" name="圆角矩形 7"/>
+          <p:cNvSpPr/>
+          <p:nvPr/>
+        </p:nvSpPr>
+        <p:spPr>
+          <a:xfrm>
+            <a:off x="3051810" y="810895"/>
+            <a:ext cx="669290" cy="669290"/>
+          </a:xfrm>
+          <a:prstGeom prst="roundRect">
+            <a:avLst/>
+          </a:prstGeom>
+        </p:spPr>
+        <p:style>
+          <a:lnRef idx="2">
+            <a:schemeClr val="accent1">
+              <a:shade val="50000"/>
+            </a:schemeClr>
+          </a:lnRef>
+          <a:fillRef idx="1">
+            <a:schemeClr val="accent1"/>
+          </a:fillRef>
+          <a:effectRef idx="0">
+            <a:schemeClr val="accent1"/>
+          </a:effectRef>
+          <a:fontRef idx="minor">
+            <a:schemeClr val="lt1"/>
+          </a:fontRef>
+        </p:style>
+        <p:txBody>
+          <a:bodyPr rtlCol="0" anchor="ctr"/>
+          <a:p>
+            <a:pPr algn="ctr"/>
+            <a:r>
+              <a:rPr lang="en-US" altLang="zh-CN"/>
+              <a:t>28</a:t>
+            </a:r>
+            <a:endParaRPr lang="en-US" altLang="zh-CN"/>
+          </a:p>
+        </p:txBody>
+      </p:sp>
+      <p:sp>
+        <p:nvSpPr>
+          <p:cNvPr id="9" name="圆角矩形 8"/>
+          <p:cNvSpPr/>
+          <p:nvPr/>
+        </p:nvSpPr>
+        <p:spPr>
+          <a:xfrm>
+            <a:off x="9555480" y="810895"/>
+            <a:ext cx="669290" cy="669290"/>
+          </a:xfrm>
+          <a:prstGeom prst="roundRect">
+            <a:avLst/>
+          </a:prstGeom>
+        </p:spPr>
+        <p:style>
+          <a:lnRef idx="2">
+            <a:schemeClr val="accent1">
+              <a:shade val="50000"/>
+            </a:schemeClr>
+          </a:lnRef>
+          <a:fillRef idx="1">
+            <a:schemeClr val="accent1"/>
+          </a:fillRef>
+          <a:effectRef idx="0">
+            <a:schemeClr val="accent1"/>
+          </a:effectRef>
+          <a:fontRef idx="minor">
+            <a:schemeClr val="lt1"/>
+          </a:fontRef>
+        </p:style>
+        <p:txBody>
+          <a:bodyPr rtlCol="0" anchor="ctr"/>
+          <a:p>
+            <a:pPr algn="ctr"/>
+            <a:r>
+              <a:rPr lang="en-US" altLang="zh-CN"/>
+              <a:t>47</a:t>
+            </a:r>
+            <a:endParaRPr lang="en-US" altLang="zh-CN"/>
+          </a:p>
+        </p:txBody>
+      </p:sp>
+      <p:sp>
+        <p:nvSpPr>
+          <p:cNvPr id="10" name="圆角矩形 9"/>
+          <p:cNvSpPr/>
+          <p:nvPr/>
+        </p:nvSpPr>
+        <p:spPr>
+          <a:xfrm>
+            <a:off x="4135755" y="810895"/>
+            <a:ext cx="669290" cy="669290"/>
+          </a:xfrm>
+          <a:prstGeom prst="roundRect">
+            <a:avLst/>
+          </a:prstGeom>
+        </p:spPr>
+        <p:style>
+          <a:lnRef idx="2">
+            <a:schemeClr val="accent1">
+              <a:shade val="50000"/>
+            </a:schemeClr>
+          </a:lnRef>
+          <a:fillRef idx="1">
+            <a:schemeClr val="accent1"/>
+          </a:fillRef>
+          <a:effectRef idx="0">
+            <a:schemeClr val="accent1"/>
+          </a:effectRef>
+          <a:fontRef idx="minor">
+            <a:schemeClr val="lt1"/>
+          </a:fontRef>
+        </p:style>
+        <p:txBody>
+          <a:bodyPr rtlCol="0" anchor="ctr"/>
+          <a:p>
+            <a:pPr algn="ctr"/>
+            <a:r>
+              <a:rPr lang="en-US" altLang="zh-CN"/>
+              <a:t>10</a:t>
+            </a:r>
+            <a:endParaRPr lang="en-US" altLang="zh-CN"/>
+          </a:p>
+        </p:txBody>
+      </p:sp>
+      <p:sp>
+        <p:nvSpPr>
+          <p:cNvPr id="11" name="圆角矩形 10"/>
+          <p:cNvSpPr/>
+          <p:nvPr/>
+        </p:nvSpPr>
+        <p:spPr>
+          <a:xfrm>
+            <a:off x="7387590" y="810895"/>
+            <a:ext cx="669290" cy="669290"/>
+          </a:xfrm>
+          <a:prstGeom prst="roundRect">
+            <a:avLst/>
+          </a:prstGeom>
+        </p:spPr>
+        <p:style>
+          <a:lnRef idx="2">
+            <a:schemeClr val="accent1">
+              <a:shade val="50000"/>
+            </a:schemeClr>
+          </a:lnRef>
+          <a:fillRef idx="1">
+            <a:schemeClr val="accent1"/>
+          </a:fillRef>
+          <a:effectRef idx="0">
+            <a:schemeClr val="accent1"/>
+          </a:effectRef>
+          <a:fontRef idx="minor">
+            <a:schemeClr val="lt1"/>
+          </a:fontRef>
+        </p:style>
+        <p:txBody>
+          <a:bodyPr rtlCol="0" anchor="ctr"/>
+          <a:p>
+            <a:pPr algn="ctr"/>
+            <a:r>
+              <a:rPr lang="en-US" altLang="zh-CN"/>
+              <a:t>39</a:t>
+            </a:r>
+            <a:endParaRPr lang="en-US" altLang="zh-CN"/>
+          </a:p>
+        </p:txBody>
+      </p:sp>
+      <p:sp>
+        <p:nvSpPr>
+          <p:cNvPr id="12" name="圆角矩形 11"/>
+          <p:cNvSpPr/>
+          <p:nvPr/>
+        </p:nvSpPr>
+        <p:spPr>
+          <a:xfrm>
+            <a:off x="8471535" y="810895"/>
+            <a:ext cx="669290" cy="669290"/>
+          </a:xfrm>
+          <a:prstGeom prst="roundRect">
+            <a:avLst/>
+          </a:prstGeom>
+        </p:spPr>
+        <p:style>
+          <a:lnRef idx="2">
+            <a:schemeClr val="accent1">
+              <a:shade val="50000"/>
+            </a:schemeClr>
+          </a:lnRef>
+          <a:fillRef idx="1">
+            <a:schemeClr val="accent1"/>
+          </a:fillRef>
+          <a:effectRef idx="0">
+            <a:schemeClr val="accent1"/>
+          </a:effectRef>
+          <a:fontRef idx="minor">
+            <a:schemeClr val="lt1"/>
+          </a:fontRef>
+        </p:style>
+        <p:txBody>
+          <a:bodyPr rtlCol="0" anchor="ctr"/>
+          <a:p>
+            <a:pPr algn="ctr"/>
+            <a:r>
+              <a:rPr lang="en-US" altLang="zh-CN"/>
+              <a:t>35</a:t>
+            </a:r>
+            <a:endParaRPr lang="en-US" altLang="zh-CN"/>
+          </a:p>
+        </p:txBody>
+      </p:sp>
+      <p:sp>
+        <p:nvSpPr>
+          <p:cNvPr id="13" name="圆角矩形 12"/>
+          <p:cNvSpPr/>
+          <p:nvPr/>
+        </p:nvSpPr>
+        <p:spPr>
+          <a:xfrm>
+            <a:off x="5219700" y="810895"/>
+            <a:ext cx="669290" cy="669290"/>
+          </a:xfrm>
+          <a:prstGeom prst="roundRect">
+            <a:avLst/>
+          </a:prstGeom>
+        </p:spPr>
+        <p:style>
+          <a:lnRef idx="2">
+            <a:schemeClr val="accent1">
+              <a:shade val="50000"/>
+            </a:schemeClr>
+          </a:lnRef>
+          <a:fillRef idx="1">
+            <a:schemeClr val="accent1"/>
+          </a:fillRef>
+          <a:effectRef idx="0">
+            <a:schemeClr val="accent1"/>
+          </a:effectRef>
+          <a:fontRef idx="minor">
+            <a:schemeClr val="lt1"/>
+          </a:fontRef>
+        </p:style>
+        <p:txBody>
+          <a:bodyPr rtlCol="0" anchor="ctr"/>
+          <a:p>
+            <a:pPr algn="ctr"/>
+            <a:r>
+              <a:rPr lang="en-US" altLang="zh-CN"/>
+              <a:t>24</a:t>
+            </a:r>
+            <a:endParaRPr lang="en-US" altLang="zh-CN"/>
+          </a:p>
+        </p:txBody>
+      </p:sp>
+      <p:sp>
+        <p:nvSpPr>
+          <p:cNvPr id="14" name="圆角矩形 13"/>
+          <p:cNvSpPr/>
+          <p:nvPr/>
+        </p:nvSpPr>
+        <p:spPr>
+          <a:xfrm>
+            <a:off x="6303645" y="810895"/>
+            <a:ext cx="669290" cy="669290"/>
+          </a:xfrm>
+          <a:prstGeom prst="roundRect">
+            <a:avLst/>
+          </a:prstGeom>
+        </p:spPr>
+        <p:style>
+          <a:lnRef idx="2">
+            <a:schemeClr val="accent1">
+              <a:shade val="50000"/>
+            </a:schemeClr>
+          </a:lnRef>
+          <a:fillRef idx="1">
+            <a:schemeClr val="accent1"/>
+          </a:fillRef>
+          <a:effectRef idx="0">
+            <a:schemeClr val="accent1"/>
+          </a:effectRef>
+          <a:fontRef idx="minor">
+            <a:schemeClr val="lt1"/>
+          </a:fontRef>
+        </p:style>
+        <p:txBody>
+          <a:bodyPr rtlCol="0" anchor="ctr"/>
+          <a:p>
+            <a:pPr algn="ctr"/>
+            <a:r>
+              <a:rPr lang="en-US" altLang="zh-CN"/>
+              <a:t>50</a:t>
+            </a:r>
+            <a:endParaRPr lang="en-US" altLang="zh-CN"/>
+          </a:p>
+        </p:txBody>
+      </p:sp>
+      <p:sp>
+        <p:nvSpPr>
+          <p:cNvPr id="38" name="流程图: 磁盘 37"/>
+          <p:cNvSpPr/>
+          <p:nvPr/>
+        </p:nvSpPr>
+        <p:spPr>
+          <a:xfrm>
+            <a:off x="1866900" y="2459990"/>
+            <a:ext cx="797560" cy="1218565"/>
+          </a:xfrm>
+          <a:prstGeom prst="flowChartMagneticDisk">
+            <a:avLst/>
+          </a:prstGeom>
+        </p:spPr>
+        <p:style>
+          <a:lnRef idx="2">
+            <a:schemeClr val="accent3">
+              <a:shade val="50000"/>
+            </a:schemeClr>
+          </a:lnRef>
+          <a:fillRef idx="1">
+            <a:schemeClr val="accent3"/>
+          </a:fillRef>
+          <a:effectRef idx="0">
+            <a:schemeClr val="accent3"/>
+          </a:effectRef>
+          <a:fontRef idx="minor">
+            <a:schemeClr val="lt1"/>
+          </a:fontRef>
+        </p:style>
+        <p:txBody>
+          <a:bodyPr rtlCol="0" anchor="ctr"/>
+          <a:p>
+            <a:pPr algn="ctr"/>
+            <a:r>
+              <a:rPr lang="en-US" altLang="zh-CN">
+                <a:solidFill>
+                  <a:srgbClr val="FFFF00"/>
+                </a:solidFill>
+              </a:rPr>
+              <a:t>10</a:t>
+            </a:r>
+            <a:endParaRPr lang="en-US" altLang="zh-CN">
+              <a:solidFill>
+                <a:srgbClr val="FFFF00"/>
+              </a:solidFill>
+            </a:endParaRPr>
+          </a:p>
+          <a:p>
+            <a:pPr algn="ctr"/>
+            <a:r>
+              <a:rPr lang="en-US" altLang="zh-CN">
+                <a:solidFill>
+                  <a:srgbClr val="FFFF00"/>
+                </a:solidFill>
+              </a:rPr>
+              <a:t>14</a:t>
+            </a:r>
+            <a:endParaRPr lang="en-US" altLang="zh-CN">
+              <a:solidFill>
+                <a:srgbClr val="FFFF00"/>
+              </a:solidFill>
+            </a:endParaRPr>
+          </a:p>
+        </p:txBody>
+      </p:sp>
+      <p:sp>
+        <p:nvSpPr>
+          <p:cNvPr id="39" name="流程图: 磁盘 38"/>
+          <p:cNvSpPr/>
+          <p:nvPr/>
+        </p:nvSpPr>
+        <p:spPr>
+          <a:xfrm>
+            <a:off x="3399155" y="2459990"/>
+            <a:ext cx="797560" cy="1218565"/>
+          </a:xfrm>
+          <a:prstGeom prst="flowChartMagneticDisk">
+            <a:avLst/>
+          </a:prstGeom>
+        </p:spPr>
+        <p:style>
+          <a:lnRef idx="2">
+            <a:schemeClr val="accent3">
+              <a:shade val="50000"/>
+            </a:schemeClr>
+          </a:lnRef>
+          <a:fillRef idx="1">
+            <a:schemeClr val="accent3"/>
+          </a:fillRef>
+          <a:effectRef idx="0">
+            <a:schemeClr val="accent3"/>
+          </a:effectRef>
+          <a:fontRef idx="minor">
+            <a:schemeClr val="lt1"/>
+          </a:fontRef>
+        </p:style>
+        <p:txBody>
+          <a:bodyPr rtlCol="0" anchor="ctr"/>
+          <a:p>
+            <a:pPr algn="ctr"/>
+            <a:r>
+              <a:rPr lang="en-US" altLang="zh-CN">
+                <a:solidFill>
+                  <a:srgbClr val="FFFF00"/>
+                </a:solidFill>
+              </a:rPr>
+              <a:t>24</a:t>
+            </a:r>
+            <a:endParaRPr lang="en-US" altLang="zh-CN">
+              <a:solidFill>
+                <a:srgbClr val="FFFF00"/>
+              </a:solidFill>
+            </a:endParaRPr>
+          </a:p>
+        </p:txBody>
+      </p:sp>
+      <p:sp>
+        <p:nvSpPr>
+          <p:cNvPr id="40" name="流程图: 磁盘 39"/>
+          <p:cNvSpPr/>
+          <p:nvPr/>
+        </p:nvSpPr>
+        <p:spPr>
+          <a:xfrm>
+            <a:off x="4931410" y="2459990"/>
+            <a:ext cx="797560" cy="1218565"/>
+          </a:xfrm>
+          <a:prstGeom prst="flowChartMagneticDisk">
+            <a:avLst/>
+          </a:prstGeom>
+        </p:spPr>
+        <p:style>
+          <a:lnRef idx="2">
+            <a:schemeClr val="accent3">
+              <a:shade val="50000"/>
+            </a:schemeClr>
+          </a:lnRef>
+          <a:fillRef idx="1">
+            <a:schemeClr val="accent3"/>
+          </a:fillRef>
+          <a:effectRef idx="0">
+            <a:schemeClr val="accent3"/>
+          </a:effectRef>
+          <a:fontRef idx="minor">
+            <a:schemeClr val="lt1"/>
+          </a:fontRef>
+        </p:style>
+        <p:txBody>
+          <a:bodyPr rtlCol="0" anchor="ctr"/>
+          <a:p>
+            <a:pPr algn="ctr"/>
+            <a:r>
+              <a:rPr lang="en-US" altLang="zh-CN">
+                <a:solidFill>
+                  <a:srgbClr val="FFFF00"/>
+                </a:solidFill>
+              </a:rPr>
+              <a:t>28</a:t>
+            </a:r>
+            <a:endParaRPr lang="en-US" altLang="zh-CN">
+              <a:solidFill>
+                <a:srgbClr val="FFFF00"/>
+              </a:solidFill>
+            </a:endParaRPr>
+          </a:p>
+        </p:txBody>
+      </p:sp>
+      <p:sp>
+        <p:nvSpPr>
+          <p:cNvPr id="41" name="流程图: 磁盘 40"/>
+          <p:cNvSpPr/>
+          <p:nvPr/>
+        </p:nvSpPr>
+        <p:spPr>
+          <a:xfrm>
+            <a:off x="6463665" y="2459990"/>
+            <a:ext cx="797560" cy="1218565"/>
+          </a:xfrm>
+          <a:prstGeom prst="flowChartMagneticDisk">
+            <a:avLst/>
+          </a:prstGeom>
+        </p:spPr>
+        <p:style>
+          <a:lnRef idx="2">
+            <a:schemeClr val="accent3">
+              <a:shade val="50000"/>
+            </a:schemeClr>
+          </a:lnRef>
+          <a:fillRef idx="1">
+            <a:schemeClr val="accent3"/>
+          </a:fillRef>
+          <a:effectRef idx="0">
+            <a:schemeClr val="accent3"/>
+          </a:effectRef>
+          <a:fontRef idx="minor">
+            <a:schemeClr val="lt1"/>
+          </a:fontRef>
+        </p:style>
+        <p:txBody>
+          <a:bodyPr rtlCol="0" anchor="ctr"/>
+          <a:p>
+            <a:pPr algn="ctr"/>
+            <a:r>
+              <a:rPr lang="en-US" altLang="zh-CN">
+                <a:solidFill>
+                  <a:srgbClr val="FFFF00"/>
+                </a:solidFill>
+              </a:rPr>
+              <a:t>35</a:t>
+            </a:r>
+            <a:endParaRPr lang="en-US" altLang="zh-CN">
+              <a:solidFill>
+                <a:srgbClr val="FFFF00"/>
+              </a:solidFill>
+            </a:endParaRPr>
+          </a:p>
+          <a:p>
+            <a:pPr algn="ctr"/>
+            <a:r>
+              <a:rPr lang="en-US" altLang="zh-CN">
+                <a:solidFill>
+                  <a:srgbClr val="FFFF00"/>
+                </a:solidFill>
+              </a:rPr>
+              <a:t>39</a:t>
+            </a:r>
+            <a:endParaRPr lang="en-US" altLang="zh-CN">
+              <a:solidFill>
+                <a:srgbClr val="FFFF00"/>
+              </a:solidFill>
+            </a:endParaRPr>
+          </a:p>
+        </p:txBody>
+      </p:sp>
+      <p:sp>
+        <p:nvSpPr>
+          <p:cNvPr id="42" name="流程图: 磁盘 41"/>
+          <p:cNvSpPr/>
+          <p:nvPr/>
+        </p:nvSpPr>
+        <p:spPr>
+          <a:xfrm>
+            <a:off x="7995920" y="2456180"/>
+            <a:ext cx="797560" cy="1218565"/>
+          </a:xfrm>
+          <a:prstGeom prst="flowChartMagneticDisk">
+            <a:avLst/>
+          </a:prstGeom>
+        </p:spPr>
+        <p:style>
+          <a:lnRef idx="2">
+            <a:schemeClr val="accent3">
+              <a:shade val="50000"/>
+            </a:schemeClr>
+          </a:lnRef>
+          <a:fillRef idx="1">
+            <a:schemeClr val="accent3"/>
+          </a:fillRef>
+          <a:effectRef idx="0">
+            <a:schemeClr val="accent3"/>
+          </a:effectRef>
+          <a:fontRef idx="minor">
+            <a:schemeClr val="lt1"/>
+          </a:fontRef>
+        </p:style>
+        <p:txBody>
+          <a:bodyPr rtlCol="0" anchor="ctr"/>
+          <a:p>
+            <a:pPr algn="ctr"/>
+            <a:r>
+              <a:rPr lang="en-US" altLang="zh-CN">
+                <a:solidFill>
+                  <a:srgbClr val="FFFF00"/>
+                </a:solidFill>
+              </a:rPr>
+              <a:t>47</a:t>
+            </a:r>
+            <a:endParaRPr lang="en-US" altLang="zh-CN">
+              <a:solidFill>
+                <a:srgbClr val="FFFF00"/>
+              </a:solidFill>
+            </a:endParaRPr>
+          </a:p>
+        </p:txBody>
+      </p:sp>
+      <p:sp>
+        <p:nvSpPr>
+          <p:cNvPr id="43" name="流程图: 磁盘 42"/>
+          <p:cNvSpPr/>
+          <p:nvPr/>
+        </p:nvSpPr>
+        <p:spPr>
+          <a:xfrm>
+            <a:off x="9528175" y="2419350"/>
+            <a:ext cx="797560" cy="1218565"/>
+          </a:xfrm>
+          <a:prstGeom prst="flowChartMagneticDisk">
+            <a:avLst/>
+          </a:prstGeom>
+        </p:spPr>
+        <p:style>
+          <a:lnRef idx="2">
+            <a:schemeClr val="accent3">
+              <a:shade val="50000"/>
+            </a:schemeClr>
+          </a:lnRef>
+          <a:fillRef idx="1">
+            <a:schemeClr val="accent3"/>
+          </a:fillRef>
+          <a:effectRef idx="0">
+            <a:schemeClr val="accent3"/>
+          </a:effectRef>
+          <a:fontRef idx="minor">
+            <a:schemeClr val="lt1"/>
+          </a:fontRef>
+        </p:style>
+        <p:txBody>
+          <a:bodyPr rtlCol="0" anchor="ctr"/>
+          <a:p>
+            <a:pPr algn="ctr"/>
+            <a:r>
+              <a:rPr lang="en-US" altLang="zh-CN">
+                <a:solidFill>
+                  <a:srgbClr val="FFFF00"/>
+                </a:solidFill>
+              </a:rPr>
+              <a:t>50</a:t>
+            </a:r>
+            <a:endParaRPr lang="en-US" altLang="zh-CN">
+              <a:solidFill>
+                <a:srgbClr val="FFFF00"/>
+              </a:solidFill>
+            </a:endParaRPr>
+          </a:p>
+        </p:txBody>
+      </p:sp>
+      <p:sp>
+        <p:nvSpPr>
+          <p:cNvPr id="44" name="文本框 43"/>
+          <p:cNvSpPr txBox="1"/>
+          <p:nvPr/>
+        </p:nvSpPr>
+        <p:spPr>
+          <a:xfrm>
+            <a:off x="1784985" y="3956685"/>
+            <a:ext cx="961390" cy="368300"/>
+          </a:xfrm>
+          <a:prstGeom prst="rect">
+            <a:avLst/>
+          </a:prstGeom>
+          <a:noFill/>
+        </p:spPr>
+        <p:txBody>
+          <a:bodyPr wrap="square" rtlCol="0">
+            <a:spAutoFit/>
+          </a:bodyPr>
+          <a:p>
+            <a:pPr algn="ctr"/>
+            <a:r>
+              <a:rPr lang="en-US" altLang="zh-CN"/>
+              <a:t>[10,17]</a:t>
+            </a:r>
+            <a:endParaRPr lang="en-US" altLang="zh-CN"/>
+          </a:p>
+        </p:txBody>
+      </p:sp>
+      <p:sp>
+        <p:nvSpPr>
+          <p:cNvPr id="45" name="文本框 44"/>
+          <p:cNvSpPr txBox="1"/>
+          <p:nvPr/>
+        </p:nvSpPr>
+        <p:spPr>
+          <a:xfrm>
+            <a:off x="3317240" y="3956685"/>
+            <a:ext cx="961390" cy="368300"/>
+          </a:xfrm>
+          <a:prstGeom prst="rect">
+            <a:avLst/>
+          </a:prstGeom>
+          <a:noFill/>
+        </p:spPr>
+        <p:txBody>
+          <a:bodyPr wrap="square" rtlCol="0">
+            <a:spAutoFit/>
+          </a:bodyPr>
+          <a:p>
+            <a:pPr algn="ctr"/>
+            <a:r>
+              <a:rPr lang="en-US" altLang="zh-CN"/>
+              <a:t>[18,25]</a:t>
+            </a:r>
+            <a:endParaRPr lang="en-US" altLang="zh-CN"/>
+          </a:p>
+        </p:txBody>
+      </p:sp>
+      <p:sp>
+        <p:nvSpPr>
+          <p:cNvPr id="46" name="文本框 45"/>
+          <p:cNvSpPr txBox="1"/>
+          <p:nvPr/>
+        </p:nvSpPr>
+        <p:spPr>
+          <a:xfrm>
+            <a:off x="4849495" y="3956685"/>
+            <a:ext cx="961390" cy="368300"/>
+          </a:xfrm>
+          <a:prstGeom prst="rect">
+            <a:avLst/>
+          </a:prstGeom>
+          <a:noFill/>
+        </p:spPr>
+        <p:txBody>
+          <a:bodyPr wrap="square" rtlCol="0">
+            <a:spAutoFit/>
+          </a:bodyPr>
+          <a:p>
+            <a:pPr algn="ctr"/>
+            <a:r>
+              <a:rPr lang="en-US" altLang="zh-CN"/>
+              <a:t>[26,33]</a:t>
+            </a:r>
+            <a:endParaRPr lang="en-US" altLang="zh-CN"/>
+          </a:p>
+        </p:txBody>
+      </p:sp>
+      <p:sp>
+        <p:nvSpPr>
+          <p:cNvPr id="47" name="文本框 46"/>
+          <p:cNvSpPr txBox="1"/>
+          <p:nvPr/>
+        </p:nvSpPr>
+        <p:spPr>
+          <a:xfrm>
+            <a:off x="6381750" y="3956685"/>
+            <a:ext cx="961390" cy="368300"/>
+          </a:xfrm>
+          <a:prstGeom prst="rect">
+            <a:avLst/>
+          </a:prstGeom>
+          <a:noFill/>
+        </p:spPr>
+        <p:txBody>
+          <a:bodyPr wrap="square" rtlCol="0">
+            <a:spAutoFit/>
+          </a:bodyPr>
+          <a:p>
+            <a:pPr algn="ctr"/>
+            <a:r>
+              <a:rPr lang="en-US" altLang="zh-CN"/>
+              <a:t>[34,41]</a:t>
+            </a:r>
+            <a:endParaRPr lang="en-US" altLang="zh-CN"/>
+          </a:p>
+        </p:txBody>
+      </p:sp>
+      <p:sp>
+        <p:nvSpPr>
+          <p:cNvPr id="48" name="文本框 47"/>
+          <p:cNvSpPr txBox="1"/>
+          <p:nvPr/>
+        </p:nvSpPr>
+        <p:spPr>
+          <a:xfrm>
+            <a:off x="7914005" y="3956685"/>
+            <a:ext cx="961390" cy="368300"/>
+          </a:xfrm>
+          <a:prstGeom prst="rect">
+            <a:avLst/>
+          </a:prstGeom>
+          <a:noFill/>
+        </p:spPr>
+        <p:txBody>
+          <a:bodyPr wrap="square" rtlCol="0">
+            <a:spAutoFit/>
+          </a:bodyPr>
+          <a:p>
+            <a:pPr algn="ctr"/>
+            <a:r>
+              <a:rPr lang="en-US" altLang="zh-CN"/>
+              <a:t>[42,49]</a:t>
+            </a:r>
+            <a:endParaRPr lang="en-US" altLang="zh-CN"/>
+          </a:p>
+        </p:txBody>
+      </p:sp>
+      <p:sp>
+        <p:nvSpPr>
+          <p:cNvPr id="49" name="文本框 48"/>
+          <p:cNvSpPr txBox="1"/>
+          <p:nvPr/>
+        </p:nvSpPr>
+        <p:spPr>
+          <a:xfrm>
+            <a:off x="9446260" y="3956685"/>
+            <a:ext cx="961390" cy="368300"/>
+          </a:xfrm>
+          <a:prstGeom prst="rect">
+            <a:avLst/>
+          </a:prstGeom>
+          <a:noFill/>
+        </p:spPr>
+        <p:txBody>
+          <a:bodyPr wrap="square" rtlCol="0">
+            <a:spAutoFit/>
+          </a:bodyPr>
+          <a:p>
+            <a:pPr algn="ctr"/>
+            <a:r>
+              <a:rPr lang="en-US" altLang="zh-CN"/>
+              <a:t>[50,57]</a:t>
+            </a:r>
+            <a:endParaRPr lang="en-US" altLang="zh-CN"/>
+          </a:p>
+        </p:txBody>
+      </p:sp>
+      <p:sp>
+        <p:nvSpPr>
+          <p:cNvPr id="19" name="圆角矩形 18"/>
+          <p:cNvSpPr/>
+          <p:nvPr/>
+        </p:nvSpPr>
+        <p:spPr>
+          <a:xfrm>
+            <a:off x="1967865" y="5234305"/>
+            <a:ext cx="669290" cy="669290"/>
+          </a:xfrm>
+          <a:prstGeom prst="roundRect">
+            <a:avLst/>
+          </a:prstGeom>
+        </p:spPr>
+        <p:style>
+          <a:lnRef idx="2">
+            <a:schemeClr val="accent4">
+              <a:shade val="50000"/>
+            </a:schemeClr>
+          </a:lnRef>
+          <a:fillRef idx="1">
+            <a:schemeClr val="accent4"/>
+          </a:fillRef>
+          <a:effectRef idx="0">
+            <a:schemeClr val="accent4"/>
+          </a:effectRef>
+          <a:fontRef idx="minor">
+            <a:schemeClr val="lt1"/>
+          </a:fontRef>
+        </p:style>
+        <p:txBody>
+          <a:bodyPr rtlCol="0" anchor="ctr"/>
+          <a:p>
+            <a:pPr algn="ctr"/>
+            <a:r>
+              <a:rPr lang="en-US" altLang="zh-CN"/>
+              <a:t>10</a:t>
+            </a:r>
+            <a:endParaRPr lang="en-US" altLang="zh-CN"/>
+          </a:p>
+        </p:txBody>
+      </p:sp>
+      <p:sp>
+        <p:nvSpPr>
+          <p:cNvPr id="2" name="圆角矩形 1"/>
+          <p:cNvSpPr/>
+          <p:nvPr/>
+        </p:nvSpPr>
+        <p:spPr>
+          <a:xfrm>
+            <a:off x="3051810" y="5234305"/>
+            <a:ext cx="669290" cy="669290"/>
+          </a:xfrm>
+          <a:prstGeom prst="roundRect">
+            <a:avLst/>
+          </a:prstGeom>
+        </p:spPr>
+        <p:style>
+          <a:lnRef idx="2">
+            <a:schemeClr val="accent4">
+              <a:shade val="50000"/>
+            </a:schemeClr>
+          </a:lnRef>
+          <a:fillRef idx="1">
+            <a:schemeClr val="accent4"/>
+          </a:fillRef>
+          <a:effectRef idx="0">
+            <a:schemeClr val="accent4"/>
+          </a:effectRef>
+          <a:fontRef idx="minor">
+            <a:schemeClr val="lt1"/>
+          </a:fontRef>
+        </p:style>
+        <p:txBody>
+          <a:bodyPr rtlCol="0" anchor="ctr"/>
+          <a:p>
+            <a:pPr algn="ctr"/>
+            <a:r>
+              <a:rPr lang="en-US" altLang="zh-CN"/>
+              <a:t>14</a:t>
+            </a:r>
+            <a:endParaRPr lang="en-US" altLang="zh-CN"/>
+          </a:p>
+        </p:txBody>
+      </p:sp>
+      <p:sp>
+        <p:nvSpPr>
+          <p:cNvPr id="3" name="圆角矩形 2"/>
+          <p:cNvSpPr/>
+          <p:nvPr/>
+        </p:nvSpPr>
+        <p:spPr>
+          <a:xfrm>
+            <a:off x="4135755" y="5234305"/>
+            <a:ext cx="669290" cy="669290"/>
+          </a:xfrm>
+          <a:prstGeom prst="roundRect">
+            <a:avLst/>
+          </a:prstGeom>
+        </p:spPr>
+        <p:style>
+          <a:lnRef idx="2">
+            <a:schemeClr val="accent4">
+              <a:shade val="50000"/>
+            </a:schemeClr>
+          </a:lnRef>
+          <a:fillRef idx="1">
+            <a:schemeClr val="accent4"/>
+          </a:fillRef>
+          <a:effectRef idx="0">
+            <a:schemeClr val="accent4"/>
+          </a:effectRef>
+          <a:fontRef idx="minor">
+            <a:schemeClr val="lt1"/>
+          </a:fontRef>
+        </p:style>
+        <p:txBody>
+          <a:bodyPr rtlCol="0" anchor="ctr"/>
+          <a:p>
+            <a:pPr algn="ctr"/>
+            <a:r>
+              <a:rPr lang="en-US" altLang="zh-CN"/>
+              <a:t>24</a:t>
+            </a:r>
+            <a:endParaRPr lang="en-US" altLang="zh-CN"/>
+          </a:p>
+        </p:txBody>
+      </p:sp>
+      <p:sp>
+        <p:nvSpPr>
+          <p:cNvPr id="4" name="圆角矩形 3"/>
+          <p:cNvSpPr/>
+          <p:nvPr/>
+        </p:nvSpPr>
+        <p:spPr>
+          <a:xfrm>
+            <a:off x="5219700" y="5234305"/>
+            <a:ext cx="669290" cy="669290"/>
+          </a:xfrm>
+          <a:prstGeom prst="roundRect">
+            <a:avLst/>
+          </a:prstGeom>
+        </p:spPr>
+        <p:style>
+          <a:lnRef idx="2">
+            <a:schemeClr val="accent4">
+              <a:shade val="50000"/>
+            </a:schemeClr>
+          </a:lnRef>
+          <a:fillRef idx="1">
+            <a:schemeClr val="accent4"/>
+          </a:fillRef>
+          <a:effectRef idx="0">
+            <a:schemeClr val="accent4"/>
+          </a:effectRef>
+          <a:fontRef idx="minor">
+            <a:schemeClr val="lt1"/>
+          </a:fontRef>
+        </p:style>
+        <p:txBody>
+          <a:bodyPr rtlCol="0" anchor="ctr"/>
+          <a:p>
+            <a:pPr algn="ctr"/>
+            <a:r>
+              <a:rPr lang="en-US" altLang="zh-CN"/>
+              <a:t>28</a:t>
+            </a:r>
+            <a:endParaRPr lang="en-US" altLang="zh-CN"/>
+          </a:p>
+        </p:txBody>
+      </p:sp>
+      <p:sp>
+        <p:nvSpPr>
+          <p:cNvPr id="5" name="圆角矩形 4"/>
+          <p:cNvSpPr/>
+          <p:nvPr/>
+        </p:nvSpPr>
+        <p:spPr>
+          <a:xfrm>
+            <a:off x="6303645" y="5234305"/>
+            <a:ext cx="669290" cy="669290"/>
+          </a:xfrm>
+          <a:prstGeom prst="roundRect">
+            <a:avLst/>
+          </a:prstGeom>
+        </p:spPr>
+        <p:style>
+          <a:lnRef idx="2">
+            <a:schemeClr val="accent4">
+              <a:shade val="50000"/>
+            </a:schemeClr>
+          </a:lnRef>
+          <a:fillRef idx="1">
+            <a:schemeClr val="accent4"/>
+          </a:fillRef>
+          <a:effectRef idx="0">
+            <a:schemeClr val="accent4"/>
+          </a:effectRef>
+          <a:fontRef idx="minor">
+            <a:schemeClr val="lt1"/>
+          </a:fontRef>
+        </p:style>
+        <p:txBody>
+          <a:bodyPr rtlCol="0" anchor="ctr"/>
+          <a:p>
+            <a:pPr algn="ctr"/>
+            <a:r>
+              <a:rPr lang="en-US" altLang="zh-CN"/>
+              <a:t>35</a:t>
+            </a:r>
+            <a:endParaRPr lang="en-US" altLang="zh-CN"/>
+          </a:p>
+        </p:txBody>
+      </p:sp>
+      <p:sp>
+        <p:nvSpPr>
+          <p:cNvPr id="7" name="圆角矩形 6"/>
+          <p:cNvSpPr/>
+          <p:nvPr/>
+        </p:nvSpPr>
+        <p:spPr>
+          <a:xfrm>
+            <a:off x="6527800" y="2968625"/>
+            <a:ext cx="669290" cy="669290"/>
+          </a:xfrm>
+          <a:prstGeom prst="roundRect">
+            <a:avLst/>
+          </a:prstGeom>
+        </p:spPr>
+        <p:style>
+          <a:lnRef idx="2">
+            <a:schemeClr val="accent4">
+              <a:shade val="50000"/>
+            </a:schemeClr>
+          </a:lnRef>
+          <a:fillRef idx="1">
+            <a:schemeClr val="accent4"/>
+          </a:fillRef>
+          <a:effectRef idx="0">
+            <a:schemeClr val="accent4"/>
+          </a:effectRef>
+          <a:fontRef idx="minor">
+            <a:schemeClr val="lt1"/>
+          </a:fontRef>
+        </p:style>
+        <p:txBody>
+          <a:bodyPr rtlCol="0" anchor="ctr"/>
+          <a:p>
+            <a:pPr algn="ctr"/>
+            <a:r>
+              <a:rPr lang="en-US" altLang="zh-CN"/>
+              <a:t>39</a:t>
+            </a:r>
+            <a:endParaRPr lang="en-US" altLang="zh-CN"/>
+          </a:p>
+        </p:txBody>
+      </p:sp>
+    </p:spTree>
+    <p:custDataLst>
+      <p:tags r:id="rId1"/>
+    </p:custDataLst>
+  </p:cSld>
+  <p:clrMapOvr>
+    <a:masterClrMapping/>
+  </p:clrMapOvr>
+  <mc:AlternateContent xmlns:mc="http://schemas.openxmlformats.org/markup-compatibility/2006" xmlns:p159="http://schemas.microsoft.com/office/powerpoint/2015/09/main">
+    <mc:Choice Requires="p159">
+      <p:transition xmlns:p14="http://schemas.microsoft.com/office/powerpoint/2010/main" p14:dur="500">
+        <p159:morph option="byObject"/>
+      </p:transition>
+    </mc:Choice>
+    <mc:Fallback>
+      <p:transition>
+        <p:fade/>
+      </p:transition>
+    </mc:Fallback>
+  </mc:AlternateContent>
+  <p:timing>
+    <p:tnLst>
+      <p:par>
+        <p:cTn id="1" dur="indefinite" restart="never" nodeType="tmRoot">
+          <p:childTnLst>
+            <p:seq concurrent="1" nextAc="seek">
+              <p:cTn id="2" dur="indefinite" nodeType="mainSeq">
+                <p:childTnLst>
+                  <p:par>
+                    <p:cTn id="3" fill="hold">
+                      <p:stCondLst>
+                        <p:cond delay="indefinite"/>
+                      </p:stCondLst>
+                      <p:childTnLst>
+                        <p:par>
+                          <p:cTn id="4" fill="hold">
+                            <p:stCondLst>
+                              <p:cond delay="0"/>
+                            </p:stCondLst>
+                            <p:childTnLst>
+                              <p:par>
+                                <p:cTn id="5" presetID="1" presetClass="entr" presetSubtype="0" fill="hold" grpId="0" nodeType="clickEffect">
+                                  <p:stCondLst>
+                                    <p:cond delay="0"/>
+                                  </p:stCondLst>
+                                  <p:childTnLst>
+                                    <p:set>
+                                      <p:cBhvr>
+                                        <p:cTn id="6" dur="1" fill="hold">
+                                          <p:stCondLst>
+                                            <p:cond delay="0"/>
+                                          </p:stCondLst>
+                                        </p:cTn>
+                                        <p:tgtEl>
+                                          <p:spTgt spid="7"/>
+                                        </p:tgtEl>
+                                        <p:attrNameLst>
+                                          <p:attrName>style.visibility</p:attrName>
+                                        </p:attrNameLst>
+                                      </p:cBhvr>
+                                      <p:to>
+                                        <p:strVal val="visible"/>
+                                      </p:to>
+                                    </p:set>
+                                  </p:childTnLst>
+                                </p:cTn>
+                              </p:par>
+                            </p:childTnLst>
+                          </p:cTn>
+                        </p:par>
+                      </p:childTnLst>
+                    </p:cTn>
+                  </p:par>
+                </p:childTnLst>
+              </p:cTn>
+              <p:prevCondLst>
+                <p:cond evt="onPrev" delay="0">
+                  <p:tgtEl>
+                    <p:sldTgt/>
+                  </p:tgtEl>
+                </p:cond>
+              </p:prevCondLst>
+              <p:nextCondLst>
+                <p:cond evt="onNext" delay="0">
+                  <p:tgtEl>
+                    <p:sldTgt/>
+                  </p:tgtEl>
+                </p:cond>
+              </p:nextCondLst>
+            </p:seq>
+          </p:childTnLst>
+        </p:cTn>
+      </p:par>
+    </p:tnLst>
+    <p:bldLst>
+      <p:bldP spid="7" grpId="0" bldLvl="0" animBg="1"/>
+    </p:bldLst>
+  </p:timing>
+</p:sld>
+</file>
+
+<file path=ppt/slides/slide12.xml><?xml version="1.0" encoding="utf-8"?>
+<p:sld xmlns:a="http://schemas.openxmlformats.org/drawingml/2006/main" xmlns:r="http://schemas.openxmlformats.org/officeDocument/2006/relationships" xmlns:p="http://schemas.openxmlformats.org/presentationml/2006/main">
+  <p:cSld>
+    <p:spTree>
+      <p:nvGrpSpPr>
+        <p:cNvPr id="1" name=""/>
+        <p:cNvGrpSpPr/>
+        <p:nvPr/>
+      </p:nvGrpSpPr>
+      <p:grpSpPr>
+        <a:xfrm>
+          <a:off x="0" y="0"/>
+          <a:ext cx="0" cy="0"/>
+          <a:chOff x="0" y="0"/>
+          <a:chExt cx="0" cy="0"/>
+        </a:xfrm>
+      </p:grpSpPr>
+      <p:sp>
+        <p:nvSpPr>
+          <p:cNvPr id="6" name="圆角矩形 5"/>
+          <p:cNvSpPr/>
+          <p:nvPr/>
+        </p:nvSpPr>
+        <p:spPr>
+          <a:xfrm>
+            <a:off x="1967865" y="810895"/>
+            <a:ext cx="669290" cy="669290"/>
+          </a:xfrm>
+          <a:prstGeom prst="roundRect">
+            <a:avLst/>
+          </a:prstGeom>
+        </p:spPr>
+        <p:style>
+          <a:lnRef idx="2">
+            <a:schemeClr val="accent1">
+              <a:shade val="50000"/>
+            </a:schemeClr>
+          </a:lnRef>
+          <a:fillRef idx="1">
+            <a:schemeClr val="accent1"/>
+          </a:fillRef>
+          <a:effectRef idx="0">
+            <a:schemeClr val="accent1"/>
+          </a:effectRef>
+          <a:fontRef idx="minor">
+            <a:schemeClr val="lt1"/>
+          </a:fontRef>
+        </p:style>
+        <p:txBody>
+          <a:bodyPr rtlCol="0" anchor="ctr"/>
+          <a:p>
+            <a:pPr algn="ctr"/>
+            <a:r>
+              <a:rPr lang="en-US" altLang="zh-CN"/>
+              <a:t>14</a:t>
+            </a:r>
+            <a:endParaRPr lang="en-US" altLang="zh-CN"/>
+          </a:p>
+        </p:txBody>
+      </p:sp>
+      <p:sp>
+        <p:nvSpPr>
+          <p:cNvPr id="8" name="圆角矩形 7"/>
+          <p:cNvSpPr/>
+          <p:nvPr/>
+        </p:nvSpPr>
+        <p:spPr>
+          <a:xfrm>
+            <a:off x="3051810" y="810895"/>
+            <a:ext cx="669290" cy="669290"/>
+          </a:xfrm>
+          <a:prstGeom prst="roundRect">
+            <a:avLst/>
+          </a:prstGeom>
+        </p:spPr>
+        <p:style>
+          <a:lnRef idx="2">
+            <a:schemeClr val="accent1">
+              <a:shade val="50000"/>
+            </a:schemeClr>
+          </a:lnRef>
+          <a:fillRef idx="1">
+            <a:schemeClr val="accent1"/>
+          </a:fillRef>
+          <a:effectRef idx="0">
+            <a:schemeClr val="accent1"/>
+          </a:effectRef>
+          <a:fontRef idx="minor">
+            <a:schemeClr val="lt1"/>
+          </a:fontRef>
+        </p:style>
+        <p:txBody>
+          <a:bodyPr rtlCol="0" anchor="ctr"/>
+          <a:p>
+            <a:pPr algn="ctr"/>
+            <a:r>
+              <a:rPr lang="en-US" altLang="zh-CN"/>
+              <a:t>28</a:t>
+            </a:r>
+            <a:endParaRPr lang="en-US" altLang="zh-CN"/>
+          </a:p>
+        </p:txBody>
+      </p:sp>
+      <p:sp>
+        <p:nvSpPr>
+          <p:cNvPr id="9" name="圆角矩形 8"/>
+          <p:cNvSpPr/>
+          <p:nvPr/>
+        </p:nvSpPr>
+        <p:spPr>
+          <a:xfrm>
+            <a:off x="9555480" y="810895"/>
+            <a:ext cx="669290" cy="669290"/>
+          </a:xfrm>
+          <a:prstGeom prst="roundRect">
+            <a:avLst/>
+          </a:prstGeom>
+        </p:spPr>
+        <p:style>
+          <a:lnRef idx="2">
+            <a:schemeClr val="accent1">
+              <a:shade val="50000"/>
+            </a:schemeClr>
+          </a:lnRef>
+          <a:fillRef idx="1">
+            <a:schemeClr val="accent1"/>
+          </a:fillRef>
+          <a:effectRef idx="0">
+            <a:schemeClr val="accent1"/>
+          </a:effectRef>
+          <a:fontRef idx="minor">
+            <a:schemeClr val="lt1"/>
+          </a:fontRef>
+        </p:style>
+        <p:txBody>
+          <a:bodyPr rtlCol="0" anchor="ctr"/>
+          <a:p>
+            <a:pPr algn="ctr"/>
+            <a:r>
+              <a:rPr lang="en-US" altLang="zh-CN"/>
+              <a:t>47</a:t>
+            </a:r>
+            <a:endParaRPr lang="en-US" altLang="zh-CN"/>
+          </a:p>
+        </p:txBody>
+      </p:sp>
+      <p:sp>
+        <p:nvSpPr>
+          <p:cNvPr id="10" name="圆角矩形 9"/>
+          <p:cNvSpPr/>
+          <p:nvPr/>
+        </p:nvSpPr>
+        <p:spPr>
+          <a:xfrm>
+            <a:off x="4135755" y="810895"/>
+            <a:ext cx="669290" cy="669290"/>
+          </a:xfrm>
+          <a:prstGeom prst="roundRect">
+            <a:avLst/>
+          </a:prstGeom>
+        </p:spPr>
+        <p:style>
+          <a:lnRef idx="2">
+            <a:schemeClr val="accent1">
+              <a:shade val="50000"/>
+            </a:schemeClr>
+          </a:lnRef>
+          <a:fillRef idx="1">
+            <a:schemeClr val="accent1"/>
+          </a:fillRef>
+          <a:effectRef idx="0">
+            <a:schemeClr val="accent1"/>
+          </a:effectRef>
+          <a:fontRef idx="minor">
+            <a:schemeClr val="lt1"/>
+          </a:fontRef>
+        </p:style>
+        <p:txBody>
+          <a:bodyPr rtlCol="0" anchor="ctr"/>
+          <a:p>
+            <a:pPr algn="ctr"/>
+            <a:r>
+              <a:rPr lang="en-US" altLang="zh-CN"/>
+              <a:t>10</a:t>
+            </a:r>
+            <a:endParaRPr lang="en-US" altLang="zh-CN"/>
+          </a:p>
+        </p:txBody>
+      </p:sp>
+      <p:sp>
+        <p:nvSpPr>
+          <p:cNvPr id="11" name="圆角矩形 10"/>
+          <p:cNvSpPr/>
+          <p:nvPr/>
+        </p:nvSpPr>
+        <p:spPr>
+          <a:xfrm>
+            <a:off x="7387590" y="810895"/>
+            <a:ext cx="669290" cy="669290"/>
+          </a:xfrm>
+          <a:prstGeom prst="roundRect">
+            <a:avLst/>
+          </a:prstGeom>
+        </p:spPr>
+        <p:style>
+          <a:lnRef idx="2">
+            <a:schemeClr val="accent1">
+              <a:shade val="50000"/>
+            </a:schemeClr>
+          </a:lnRef>
+          <a:fillRef idx="1">
+            <a:schemeClr val="accent1"/>
+          </a:fillRef>
+          <a:effectRef idx="0">
+            <a:schemeClr val="accent1"/>
+          </a:effectRef>
+          <a:fontRef idx="minor">
+            <a:schemeClr val="lt1"/>
+          </a:fontRef>
+        </p:style>
+        <p:txBody>
+          <a:bodyPr rtlCol="0" anchor="ctr"/>
+          <a:p>
+            <a:pPr algn="ctr"/>
+            <a:r>
+              <a:rPr lang="en-US" altLang="zh-CN"/>
+              <a:t>39</a:t>
+            </a:r>
+            <a:endParaRPr lang="en-US" altLang="zh-CN"/>
+          </a:p>
+        </p:txBody>
+      </p:sp>
+      <p:sp>
+        <p:nvSpPr>
+          <p:cNvPr id="12" name="圆角矩形 11"/>
+          <p:cNvSpPr/>
+          <p:nvPr/>
+        </p:nvSpPr>
+        <p:spPr>
+          <a:xfrm>
+            <a:off x="8471535" y="810895"/>
+            <a:ext cx="669290" cy="669290"/>
+          </a:xfrm>
+          <a:prstGeom prst="roundRect">
+            <a:avLst/>
+          </a:prstGeom>
+        </p:spPr>
+        <p:style>
+          <a:lnRef idx="2">
+            <a:schemeClr val="accent1">
+              <a:shade val="50000"/>
+            </a:schemeClr>
+          </a:lnRef>
+          <a:fillRef idx="1">
+            <a:schemeClr val="accent1"/>
+          </a:fillRef>
+          <a:effectRef idx="0">
+            <a:schemeClr val="accent1"/>
+          </a:effectRef>
+          <a:fontRef idx="minor">
+            <a:schemeClr val="lt1"/>
+          </a:fontRef>
+        </p:style>
+        <p:txBody>
+          <a:bodyPr rtlCol="0" anchor="ctr"/>
+          <a:p>
+            <a:pPr algn="ctr"/>
+            <a:r>
+              <a:rPr lang="en-US" altLang="zh-CN"/>
+              <a:t>35</a:t>
+            </a:r>
+            <a:endParaRPr lang="en-US" altLang="zh-CN"/>
+          </a:p>
+        </p:txBody>
+      </p:sp>
+      <p:sp>
+        <p:nvSpPr>
+          <p:cNvPr id="13" name="圆角矩形 12"/>
+          <p:cNvSpPr/>
+          <p:nvPr/>
+        </p:nvSpPr>
+        <p:spPr>
+          <a:xfrm>
+            <a:off x="5219700" y="810895"/>
+            <a:ext cx="669290" cy="669290"/>
+          </a:xfrm>
+          <a:prstGeom prst="roundRect">
+            <a:avLst/>
+          </a:prstGeom>
+        </p:spPr>
+        <p:style>
+          <a:lnRef idx="2">
+            <a:schemeClr val="accent1">
+              <a:shade val="50000"/>
+            </a:schemeClr>
+          </a:lnRef>
+          <a:fillRef idx="1">
+            <a:schemeClr val="accent1"/>
+          </a:fillRef>
+          <a:effectRef idx="0">
+            <a:schemeClr val="accent1"/>
+          </a:effectRef>
+          <a:fontRef idx="minor">
+            <a:schemeClr val="lt1"/>
+          </a:fontRef>
+        </p:style>
+        <p:txBody>
+          <a:bodyPr rtlCol="0" anchor="ctr"/>
+          <a:p>
+            <a:pPr algn="ctr"/>
+            <a:r>
+              <a:rPr lang="en-US" altLang="zh-CN"/>
+              <a:t>24</a:t>
+            </a:r>
+            <a:endParaRPr lang="en-US" altLang="zh-CN"/>
+          </a:p>
+        </p:txBody>
+      </p:sp>
+      <p:sp>
+        <p:nvSpPr>
+          <p:cNvPr id="14" name="圆角矩形 13"/>
+          <p:cNvSpPr/>
+          <p:nvPr/>
+        </p:nvSpPr>
+        <p:spPr>
+          <a:xfrm>
+            <a:off x="6303645" y="810895"/>
+            <a:ext cx="669290" cy="669290"/>
+          </a:xfrm>
+          <a:prstGeom prst="roundRect">
+            <a:avLst/>
+          </a:prstGeom>
+        </p:spPr>
+        <p:style>
+          <a:lnRef idx="2">
+            <a:schemeClr val="accent1">
+              <a:shade val="50000"/>
+            </a:schemeClr>
+          </a:lnRef>
+          <a:fillRef idx="1">
+            <a:schemeClr val="accent1"/>
+          </a:fillRef>
+          <a:effectRef idx="0">
+            <a:schemeClr val="accent1"/>
+          </a:effectRef>
+          <a:fontRef idx="minor">
+            <a:schemeClr val="lt1"/>
+          </a:fontRef>
+        </p:style>
+        <p:txBody>
+          <a:bodyPr rtlCol="0" anchor="ctr"/>
+          <a:p>
+            <a:pPr algn="ctr"/>
+            <a:r>
+              <a:rPr lang="en-US" altLang="zh-CN"/>
+              <a:t>50</a:t>
+            </a:r>
+            <a:endParaRPr lang="en-US" altLang="zh-CN"/>
+          </a:p>
+        </p:txBody>
+      </p:sp>
+      <p:sp>
+        <p:nvSpPr>
+          <p:cNvPr id="38" name="流程图: 磁盘 37"/>
+          <p:cNvSpPr/>
+          <p:nvPr/>
+        </p:nvSpPr>
+        <p:spPr>
+          <a:xfrm>
+            <a:off x="1866900" y="2459990"/>
+            <a:ext cx="797560" cy="1218565"/>
+          </a:xfrm>
+          <a:prstGeom prst="flowChartMagneticDisk">
+            <a:avLst/>
+          </a:prstGeom>
+        </p:spPr>
+        <p:style>
+          <a:lnRef idx="2">
+            <a:schemeClr val="accent3">
+              <a:shade val="50000"/>
+            </a:schemeClr>
+          </a:lnRef>
+          <a:fillRef idx="1">
+            <a:schemeClr val="accent3"/>
+          </a:fillRef>
+          <a:effectRef idx="0">
+            <a:schemeClr val="accent3"/>
+          </a:effectRef>
+          <a:fontRef idx="minor">
+            <a:schemeClr val="lt1"/>
+          </a:fontRef>
+        </p:style>
+        <p:txBody>
+          <a:bodyPr rtlCol="0" anchor="ctr"/>
+          <a:p>
+            <a:pPr algn="ctr"/>
+            <a:r>
+              <a:rPr lang="en-US" altLang="zh-CN">
+                <a:solidFill>
+                  <a:srgbClr val="FFFF00"/>
+                </a:solidFill>
+              </a:rPr>
+              <a:t>10</a:t>
+            </a:r>
+            <a:endParaRPr lang="en-US" altLang="zh-CN">
+              <a:solidFill>
+                <a:srgbClr val="FFFF00"/>
+              </a:solidFill>
+            </a:endParaRPr>
+          </a:p>
+          <a:p>
+            <a:pPr algn="ctr"/>
+            <a:r>
+              <a:rPr lang="en-US" altLang="zh-CN">
+                <a:solidFill>
+                  <a:srgbClr val="FFFF00"/>
+                </a:solidFill>
+              </a:rPr>
+              <a:t>14</a:t>
+            </a:r>
+            <a:endParaRPr lang="en-US" altLang="zh-CN">
+              <a:solidFill>
+                <a:srgbClr val="FFFF00"/>
+              </a:solidFill>
+            </a:endParaRPr>
+          </a:p>
+        </p:txBody>
+      </p:sp>
+      <p:sp>
+        <p:nvSpPr>
+          <p:cNvPr id="39" name="流程图: 磁盘 38"/>
+          <p:cNvSpPr/>
+          <p:nvPr/>
+        </p:nvSpPr>
+        <p:spPr>
+          <a:xfrm>
+            <a:off x="3399155" y="2459990"/>
+            <a:ext cx="797560" cy="1218565"/>
+          </a:xfrm>
+          <a:prstGeom prst="flowChartMagneticDisk">
+            <a:avLst/>
+          </a:prstGeom>
+        </p:spPr>
+        <p:style>
+          <a:lnRef idx="2">
+            <a:schemeClr val="accent3">
+              <a:shade val="50000"/>
+            </a:schemeClr>
+          </a:lnRef>
+          <a:fillRef idx="1">
+            <a:schemeClr val="accent3"/>
+          </a:fillRef>
+          <a:effectRef idx="0">
+            <a:schemeClr val="accent3"/>
+          </a:effectRef>
+          <a:fontRef idx="minor">
+            <a:schemeClr val="lt1"/>
+          </a:fontRef>
+        </p:style>
+        <p:txBody>
+          <a:bodyPr rtlCol="0" anchor="ctr"/>
+          <a:p>
+            <a:pPr algn="ctr"/>
+            <a:r>
+              <a:rPr lang="en-US" altLang="zh-CN">
+                <a:solidFill>
+                  <a:srgbClr val="FFFF00"/>
+                </a:solidFill>
+              </a:rPr>
+              <a:t>24</a:t>
+            </a:r>
+            <a:endParaRPr lang="en-US" altLang="zh-CN">
+              <a:solidFill>
+                <a:srgbClr val="FFFF00"/>
+              </a:solidFill>
+            </a:endParaRPr>
+          </a:p>
+        </p:txBody>
+      </p:sp>
+      <p:sp>
+        <p:nvSpPr>
+          <p:cNvPr id="40" name="流程图: 磁盘 39"/>
+          <p:cNvSpPr/>
+          <p:nvPr/>
+        </p:nvSpPr>
+        <p:spPr>
+          <a:xfrm>
+            <a:off x="4931410" y="2459990"/>
+            <a:ext cx="797560" cy="1218565"/>
+          </a:xfrm>
+          <a:prstGeom prst="flowChartMagneticDisk">
+            <a:avLst/>
+          </a:prstGeom>
+        </p:spPr>
+        <p:style>
+          <a:lnRef idx="2">
+            <a:schemeClr val="accent3">
+              <a:shade val="50000"/>
+            </a:schemeClr>
+          </a:lnRef>
+          <a:fillRef idx="1">
+            <a:schemeClr val="accent3"/>
+          </a:fillRef>
+          <a:effectRef idx="0">
+            <a:schemeClr val="accent3"/>
+          </a:effectRef>
+          <a:fontRef idx="minor">
+            <a:schemeClr val="lt1"/>
+          </a:fontRef>
+        </p:style>
+        <p:txBody>
+          <a:bodyPr rtlCol="0" anchor="ctr"/>
+          <a:p>
+            <a:pPr algn="ctr"/>
+            <a:r>
+              <a:rPr lang="en-US" altLang="zh-CN">
+                <a:solidFill>
+                  <a:srgbClr val="FFFF00"/>
+                </a:solidFill>
+              </a:rPr>
+              <a:t>28</a:t>
+            </a:r>
+            <a:endParaRPr lang="en-US" altLang="zh-CN">
+              <a:solidFill>
+                <a:srgbClr val="FFFF00"/>
+              </a:solidFill>
+            </a:endParaRPr>
+          </a:p>
+        </p:txBody>
+      </p:sp>
+      <p:sp>
+        <p:nvSpPr>
+          <p:cNvPr id="41" name="流程图: 磁盘 40"/>
+          <p:cNvSpPr/>
+          <p:nvPr/>
+        </p:nvSpPr>
+        <p:spPr>
+          <a:xfrm>
+            <a:off x="6463665" y="2459990"/>
+            <a:ext cx="797560" cy="1218565"/>
+          </a:xfrm>
+          <a:prstGeom prst="flowChartMagneticDisk">
+            <a:avLst/>
+          </a:prstGeom>
+        </p:spPr>
+        <p:style>
+          <a:lnRef idx="2">
+            <a:schemeClr val="accent3">
+              <a:shade val="50000"/>
+            </a:schemeClr>
+          </a:lnRef>
+          <a:fillRef idx="1">
+            <a:schemeClr val="accent3"/>
+          </a:fillRef>
+          <a:effectRef idx="0">
+            <a:schemeClr val="accent3"/>
+          </a:effectRef>
+          <a:fontRef idx="minor">
+            <a:schemeClr val="lt1"/>
+          </a:fontRef>
+        </p:style>
+        <p:txBody>
+          <a:bodyPr rtlCol="0" anchor="ctr"/>
+          <a:p>
+            <a:pPr algn="ctr"/>
+            <a:r>
+              <a:rPr lang="en-US" altLang="zh-CN">
+                <a:solidFill>
+                  <a:srgbClr val="FFFF00"/>
+                </a:solidFill>
+              </a:rPr>
+              <a:t>35</a:t>
+            </a:r>
+            <a:endParaRPr lang="en-US" altLang="zh-CN">
+              <a:solidFill>
+                <a:srgbClr val="FFFF00"/>
+              </a:solidFill>
+            </a:endParaRPr>
+          </a:p>
+          <a:p>
+            <a:pPr algn="ctr"/>
+            <a:r>
+              <a:rPr lang="en-US" altLang="zh-CN">
+                <a:solidFill>
+                  <a:srgbClr val="FFFF00"/>
+                </a:solidFill>
+              </a:rPr>
+              <a:t>39</a:t>
+            </a:r>
+            <a:endParaRPr lang="en-US" altLang="zh-CN">
+              <a:solidFill>
+                <a:srgbClr val="FFFF00"/>
+              </a:solidFill>
+            </a:endParaRPr>
+          </a:p>
+        </p:txBody>
+      </p:sp>
+      <p:sp>
+        <p:nvSpPr>
+          <p:cNvPr id="42" name="流程图: 磁盘 41"/>
+          <p:cNvSpPr/>
+          <p:nvPr/>
+        </p:nvSpPr>
+        <p:spPr>
+          <a:xfrm>
+            <a:off x="7995920" y="2456180"/>
+            <a:ext cx="797560" cy="1218565"/>
+          </a:xfrm>
+          <a:prstGeom prst="flowChartMagneticDisk">
+            <a:avLst/>
+          </a:prstGeom>
+        </p:spPr>
+        <p:style>
+          <a:lnRef idx="2">
+            <a:schemeClr val="accent3">
+              <a:shade val="50000"/>
+            </a:schemeClr>
+          </a:lnRef>
+          <a:fillRef idx="1">
+            <a:schemeClr val="accent3"/>
+          </a:fillRef>
+          <a:effectRef idx="0">
+            <a:schemeClr val="accent3"/>
+          </a:effectRef>
+          <a:fontRef idx="minor">
+            <a:schemeClr val="lt1"/>
+          </a:fontRef>
+        </p:style>
+        <p:txBody>
+          <a:bodyPr rtlCol="0" anchor="ctr"/>
+          <a:p>
+            <a:pPr algn="ctr"/>
+            <a:r>
+              <a:rPr lang="en-US" altLang="zh-CN">
+                <a:solidFill>
+                  <a:srgbClr val="FFFF00"/>
+                </a:solidFill>
+              </a:rPr>
+              <a:t>47</a:t>
+            </a:r>
+            <a:endParaRPr lang="en-US" altLang="zh-CN">
+              <a:solidFill>
+                <a:srgbClr val="FFFF00"/>
+              </a:solidFill>
+            </a:endParaRPr>
+          </a:p>
+        </p:txBody>
+      </p:sp>
+      <p:sp>
+        <p:nvSpPr>
+          <p:cNvPr id="43" name="流程图: 磁盘 42"/>
+          <p:cNvSpPr/>
+          <p:nvPr/>
+        </p:nvSpPr>
+        <p:spPr>
+          <a:xfrm>
+            <a:off x="9528175" y="2419350"/>
+            <a:ext cx="797560" cy="1218565"/>
+          </a:xfrm>
+          <a:prstGeom prst="flowChartMagneticDisk">
+            <a:avLst/>
+          </a:prstGeom>
+        </p:spPr>
+        <p:style>
+          <a:lnRef idx="2">
+            <a:schemeClr val="accent3">
+              <a:shade val="50000"/>
+            </a:schemeClr>
+          </a:lnRef>
+          <a:fillRef idx="1">
+            <a:schemeClr val="accent3"/>
+          </a:fillRef>
+          <a:effectRef idx="0">
+            <a:schemeClr val="accent3"/>
+          </a:effectRef>
+          <a:fontRef idx="minor">
+            <a:schemeClr val="lt1"/>
+          </a:fontRef>
+        </p:style>
+        <p:txBody>
+          <a:bodyPr rtlCol="0" anchor="ctr"/>
+          <a:p>
+            <a:pPr algn="ctr"/>
+            <a:r>
+              <a:rPr lang="en-US" altLang="zh-CN">
+                <a:solidFill>
+                  <a:srgbClr val="FFFF00"/>
+                </a:solidFill>
+              </a:rPr>
+              <a:t>50</a:t>
+            </a:r>
+            <a:endParaRPr lang="en-US" altLang="zh-CN">
+              <a:solidFill>
+                <a:srgbClr val="FFFF00"/>
+              </a:solidFill>
+            </a:endParaRPr>
+          </a:p>
+        </p:txBody>
+      </p:sp>
+      <p:sp>
+        <p:nvSpPr>
+          <p:cNvPr id="44" name="文本框 43"/>
+          <p:cNvSpPr txBox="1"/>
+          <p:nvPr/>
+        </p:nvSpPr>
+        <p:spPr>
+          <a:xfrm>
+            <a:off x="1784985" y="3956685"/>
+            <a:ext cx="961390" cy="368300"/>
+          </a:xfrm>
+          <a:prstGeom prst="rect">
+            <a:avLst/>
+          </a:prstGeom>
+          <a:noFill/>
+        </p:spPr>
+        <p:txBody>
+          <a:bodyPr wrap="square" rtlCol="0">
+            <a:spAutoFit/>
+          </a:bodyPr>
+          <a:p>
+            <a:pPr algn="ctr"/>
+            <a:r>
+              <a:rPr lang="en-US" altLang="zh-CN"/>
+              <a:t>[10,17]</a:t>
+            </a:r>
+            <a:endParaRPr lang="en-US" altLang="zh-CN"/>
+          </a:p>
+        </p:txBody>
+      </p:sp>
+      <p:sp>
+        <p:nvSpPr>
+          <p:cNvPr id="45" name="文本框 44"/>
+          <p:cNvSpPr txBox="1"/>
+          <p:nvPr/>
+        </p:nvSpPr>
+        <p:spPr>
+          <a:xfrm>
+            <a:off x="3317240" y="3956685"/>
+            <a:ext cx="961390" cy="368300"/>
+          </a:xfrm>
+          <a:prstGeom prst="rect">
+            <a:avLst/>
+          </a:prstGeom>
+          <a:noFill/>
+        </p:spPr>
+        <p:txBody>
+          <a:bodyPr wrap="square" rtlCol="0">
+            <a:spAutoFit/>
+          </a:bodyPr>
+          <a:p>
+            <a:pPr algn="ctr"/>
+            <a:r>
+              <a:rPr lang="en-US" altLang="zh-CN"/>
+              <a:t>[18,25]</a:t>
+            </a:r>
+            <a:endParaRPr lang="en-US" altLang="zh-CN"/>
+          </a:p>
+        </p:txBody>
+      </p:sp>
+      <p:sp>
+        <p:nvSpPr>
+          <p:cNvPr id="46" name="文本框 45"/>
+          <p:cNvSpPr txBox="1"/>
+          <p:nvPr/>
+        </p:nvSpPr>
+        <p:spPr>
+          <a:xfrm>
+            <a:off x="4849495" y="3956685"/>
+            <a:ext cx="961390" cy="368300"/>
+          </a:xfrm>
+          <a:prstGeom prst="rect">
+            <a:avLst/>
+          </a:prstGeom>
+          <a:noFill/>
+        </p:spPr>
+        <p:txBody>
+          <a:bodyPr wrap="square" rtlCol="0">
+            <a:spAutoFit/>
+          </a:bodyPr>
+          <a:p>
+            <a:pPr algn="ctr"/>
+            <a:r>
+              <a:rPr lang="en-US" altLang="zh-CN"/>
+              <a:t>[26,33]</a:t>
+            </a:r>
+            <a:endParaRPr lang="en-US" altLang="zh-CN"/>
+          </a:p>
+        </p:txBody>
+      </p:sp>
+      <p:sp>
+        <p:nvSpPr>
+          <p:cNvPr id="47" name="文本框 46"/>
+          <p:cNvSpPr txBox="1"/>
+          <p:nvPr/>
+        </p:nvSpPr>
+        <p:spPr>
+          <a:xfrm>
+            <a:off x="6381750" y="3956685"/>
+            <a:ext cx="961390" cy="368300"/>
+          </a:xfrm>
+          <a:prstGeom prst="rect">
+            <a:avLst/>
+          </a:prstGeom>
+          <a:noFill/>
+        </p:spPr>
+        <p:txBody>
+          <a:bodyPr wrap="square" rtlCol="0">
+            <a:spAutoFit/>
+          </a:bodyPr>
+          <a:p>
+            <a:pPr algn="ctr"/>
+            <a:r>
+              <a:rPr lang="en-US" altLang="zh-CN"/>
+              <a:t>[34,41]</a:t>
+            </a:r>
+            <a:endParaRPr lang="en-US" altLang="zh-CN"/>
+          </a:p>
+        </p:txBody>
+      </p:sp>
+      <p:sp>
+        <p:nvSpPr>
+          <p:cNvPr id="48" name="文本框 47"/>
+          <p:cNvSpPr txBox="1"/>
+          <p:nvPr/>
+        </p:nvSpPr>
+        <p:spPr>
+          <a:xfrm>
+            <a:off x="7914005" y="3956685"/>
+            <a:ext cx="961390" cy="368300"/>
+          </a:xfrm>
+          <a:prstGeom prst="rect">
+            <a:avLst/>
+          </a:prstGeom>
+          <a:noFill/>
+        </p:spPr>
+        <p:txBody>
+          <a:bodyPr wrap="square" rtlCol="0">
+            <a:spAutoFit/>
+          </a:bodyPr>
+          <a:p>
+            <a:pPr algn="ctr"/>
+            <a:r>
+              <a:rPr lang="en-US" altLang="zh-CN"/>
+              <a:t>[42,49]</a:t>
+            </a:r>
+            <a:endParaRPr lang="en-US" altLang="zh-CN"/>
+          </a:p>
+        </p:txBody>
+      </p:sp>
+      <p:sp>
+        <p:nvSpPr>
+          <p:cNvPr id="49" name="文本框 48"/>
+          <p:cNvSpPr txBox="1"/>
+          <p:nvPr/>
+        </p:nvSpPr>
+        <p:spPr>
+          <a:xfrm>
+            <a:off x="9446260" y="3956685"/>
+            <a:ext cx="961390" cy="368300"/>
+          </a:xfrm>
+          <a:prstGeom prst="rect">
+            <a:avLst/>
+          </a:prstGeom>
+          <a:noFill/>
+        </p:spPr>
+        <p:txBody>
+          <a:bodyPr wrap="square" rtlCol="0">
+            <a:spAutoFit/>
+          </a:bodyPr>
+          <a:p>
+            <a:pPr algn="ctr"/>
+            <a:r>
+              <a:rPr lang="en-US" altLang="zh-CN"/>
+              <a:t>[50,57]</a:t>
+            </a:r>
+            <a:endParaRPr lang="en-US" altLang="zh-CN"/>
+          </a:p>
+        </p:txBody>
+      </p:sp>
+      <p:sp>
+        <p:nvSpPr>
+          <p:cNvPr id="19" name="圆角矩形 18"/>
+          <p:cNvSpPr/>
+          <p:nvPr/>
+        </p:nvSpPr>
+        <p:spPr>
+          <a:xfrm>
+            <a:off x="1967865" y="5234305"/>
+            <a:ext cx="669290" cy="669290"/>
+          </a:xfrm>
+          <a:prstGeom prst="roundRect">
+            <a:avLst/>
+          </a:prstGeom>
+        </p:spPr>
+        <p:style>
+          <a:lnRef idx="2">
+            <a:schemeClr val="accent4">
+              <a:shade val="50000"/>
+            </a:schemeClr>
+          </a:lnRef>
+          <a:fillRef idx="1">
+            <a:schemeClr val="accent4"/>
+          </a:fillRef>
+          <a:effectRef idx="0">
+            <a:schemeClr val="accent4"/>
+          </a:effectRef>
+          <a:fontRef idx="minor">
+            <a:schemeClr val="lt1"/>
+          </a:fontRef>
+        </p:style>
+        <p:txBody>
+          <a:bodyPr rtlCol="0" anchor="ctr"/>
+          <a:p>
+            <a:pPr algn="ctr"/>
+            <a:r>
+              <a:rPr lang="en-US" altLang="zh-CN"/>
+              <a:t>10</a:t>
+            </a:r>
+            <a:endParaRPr lang="en-US" altLang="zh-CN"/>
+          </a:p>
+        </p:txBody>
+      </p:sp>
+      <p:sp>
+        <p:nvSpPr>
+          <p:cNvPr id="2" name="圆角矩形 1"/>
+          <p:cNvSpPr/>
+          <p:nvPr/>
+        </p:nvSpPr>
+        <p:spPr>
+          <a:xfrm>
+            <a:off x="3051810" y="5234305"/>
+            <a:ext cx="669290" cy="669290"/>
+          </a:xfrm>
+          <a:prstGeom prst="roundRect">
+            <a:avLst/>
+          </a:prstGeom>
+        </p:spPr>
+        <p:style>
+          <a:lnRef idx="2">
+            <a:schemeClr val="accent4">
+              <a:shade val="50000"/>
+            </a:schemeClr>
+          </a:lnRef>
+          <a:fillRef idx="1">
+            <a:schemeClr val="accent4"/>
+          </a:fillRef>
+          <a:effectRef idx="0">
+            <a:schemeClr val="accent4"/>
+          </a:effectRef>
+          <a:fontRef idx="minor">
+            <a:schemeClr val="lt1"/>
+          </a:fontRef>
+        </p:style>
+        <p:txBody>
+          <a:bodyPr rtlCol="0" anchor="ctr"/>
+          <a:p>
+            <a:pPr algn="ctr"/>
+            <a:r>
+              <a:rPr lang="en-US" altLang="zh-CN"/>
+              <a:t>14</a:t>
+            </a:r>
+            <a:endParaRPr lang="en-US" altLang="zh-CN"/>
+          </a:p>
+        </p:txBody>
+      </p:sp>
+      <p:sp>
+        <p:nvSpPr>
+          <p:cNvPr id="3" name="圆角矩形 2"/>
+          <p:cNvSpPr/>
+          <p:nvPr/>
+        </p:nvSpPr>
+        <p:spPr>
+          <a:xfrm>
+            <a:off x="4135755" y="5234305"/>
+            <a:ext cx="669290" cy="669290"/>
+          </a:xfrm>
+          <a:prstGeom prst="roundRect">
+            <a:avLst/>
+          </a:prstGeom>
+        </p:spPr>
+        <p:style>
+          <a:lnRef idx="2">
+            <a:schemeClr val="accent4">
+              <a:shade val="50000"/>
+            </a:schemeClr>
+          </a:lnRef>
+          <a:fillRef idx="1">
+            <a:schemeClr val="accent4"/>
+          </a:fillRef>
+          <a:effectRef idx="0">
+            <a:schemeClr val="accent4"/>
+          </a:effectRef>
+          <a:fontRef idx="minor">
+            <a:schemeClr val="lt1"/>
+          </a:fontRef>
+        </p:style>
+        <p:txBody>
+          <a:bodyPr rtlCol="0" anchor="ctr"/>
+          <a:p>
+            <a:pPr algn="ctr"/>
+            <a:r>
+              <a:rPr lang="en-US" altLang="zh-CN"/>
+              <a:t>24</a:t>
+            </a:r>
+            <a:endParaRPr lang="en-US" altLang="zh-CN"/>
+          </a:p>
+        </p:txBody>
+      </p:sp>
+      <p:sp>
+        <p:nvSpPr>
+          <p:cNvPr id="4" name="圆角矩形 3"/>
+          <p:cNvSpPr/>
+          <p:nvPr/>
+        </p:nvSpPr>
+        <p:spPr>
+          <a:xfrm>
+            <a:off x="5219700" y="5234305"/>
+            <a:ext cx="669290" cy="669290"/>
+          </a:xfrm>
+          <a:prstGeom prst="roundRect">
+            <a:avLst/>
+          </a:prstGeom>
+        </p:spPr>
+        <p:style>
+          <a:lnRef idx="2">
+            <a:schemeClr val="accent4">
+              <a:shade val="50000"/>
+            </a:schemeClr>
+          </a:lnRef>
+          <a:fillRef idx="1">
+            <a:schemeClr val="accent4"/>
+          </a:fillRef>
+          <a:effectRef idx="0">
+            <a:schemeClr val="accent4"/>
+          </a:effectRef>
+          <a:fontRef idx="minor">
+            <a:schemeClr val="lt1"/>
+          </a:fontRef>
+        </p:style>
+        <p:txBody>
+          <a:bodyPr rtlCol="0" anchor="ctr"/>
+          <a:p>
+            <a:pPr algn="ctr"/>
+            <a:r>
+              <a:rPr lang="en-US" altLang="zh-CN"/>
+              <a:t>28</a:t>
+            </a:r>
+            <a:endParaRPr lang="en-US" altLang="zh-CN"/>
+          </a:p>
+        </p:txBody>
+      </p:sp>
+      <p:sp>
+        <p:nvSpPr>
+          <p:cNvPr id="5" name="圆角矩形 4"/>
+          <p:cNvSpPr/>
+          <p:nvPr/>
+        </p:nvSpPr>
+        <p:spPr>
+          <a:xfrm>
+            <a:off x="6303645" y="5234305"/>
+            <a:ext cx="669290" cy="669290"/>
+          </a:xfrm>
+          <a:prstGeom prst="roundRect">
+            <a:avLst/>
+          </a:prstGeom>
+        </p:spPr>
+        <p:style>
+          <a:lnRef idx="2">
+            <a:schemeClr val="accent4">
+              <a:shade val="50000"/>
+            </a:schemeClr>
+          </a:lnRef>
+          <a:fillRef idx="1">
+            <a:schemeClr val="accent4"/>
+          </a:fillRef>
+          <a:effectRef idx="0">
+            <a:schemeClr val="accent4"/>
+          </a:effectRef>
+          <a:fontRef idx="minor">
+            <a:schemeClr val="lt1"/>
+          </a:fontRef>
+        </p:style>
+        <p:txBody>
+          <a:bodyPr rtlCol="0" anchor="ctr"/>
+          <a:p>
+            <a:pPr algn="ctr"/>
+            <a:r>
+              <a:rPr lang="en-US" altLang="zh-CN"/>
+              <a:t>35</a:t>
+            </a:r>
+            <a:endParaRPr lang="en-US" altLang="zh-CN"/>
+          </a:p>
+        </p:txBody>
+      </p:sp>
+      <p:sp>
+        <p:nvSpPr>
+          <p:cNvPr id="7" name="圆角矩形 6"/>
+          <p:cNvSpPr/>
+          <p:nvPr/>
+        </p:nvSpPr>
+        <p:spPr>
+          <a:xfrm>
+            <a:off x="7387590" y="5234305"/>
+            <a:ext cx="669290" cy="669290"/>
+          </a:xfrm>
+          <a:prstGeom prst="roundRect">
+            <a:avLst/>
+          </a:prstGeom>
+        </p:spPr>
+        <p:style>
+          <a:lnRef idx="2">
+            <a:schemeClr val="accent4">
+              <a:shade val="50000"/>
+            </a:schemeClr>
+          </a:lnRef>
+          <a:fillRef idx="1">
+            <a:schemeClr val="accent4"/>
+          </a:fillRef>
+          <a:effectRef idx="0">
+            <a:schemeClr val="accent4"/>
+          </a:effectRef>
+          <a:fontRef idx="minor">
+            <a:schemeClr val="lt1"/>
+          </a:fontRef>
+        </p:style>
+        <p:txBody>
+          <a:bodyPr rtlCol="0" anchor="ctr"/>
+          <a:p>
+            <a:pPr algn="ctr"/>
+            <a:r>
+              <a:rPr lang="en-US" altLang="zh-CN"/>
+              <a:t>39</a:t>
+            </a:r>
+            <a:endParaRPr lang="en-US" altLang="zh-CN"/>
+          </a:p>
+        </p:txBody>
+      </p:sp>
+      <p:sp>
+        <p:nvSpPr>
+          <p:cNvPr id="15" name="圆角矩形 14"/>
+          <p:cNvSpPr/>
+          <p:nvPr/>
+        </p:nvSpPr>
+        <p:spPr>
+          <a:xfrm>
+            <a:off x="8060055" y="2968625"/>
+            <a:ext cx="669290" cy="669290"/>
+          </a:xfrm>
+          <a:prstGeom prst="roundRect">
+            <a:avLst/>
+          </a:prstGeom>
+        </p:spPr>
+        <p:style>
+          <a:lnRef idx="2">
+            <a:schemeClr val="accent4">
+              <a:shade val="50000"/>
+            </a:schemeClr>
+          </a:lnRef>
+          <a:fillRef idx="1">
+            <a:schemeClr val="accent4"/>
+          </a:fillRef>
+          <a:effectRef idx="0">
+            <a:schemeClr val="accent4"/>
+          </a:effectRef>
+          <a:fontRef idx="minor">
+            <a:schemeClr val="lt1"/>
+          </a:fontRef>
+        </p:style>
+        <p:txBody>
+          <a:bodyPr rtlCol="0" anchor="ctr"/>
+          <a:p>
+            <a:pPr algn="ctr"/>
+            <a:r>
+              <a:rPr lang="en-US" altLang="zh-CN"/>
+              <a:t>47</a:t>
+            </a:r>
+            <a:endParaRPr lang="en-US" altLang="zh-CN"/>
+          </a:p>
+        </p:txBody>
+      </p:sp>
+    </p:spTree>
+    <p:custDataLst>
+      <p:tags r:id="rId1"/>
+    </p:custDataLst>
+  </p:cSld>
+  <p:clrMapOvr>
+    <a:masterClrMapping/>
+  </p:clrMapOvr>
+  <mc:AlternateContent xmlns:mc="http://schemas.openxmlformats.org/markup-compatibility/2006" xmlns:p159="http://schemas.microsoft.com/office/powerpoint/2015/09/main">
+    <mc:Choice Requires="p159">
+      <p:transition xmlns:p14="http://schemas.microsoft.com/office/powerpoint/2010/main" p14:dur="500">
+        <p159:morph option="byObject"/>
+      </p:transition>
+    </mc:Choice>
+    <mc:Fallback>
+      <p:transition>
+        <p:fade/>
+      </p:transition>
+    </mc:Fallback>
+  </mc:AlternateContent>
+  <p:timing>
+    <p:tnLst>
+      <p:par>
+        <p:cTn id="1" dur="indefinite" restart="never" nodeType="tmRoot">
+          <p:childTnLst>
+            <p:seq concurrent="1" nextAc="seek">
+              <p:cTn id="2" dur="indefinite" nodeType="mainSeq">
+                <p:childTnLst>
+                  <p:par>
+                    <p:cTn id="3" fill="hold">
+                      <p:stCondLst>
+                        <p:cond delay="indefinite"/>
+                      </p:stCondLst>
+                      <p:childTnLst>
+                        <p:par>
+                          <p:cTn id="4" fill="hold">
+                            <p:stCondLst>
+                              <p:cond delay="0"/>
+                            </p:stCondLst>
+                            <p:childTnLst>
+                              <p:par>
+                                <p:cTn id="5" presetID="1" presetClass="entr" presetSubtype="0" fill="hold" grpId="0" nodeType="clickEffect">
+                                  <p:stCondLst>
+                                    <p:cond delay="0"/>
+                                  </p:stCondLst>
+                                  <p:childTnLst>
+                                    <p:set>
+                                      <p:cBhvr>
+                                        <p:cTn id="6" dur="1" fill="hold">
+                                          <p:stCondLst>
+                                            <p:cond delay="0"/>
+                                          </p:stCondLst>
+                                        </p:cTn>
+                                        <p:tgtEl>
+                                          <p:spTgt spid="15"/>
+                                        </p:tgtEl>
+                                        <p:attrNameLst>
+                                          <p:attrName>style.visibility</p:attrName>
+                                        </p:attrNameLst>
+                                      </p:cBhvr>
+                                      <p:to>
+                                        <p:strVal val="visible"/>
+                                      </p:to>
+                                    </p:set>
+                                  </p:childTnLst>
+                                </p:cTn>
+                              </p:par>
+                            </p:childTnLst>
+                          </p:cTn>
+                        </p:par>
+                      </p:childTnLst>
+                    </p:cTn>
+                  </p:par>
+                </p:childTnLst>
+              </p:cTn>
+              <p:prevCondLst>
+                <p:cond evt="onPrev" delay="0">
+                  <p:tgtEl>
+                    <p:sldTgt/>
+                  </p:tgtEl>
+                </p:cond>
+              </p:prevCondLst>
+              <p:nextCondLst>
+                <p:cond evt="onNext" delay="0">
+                  <p:tgtEl>
+                    <p:sldTgt/>
+                  </p:tgtEl>
+                </p:cond>
+              </p:nextCondLst>
+            </p:seq>
+          </p:childTnLst>
+        </p:cTn>
+      </p:par>
+    </p:tnLst>
+    <p:bldLst>
+      <p:bldP spid="15" grpId="0" bldLvl="0" animBg="1"/>
+    </p:bldLst>
+  </p:timing>
+</p:sld>
+</file>
+
+<file path=ppt/slides/slide13.xml><?xml version="1.0" encoding="utf-8"?>
 <p:sld xmlns:a="http://schemas.openxmlformats.org/drawingml/2006/main" xmlns:r="http://schemas.openxmlformats.org/officeDocument/2006/relationships" xmlns:p="http://schemas.openxmlformats.org/presentationml/2006/main">
   <p:cSld>
     <p:spTree>
@@ -13379,7 +17096,7 @@
 </p:sld>
 </file>
 
-<file path=ppt/slides/slide11.xml><?xml version="1.0" encoding="utf-8"?>
+<file path=ppt/slides/slide14.xml><?xml version="1.0" encoding="utf-8"?>
 <p:sld xmlns:a="http://schemas.openxmlformats.org/drawingml/2006/main" xmlns:r="http://schemas.openxmlformats.org/officeDocument/2006/relationships" xmlns:p="http://schemas.openxmlformats.org/presentationml/2006/main">
   <p:cSld>
     <p:spTree>
@@ -14632,7 +18349,7 @@
 </p:sld>
 </file>
 
-<file path=ppt/slides/slide12.xml><?xml version="1.0" encoding="utf-8"?>
+<file path=ppt/slides/slide15.xml><?xml version="1.0" encoding="utf-8"?>
 <p:sld xmlns:a="http://schemas.openxmlformats.org/drawingml/2006/main" xmlns:r="http://schemas.openxmlformats.org/officeDocument/2006/relationships" xmlns:p="http://schemas.openxmlformats.org/presentationml/2006/main">
   <p:cSld>
     <p:spTree>
@@ -14700,7 +18417,7 @@
         <p:spPr/>
         <p:txBody>
           <a:bodyPr>
-            <a:normAutofit/>
+            <a:normAutofit fontScale="90000"/>
           </a:bodyPr>
           <a:p>
             <a:pPr algn="ctr"/>
@@ -14738,6 +18455,246 @@
 </file>
 
 <file path=ppt/slides/slide2.xml><?xml version="1.0" encoding="utf-8"?>
+<p:sld xmlns:a="http://schemas.openxmlformats.org/drawingml/2006/main" xmlns:r="http://schemas.openxmlformats.org/officeDocument/2006/relationships" xmlns:p="http://schemas.openxmlformats.org/presentationml/2006/main">
+  <p:cSld>
+    <p:bg>
+      <p:bgPr>
+        <a:noFill/>
+        <a:effectLst/>
+      </p:bgPr>
+    </p:bg>
+    <p:spTree>
+      <p:nvGrpSpPr>
+        <p:cNvPr id="1" name=""/>
+        <p:cNvGrpSpPr/>
+        <p:nvPr/>
+      </p:nvGrpSpPr>
+      <p:grpSpPr/>
+      <p:sp>
+        <p:nvSpPr>
+          <p:cNvPr id="2" name="文本框 1"/>
+          <p:cNvSpPr txBox="1"/>
+          <p:nvPr/>
+        </p:nvSpPr>
+        <p:spPr>
+          <a:xfrm>
+            <a:off x="839470" y="756920"/>
+            <a:ext cx="3460750" cy="583565"/>
+          </a:xfrm>
+          <a:prstGeom prst="rect">
+            <a:avLst/>
+          </a:prstGeom>
+          <a:noFill/>
+        </p:spPr>
+        <p:txBody>
+          <a:bodyPr wrap="square" rtlCol="0">
+            <a:spAutoFit/>
+          </a:bodyPr>
+          <a:p>
+            <a:r>
+              <a:rPr lang="zh-CN" altLang="en-US" sz="3200"/>
+              <a:t>算法思想</a:t>
+            </a:r>
+            <a:endParaRPr lang="zh-CN" altLang="en-US" sz="3200"/>
+          </a:p>
+        </p:txBody>
+      </p:sp>
+      <p:sp>
+        <p:nvSpPr>
+          <p:cNvPr id="3" name="文本框 2"/>
+          <p:cNvSpPr txBox="1"/>
+          <p:nvPr/>
+        </p:nvSpPr>
+        <p:spPr>
+          <a:xfrm>
+            <a:off x="839470" y="1843405"/>
+            <a:ext cx="9209405" cy="1753235"/>
+          </a:xfrm>
+          <a:prstGeom prst="rect">
+            <a:avLst/>
+          </a:prstGeom>
+          <a:noFill/>
+        </p:spPr>
+        <p:txBody>
+          <a:bodyPr wrap="square" rtlCol="0">
+            <a:spAutoFit/>
+          </a:bodyPr>
+          <a:p>
+            <a:pPr>
+              <a:lnSpc>
+                <a:spcPct val="150000"/>
+              </a:lnSpc>
+            </a:pPr>
+            <a:r>
+              <a:rPr lang="zh-CN" altLang="en-US"/>
+              <a:t>划分多个范围相同的区间（桶）</a:t>
+            </a:r>
+            <a:endParaRPr lang="zh-CN" altLang="en-US"/>
+          </a:p>
+          <a:p>
+            <a:pPr>
+              <a:lnSpc>
+                <a:spcPct val="150000"/>
+              </a:lnSpc>
+            </a:pPr>
+            <a:r>
+              <a:rPr lang="zh-CN" altLang="en-US"/>
+              <a:t>将待排序区间内的元素映射到对应的区间（桶）中</a:t>
+            </a:r>
+            <a:endParaRPr lang="zh-CN" altLang="en-US"/>
+          </a:p>
+          <a:p>
+            <a:pPr>
+              <a:lnSpc>
+                <a:spcPct val="150000"/>
+              </a:lnSpc>
+            </a:pPr>
+            <a:r>
+              <a:rPr lang="zh-CN" altLang="en-US"/>
+              <a:t>每个区间中的元素再进行排序</a:t>
+            </a:r>
+            <a:endParaRPr lang="zh-CN" altLang="en-US"/>
+          </a:p>
+          <a:p>
+            <a:pPr>
+              <a:lnSpc>
+                <a:spcPct val="150000"/>
+              </a:lnSpc>
+            </a:pPr>
+            <a:r>
+              <a:rPr lang="zh-CN" altLang="en-US"/>
+              <a:t>然后合并到一个新的区间</a:t>
+            </a:r>
+            <a:endParaRPr lang="zh-CN" altLang="en-US"/>
+          </a:p>
+        </p:txBody>
+      </p:sp>
+    </p:spTree>
+    <p:custDataLst>
+      <p:tags r:id="rId1"/>
+    </p:custDataLst>
+  </p:cSld>
+  <p:clrMapOvr>
+    <a:masterClrMapping/>
+  </p:clrMapOvr>
+</p:sld>
+</file>
+
+<file path=ppt/slides/slide3.xml><?xml version="1.0" encoding="utf-8"?>
+<p:sld xmlns:a="http://schemas.openxmlformats.org/drawingml/2006/main" xmlns:r="http://schemas.openxmlformats.org/officeDocument/2006/relationships" xmlns:p="http://schemas.openxmlformats.org/presentationml/2006/main">
+  <p:cSld>
+    <p:bg>
+      <p:bgPr>
+        <a:noFill/>
+        <a:effectLst/>
+      </p:bgPr>
+    </p:bg>
+    <p:spTree>
+      <p:nvGrpSpPr>
+        <p:cNvPr id="1" name=""/>
+        <p:cNvGrpSpPr/>
+        <p:nvPr/>
+      </p:nvGrpSpPr>
+      <p:grpSpPr/>
+      <p:sp>
+        <p:nvSpPr>
+          <p:cNvPr id="2" name="文本框 1"/>
+          <p:cNvSpPr txBox="1"/>
+          <p:nvPr/>
+        </p:nvSpPr>
+        <p:spPr>
+          <a:xfrm>
+            <a:off x="839470" y="756920"/>
+            <a:ext cx="3460750" cy="583565"/>
+          </a:xfrm>
+          <a:prstGeom prst="rect">
+            <a:avLst/>
+          </a:prstGeom>
+          <a:noFill/>
+        </p:spPr>
+        <p:txBody>
+          <a:bodyPr wrap="square" rtlCol="0">
+            <a:spAutoFit/>
+          </a:bodyPr>
+          <a:p>
+            <a:r>
+              <a:rPr lang="zh-CN" altLang="en-US" sz="3200"/>
+              <a:t>与计数排序比较</a:t>
+            </a:r>
+            <a:endParaRPr lang="zh-CN" altLang="en-US" sz="3200"/>
+          </a:p>
+        </p:txBody>
+      </p:sp>
+      <p:sp>
+        <p:nvSpPr>
+          <p:cNvPr id="3" name="文本框 2"/>
+          <p:cNvSpPr txBox="1"/>
+          <p:nvPr/>
+        </p:nvSpPr>
+        <p:spPr>
+          <a:xfrm>
+            <a:off x="839470" y="1843405"/>
+            <a:ext cx="9209405" cy="1337945"/>
+          </a:xfrm>
+          <a:prstGeom prst="rect">
+            <a:avLst/>
+          </a:prstGeom>
+          <a:noFill/>
+        </p:spPr>
+        <p:txBody>
+          <a:bodyPr wrap="square" rtlCol="0">
+            <a:spAutoFit/>
+          </a:bodyPr>
+          <a:p>
+            <a:pPr>
+              <a:lnSpc>
+                <a:spcPct val="150000"/>
+              </a:lnSpc>
+            </a:pPr>
+            <a:r>
+              <a:rPr lang="zh-CN" altLang="en-US"/>
+              <a:t>桶排序其实就是计数排序的扩展版本</a:t>
+            </a:r>
+            <a:endParaRPr lang="zh-CN" altLang="en-US"/>
+          </a:p>
+          <a:p>
+            <a:pPr>
+              <a:lnSpc>
+                <a:spcPct val="150000"/>
+              </a:lnSpc>
+            </a:pPr>
+            <a:r>
+              <a:rPr lang="zh-CN" altLang="en-US"/>
+              <a:t>计数排序可以看成是每个桶只存放一个元素，桶排序的每个桶需要存放一定范围的元素</a:t>
+            </a:r>
+            <a:endParaRPr lang="zh-CN" altLang="en-US"/>
+          </a:p>
+          <a:p>
+            <a:pPr>
+              <a:lnSpc>
+                <a:spcPct val="150000"/>
+              </a:lnSpc>
+            </a:pPr>
+            <a:r>
+              <a:rPr lang="zh-CN" altLang="en-US"/>
+              <a:t>最后都需要开辟一个新空间用于存放结果</a:t>
+            </a:r>
+            <a:endParaRPr lang="zh-CN" altLang="en-US"/>
+          </a:p>
+        </p:txBody>
+      </p:sp>
+    </p:spTree>
+    <p:custDataLst>
+      <p:tags r:id="rId1"/>
+    </p:custDataLst>
+  </p:cSld>
+  <p:clrMapOvr>
+    <a:masterClrMapping/>
+  </p:clrMapOvr>
+</p:sld>
+</file>
+
+<file path=ppt/slides/slide4.xml><?xml version="1.0" encoding="utf-8"?>
 <p:sld xmlns:a="http://schemas.openxmlformats.org/drawingml/2006/main" xmlns:r="http://schemas.openxmlformats.org/officeDocument/2006/relationships" xmlns:p="http://schemas.openxmlformats.org/presentationml/2006/main">
   <p:cSld>
     <p:spTree>
@@ -15098,32 +19055,595 @@
           </a:p>
         </p:txBody>
       </p:sp>
-      <p:sp>
-        <p:nvSpPr>
-          <p:cNvPr id="5" name="流程图: 磁盘 4"/>
+      <p:grpSp>
+        <p:nvGrpSpPr>
+          <p:cNvPr id="3" name="组合 2"/>
+          <p:cNvGrpSpPr/>
+          <p:nvPr/>
+        </p:nvGrpSpPr>
+        <p:grpSpPr>
+          <a:xfrm>
+            <a:off x="1784985" y="2124710"/>
+            <a:ext cx="8622665" cy="1905635"/>
+            <a:chOff x="2811" y="3346"/>
+            <a:chExt cx="13579" cy="3001"/>
+          </a:xfrm>
+        </p:grpSpPr>
+        <p:sp>
+          <p:nvSpPr>
+            <p:cNvPr id="5" name="流程图: 磁盘 4"/>
+            <p:cNvSpPr/>
+            <p:nvPr/>
+          </p:nvSpPr>
+          <p:spPr>
+            <a:xfrm>
+              <a:off x="2940" y="3410"/>
+              <a:ext cx="1256" cy="1919"/>
+            </a:xfrm>
+            <a:prstGeom prst="flowChartMagneticDisk">
+              <a:avLst/>
+            </a:prstGeom>
+          </p:spPr>
+          <p:style>
+            <a:lnRef idx="2">
+              <a:schemeClr val="accent3">
+                <a:shade val="50000"/>
+              </a:schemeClr>
+            </a:lnRef>
+            <a:fillRef idx="1">
+              <a:schemeClr val="accent3"/>
+            </a:fillRef>
+            <a:effectRef idx="0">
+              <a:schemeClr val="accent3"/>
+            </a:effectRef>
+            <a:fontRef idx="minor">
+              <a:schemeClr val="lt1"/>
+            </a:fontRef>
+          </p:style>
+          <p:txBody>
+            <a:bodyPr rtlCol="0" anchor="ctr"/>
+            <a:p>
+              <a:pPr algn="ctr"/>
+              <a:endParaRPr lang="en-US" altLang="zh-CN"/>
+            </a:p>
+          </p:txBody>
+        </p:sp>
+        <p:sp>
+          <p:nvSpPr>
+            <p:cNvPr id="23" name="流程图: 磁盘 22"/>
+            <p:cNvSpPr/>
+            <p:nvPr/>
+          </p:nvSpPr>
+          <p:spPr>
+            <a:xfrm>
+              <a:off x="5353" y="3410"/>
+              <a:ext cx="1256" cy="1919"/>
+            </a:xfrm>
+            <a:prstGeom prst="flowChartMagneticDisk">
+              <a:avLst/>
+            </a:prstGeom>
+          </p:spPr>
+          <p:style>
+            <a:lnRef idx="2">
+              <a:schemeClr val="accent3">
+                <a:shade val="50000"/>
+              </a:schemeClr>
+            </a:lnRef>
+            <a:fillRef idx="1">
+              <a:schemeClr val="accent3"/>
+            </a:fillRef>
+            <a:effectRef idx="0">
+              <a:schemeClr val="accent3"/>
+            </a:effectRef>
+            <a:fontRef idx="minor">
+              <a:schemeClr val="lt1"/>
+            </a:fontRef>
+          </p:style>
+          <p:txBody>
+            <a:bodyPr rtlCol="0" anchor="ctr"/>
+            <a:p>
+              <a:pPr algn="ctr"/>
+              <a:endParaRPr lang="en-US" altLang="zh-CN"/>
+            </a:p>
+          </p:txBody>
+        </p:sp>
+        <p:sp>
+          <p:nvSpPr>
+            <p:cNvPr id="24" name="流程图: 磁盘 23"/>
+            <p:cNvSpPr/>
+            <p:nvPr/>
+          </p:nvSpPr>
+          <p:spPr>
+            <a:xfrm>
+              <a:off x="7766" y="3410"/>
+              <a:ext cx="1256" cy="1919"/>
+            </a:xfrm>
+            <a:prstGeom prst="flowChartMagneticDisk">
+              <a:avLst/>
+            </a:prstGeom>
+          </p:spPr>
+          <p:style>
+            <a:lnRef idx="2">
+              <a:schemeClr val="accent3">
+                <a:shade val="50000"/>
+              </a:schemeClr>
+            </a:lnRef>
+            <a:fillRef idx="1">
+              <a:schemeClr val="accent3"/>
+            </a:fillRef>
+            <a:effectRef idx="0">
+              <a:schemeClr val="accent3"/>
+            </a:effectRef>
+            <a:fontRef idx="minor">
+              <a:schemeClr val="lt1"/>
+            </a:fontRef>
+          </p:style>
+          <p:txBody>
+            <a:bodyPr rtlCol="0" anchor="ctr"/>
+            <a:p>
+              <a:pPr algn="ctr"/>
+              <a:endParaRPr lang="en-US" altLang="zh-CN"/>
+            </a:p>
+          </p:txBody>
+        </p:sp>
+        <p:sp>
+          <p:nvSpPr>
+            <p:cNvPr id="25" name="流程图: 磁盘 24"/>
+            <p:cNvSpPr/>
+            <p:nvPr/>
+          </p:nvSpPr>
+          <p:spPr>
+            <a:xfrm>
+              <a:off x="10179" y="3410"/>
+              <a:ext cx="1256" cy="1919"/>
+            </a:xfrm>
+            <a:prstGeom prst="flowChartMagneticDisk">
+              <a:avLst/>
+            </a:prstGeom>
+          </p:spPr>
+          <p:style>
+            <a:lnRef idx="2">
+              <a:schemeClr val="accent3">
+                <a:shade val="50000"/>
+              </a:schemeClr>
+            </a:lnRef>
+            <a:fillRef idx="1">
+              <a:schemeClr val="accent3"/>
+            </a:fillRef>
+            <a:effectRef idx="0">
+              <a:schemeClr val="accent3"/>
+            </a:effectRef>
+            <a:fontRef idx="minor">
+              <a:schemeClr val="lt1"/>
+            </a:fontRef>
+          </p:style>
+          <p:txBody>
+            <a:bodyPr rtlCol="0" anchor="ctr"/>
+            <a:p>
+              <a:pPr algn="ctr"/>
+              <a:endParaRPr lang="en-US" altLang="zh-CN"/>
+            </a:p>
+          </p:txBody>
+        </p:sp>
+        <p:sp>
+          <p:nvSpPr>
+            <p:cNvPr id="26" name="流程图: 磁盘 25"/>
+            <p:cNvSpPr/>
+            <p:nvPr/>
+          </p:nvSpPr>
+          <p:spPr>
+            <a:xfrm>
+              <a:off x="12592" y="3404"/>
+              <a:ext cx="1256" cy="1919"/>
+            </a:xfrm>
+            <a:prstGeom prst="flowChartMagneticDisk">
+              <a:avLst/>
+            </a:prstGeom>
+          </p:spPr>
+          <p:style>
+            <a:lnRef idx="2">
+              <a:schemeClr val="accent3">
+                <a:shade val="50000"/>
+              </a:schemeClr>
+            </a:lnRef>
+            <a:fillRef idx="1">
+              <a:schemeClr val="accent3"/>
+            </a:fillRef>
+            <a:effectRef idx="0">
+              <a:schemeClr val="accent3"/>
+            </a:effectRef>
+            <a:fontRef idx="minor">
+              <a:schemeClr val="lt1"/>
+            </a:fontRef>
+          </p:style>
+          <p:txBody>
+            <a:bodyPr rtlCol="0" anchor="ctr"/>
+            <a:p>
+              <a:pPr algn="ctr"/>
+              <a:endParaRPr lang="en-US" altLang="zh-CN"/>
+            </a:p>
+          </p:txBody>
+        </p:sp>
+        <p:sp>
+          <p:nvSpPr>
+            <p:cNvPr id="30" name="流程图: 磁盘 29"/>
+            <p:cNvSpPr/>
+            <p:nvPr/>
+          </p:nvSpPr>
+          <p:spPr>
+            <a:xfrm>
+              <a:off x="15005" y="3346"/>
+              <a:ext cx="1256" cy="1919"/>
+            </a:xfrm>
+            <a:prstGeom prst="flowChartMagneticDisk">
+              <a:avLst/>
+            </a:prstGeom>
+          </p:spPr>
+          <p:style>
+            <a:lnRef idx="2">
+              <a:schemeClr val="accent3">
+                <a:shade val="50000"/>
+              </a:schemeClr>
+            </a:lnRef>
+            <a:fillRef idx="1">
+              <a:schemeClr val="accent3"/>
+            </a:fillRef>
+            <a:effectRef idx="0">
+              <a:schemeClr val="accent3"/>
+            </a:effectRef>
+            <a:fontRef idx="minor">
+              <a:schemeClr val="lt1"/>
+            </a:fontRef>
+          </p:style>
+          <p:txBody>
+            <a:bodyPr rtlCol="0" anchor="ctr"/>
+            <a:p>
+              <a:pPr algn="ctr"/>
+              <a:endParaRPr lang="en-US" altLang="zh-CN"/>
+            </a:p>
+          </p:txBody>
+        </p:sp>
+        <p:sp>
+          <p:nvSpPr>
+            <p:cNvPr id="32" name="文本框 31"/>
+            <p:cNvSpPr txBox="1"/>
+            <p:nvPr/>
+          </p:nvSpPr>
+          <p:spPr>
+            <a:xfrm>
+              <a:off x="2811" y="5767"/>
+              <a:ext cx="1514" cy="580"/>
+            </a:xfrm>
+            <a:prstGeom prst="rect">
+              <a:avLst/>
+            </a:prstGeom>
+            <a:noFill/>
+          </p:spPr>
+          <p:txBody>
+            <a:bodyPr wrap="square" rtlCol="0">
+              <a:spAutoFit/>
+            </a:bodyPr>
+            <a:p>
+              <a:pPr algn="ctr"/>
+              <a:r>
+                <a:rPr lang="en-US" altLang="zh-CN"/>
+                <a:t>[10,17]</a:t>
+              </a:r>
+              <a:endParaRPr lang="en-US" altLang="zh-CN"/>
+            </a:p>
+          </p:txBody>
+        </p:sp>
+        <p:sp>
+          <p:nvSpPr>
+            <p:cNvPr id="33" name="文本框 32"/>
+            <p:cNvSpPr txBox="1"/>
+            <p:nvPr/>
+          </p:nvSpPr>
+          <p:spPr>
+            <a:xfrm>
+              <a:off x="5224" y="5767"/>
+              <a:ext cx="1514" cy="580"/>
+            </a:xfrm>
+            <a:prstGeom prst="rect">
+              <a:avLst/>
+            </a:prstGeom>
+            <a:noFill/>
+          </p:spPr>
+          <p:txBody>
+            <a:bodyPr wrap="square" rtlCol="0">
+              <a:spAutoFit/>
+            </a:bodyPr>
+            <a:p>
+              <a:pPr algn="ctr"/>
+              <a:r>
+                <a:rPr lang="en-US" altLang="zh-CN"/>
+                <a:t>[18,25]</a:t>
+              </a:r>
+              <a:endParaRPr lang="en-US" altLang="zh-CN"/>
+            </a:p>
+          </p:txBody>
+        </p:sp>
+        <p:sp>
+          <p:nvSpPr>
+            <p:cNvPr id="34" name="文本框 33"/>
+            <p:cNvSpPr txBox="1"/>
+            <p:nvPr/>
+          </p:nvSpPr>
+          <p:spPr>
+            <a:xfrm>
+              <a:off x="7637" y="5767"/>
+              <a:ext cx="1514" cy="580"/>
+            </a:xfrm>
+            <a:prstGeom prst="rect">
+              <a:avLst/>
+            </a:prstGeom>
+            <a:noFill/>
+          </p:spPr>
+          <p:txBody>
+            <a:bodyPr wrap="square" rtlCol="0">
+              <a:spAutoFit/>
+            </a:bodyPr>
+            <a:p>
+              <a:pPr algn="ctr"/>
+              <a:r>
+                <a:rPr lang="en-US" altLang="zh-CN"/>
+                <a:t>[26,33]</a:t>
+              </a:r>
+              <a:endParaRPr lang="en-US" altLang="zh-CN"/>
+            </a:p>
+          </p:txBody>
+        </p:sp>
+        <p:sp>
+          <p:nvSpPr>
+            <p:cNvPr id="35" name="文本框 34"/>
+            <p:cNvSpPr txBox="1"/>
+            <p:nvPr/>
+          </p:nvSpPr>
+          <p:spPr>
+            <a:xfrm>
+              <a:off x="10050" y="5767"/>
+              <a:ext cx="1514" cy="580"/>
+            </a:xfrm>
+            <a:prstGeom prst="rect">
+              <a:avLst/>
+            </a:prstGeom>
+            <a:noFill/>
+          </p:spPr>
+          <p:txBody>
+            <a:bodyPr wrap="square" rtlCol="0">
+              <a:spAutoFit/>
+            </a:bodyPr>
+            <a:p>
+              <a:pPr algn="ctr"/>
+              <a:r>
+                <a:rPr lang="en-US" altLang="zh-CN"/>
+                <a:t>[34,41]</a:t>
+              </a:r>
+              <a:endParaRPr lang="en-US" altLang="zh-CN"/>
+            </a:p>
+          </p:txBody>
+        </p:sp>
+        <p:sp>
+          <p:nvSpPr>
+            <p:cNvPr id="36" name="文本框 35"/>
+            <p:cNvSpPr txBox="1"/>
+            <p:nvPr/>
+          </p:nvSpPr>
+          <p:spPr>
+            <a:xfrm>
+              <a:off x="12463" y="5767"/>
+              <a:ext cx="1514" cy="580"/>
+            </a:xfrm>
+            <a:prstGeom prst="rect">
+              <a:avLst/>
+            </a:prstGeom>
+            <a:noFill/>
+          </p:spPr>
+          <p:txBody>
+            <a:bodyPr wrap="square" rtlCol="0">
+              <a:spAutoFit/>
+            </a:bodyPr>
+            <a:p>
+              <a:pPr algn="ctr"/>
+              <a:r>
+                <a:rPr lang="en-US" altLang="zh-CN"/>
+                <a:t>[42,49]</a:t>
+              </a:r>
+              <a:endParaRPr lang="en-US" altLang="zh-CN"/>
+            </a:p>
+          </p:txBody>
+        </p:sp>
+        <p:sp>
+          <p:nvSpPr>
+            <p:cNvPr id="37" name="文本框 36"/>
+            <p:cNvSpPr txBox="1"/>
+            <p:nvPr/>
+          </p:nvSpPr>
+          <p:spPr>
+            <a:xfrm>
+              <a:off x="14876" y="5767"/>
+              <a:ext cx="1514" cy="580"/>
+            </a:xfrm>
+            <a:prstGeom prst="rect">
+              <a:avLst/>
+            </a:prstGeom>
+            <a:noFill/>
+          </p:spPr>
+          <p:txBody>
+            <a:bodyPr wrap="square" rtlCol="0">
+              <a:spAutoFit/>
+            </a:bodyPr>
+            <a:p>
+              <a:pPr algn="ctr"/>
+              <a:r>
+                <a:rPr lang="en-US" altLang="zh-CN"/>
+                <a:t>[50,57]</a:t>
+              </a:r>
+              <a:endParaRPr lang="en-US" altLang="zh-CN"/>
+            </a:p>
+          </p:txBody>
+        </p:sp>
+      </p:grpSp>
+    </p:spTree>
+    <p:custDataLst>
+      <p:tags r:id="rId1"/>
+    </p:custDataLst>
+  </p:cSld>
+  <p:clrMapOvr>
+    <a:masterClrMapping/>
+  </p:clrMapOvr>
+  <p:timing>
+    <p:tnLst>
+      <p:par>
+        <p:cTn id="1" dur="indefinite" restart="never" nodeType="tmRoot">
+          <p:childTnLst>
+            <p:seq concurrent="1" nextAc="seek">
+              <p:cTn id="2" dur="indefinite" nodeType="mainSeq">
+                <p:childTnLst>
+                  <p:par>
+                    <p:cTn id="3" fill="hold">
+                      <p:stCondLst>
+                        <p:cond delay="indefinite"/>
+                      </p:stCondLst>
+                      <p:childTnLst>
+                        <p:par>
+                          <p:cTn id="4" fill="hold">
+                            <p:stCondLst>
+                              <p:cond delay="0"/>
+                            </p:stCondLst>
+                            <p:childTnLst>
+                              <p:par>
+                                <p:cTn id="5" presetID="12" presetClass="entr" presetSubtype="4" fill="hold" nodeType="clickEffect">
+                                  <p:stCondLst>
+                                    <p:cond delay="0"/>
+                                  </p:stCondLst>
+                                  <p:childTnLst>
+                                    <p:set>
+                                      <p:cBhvr>
+                                        <p:cTn id="6" dur="1" fill="hold">
+                                          <p:stCondLst>
+                                            <p:cond delay="0"/>
+                                          </p:stCondLst>
+                                        </p:cTn>
+                                        <p:tgtEl>
+                                          <p:spTgt spid="3"/>
+                                        </p:tgtEl>
+                                        <p:attrNameLst>
+                                          <p:attrName>style.visibility</p:attrName>
+                                        </p:attrNameLst>
+                                      </p:cBhvr>
+                                      <p:to>
+                                        <p:strVal val="visible"/>
+                                      </p:to>
+                                    </p:set>
+                                    <p:anim calcmode="lin" valueType="num">
+                                      <p:cBhvr additive="base">
+                                        <p:cTn id="7" dur="500"/>
+                                        <p:tgtEl>
+                                          <p:spTgt spid="3"/>
+                                        </p:tgtEl>
+                                        <p:attrNameLst>
+                                          <p:attrName>ppt_y</p:attrName>
+                                        </p:attrNameLst>
+                                      </p:cBhvr>
+                                      <p:tavLst>
+                                        <p:tav tm="0">
+                                          <p:val>
+                                            <p:strVal val="#ppt_y+#ppt_h*1.125000"/>
+                                          </p:val>
+                                        </p:tav>
+                                        <p:tav tm="100000">
+                                          <p:val>
+                                            <p:strVal val="#ppt_y"/>
+                                          </p:val>
+                                        </p:tav>
+                                      </p:tavLst>
+                                    </p:anim>
+                                    <p:animEffect transition="in" filter="wipe(up)">
+                                      <p:cBhvr>
+                                        <p:cTn id="8" dur="500"/>
+                                        <p:tgtEl>
+                                          <p:spTgt spid="3"/>
+                                        </p:tgtEl>
+                                      </p:cBhvr>
+                                    </p:animEffect>
+                                  </p:childTnLst>
+                                </p:cTn>
+                              </p:par>
+                            </p:childTnLst>
+                          </p:cTn>
+                        </p:par>
+                      </p:childTnLst>
+                    </p:cTn>
+                  </p:par>
+                </p:childTnLst>
+              </p:cTn>
+              <p:prevCondLst>
+                <p:cond evt="onPrev" delay="0">
+                  <p:tgtEl>
+                    <p:sldTgt/>
+                  </p:tgtEl>
+                </p:cond>
+              </p:prevCondLst>
+              <p:nextCondLst>
+                <p:cond evt="onNext" delay="0">
+                  <p:tgtEl>
+                    <p:sldTgt/>
+                  </p:tgtEl>
+                </p:cond>
+              </p:nextCondLst>
+            </p:seq>
+          </p:childTnLst>
+        </p:cTn>
+      </p:par>
+    </p:tnLst>
+  </p:timing>
+</p:sld>
+</file>
+
+<file path=ppt/slides/slide5.xml><?xml version="1.0" encoding="utf-8"?>
+<p:sld xmlns:a="http://schemas.openxmlformats.org/drawingml/2006/main" xmlns:r="http://schemas.openxmlformats.org/officeDocument/2006/relationships" xmlns:p="http://schemas.openxmlformats.org/presentationml/2006/main">
+  <p:cSld>
+    <p:spTree>
+      <p:nvGrpSpPr>
+        <p:cNvPr id="1" name=""/>
+        <p:cNvGrpSpPr/>
+        <p:nvPr/>
+      </p:nvGrpSpPr>
+      <p:grpSpPr>
+        <a:xfrm>
+          <a:off x="0" y="0"/>
+          <a:ext cx="0" cy="0"/>
+          <a:chOff x="0" y="0"/>
+          <a:chExt cx="0" cy="0"/>
+        </a:xfrm>
+      </p:grpSpPr>
+      <p:sp>
+        <p:nvSpPr>
+          <p:cNvPr id="6" name="圆角矩形 5"/>
           <p:cNvSpPr/>
           <p:nvPr/>
         </p:nvSpPr>
         <p:spPr>
           <a:xfrm>
-            <a:off x="1866900" y="2165350"/>
-            <a:ext cx="797560" cy="1218565"/>
-          </a:xfrm>
-          <a:prstGeom prst="flowChartMagneticDisk">
+            <a:off x="1967865" y="810895"/>
+            <a:ext cx="669290" cy="669290"/>
+          </a:xfrm>
+          <a:prstGeom prst="roundRect">
             <a:avLst/>
           </a:prstGeom>
         </p:spPr>
         <p:style>
           <a:lnRef idx="2">
-            <a:schemeClr val="accent3">
+            <a:schemeClr val="accent1">
               <a:shade val="50000"/>
             </a:schemeClr>
           </a:lnRef>
           <a:fillRef idx="1">
-            <a:schemeClr val="accent3"/>
+            <a:schemeClr val="accent1"/>
           </a:fillRef>
           <a:effectRef idx="0">
-            <a:schemeClr val="accent3"/>
+            <a:schemeClr val="accent1"/>
           </a:effectRef>
           <a:fontRef idx="minor">
             <a:schemeClr val="lt1"/>
@@ -15139,44 +19659,34 @@
             </a:r>
             <a:endParaRPr lang="en-US" altLang="zh-CN"/>
           </a:p>
-          <a:p>
-            <a:pPr algn="ctr"/>
-            <a:r>
-              <a:rPr lang="en-US" altLang="zh-CN">
-                <a:sym typeface="+mn-ea"/>
-              </a:rPr>
-              <a:t>10</a:t>
-            </a:r>
-            <a:endParaRPr lang="en-US" altLang="zh-CN"/>
-          </a:p>
-        </p:txBody>
-      </p:sp>
-      <p:sp>
-        <p:nvSpPr>
-          <p:cNvPr id="23" name="流程图: 磁盘 22"/>
+        </p:txBody>
+      </p:sp>
+      <p:sp>
+        <p:nvSpPr>
+          <p:cNvPr id="8" name="圆角矩形 7"/>
           <p:cNvSpPr/>
           <p:nvPr/>
         </p:nvSpPr>
         <p:spPr>
           <a:xfrm>
-            <a:off x="3399155" y="2165350"/>
-            <a:ext cx="797560" cy="1218565"/>
-          </a:xfrm>
-          <a:prstGeom prst="flowChartMagneticDisk">
+            <a:off x="3051810" y="810895"/>
+            <a:ext cx="669290" cy="669290"/>
+          </a:xfrm>
+          <a:prstGeom prst="roundRect">
             <a:avLst/>
           </a:prstGeom>
         </p:spPr>
         <p:style>
           <a:lnRef idx="2">
-            <a:schemeClr val="accent3">
+            <a:schemeClr val="accent1">
               <a:shade val="50000"/>
             </a:schemeClr>
           </a:lnRef>
           <a:fillRef idx="1">
-            <a:schemeClr val="accent3"/>
+            <a:schemeClr val="accent1"/>
           </a:fillRef>
           <a:effectRef idx="0">
-            <a:schemeClr val="accent3"/>
+            <a:schemeClr val="accent1"/>
           </a:effectRef>
           <a:fontRef idx="minor">
             <a:schemeClr val="lt1"/>
@@ -15188,7 +19698,7 @@
             <a:pPr algn="ctr"/>
             <a:r>
               <a:rPr lang="en-US" altLang="zh-CN"/>
-              <a:t>24</a:t>
+              <a:t>28</a:t>
             </a:r>
             <a:endParaRPr lang="en-US" altLang="zh-CN"/>
           </a:p>
@@ -15196,30 +19706,30 @@
       </p:sp>
       <p:sp>
         <p:nvSpPr>
-          <p:cNvPr id="24" name="流程图: 磁盘 23"/>
+          <p:cNvPr id="9" name="圆角矩形 8"/>
           <p:cNvSpPr/>
           <p:nvPr/>
         </p:nvSpPr>
         <p:spPr>
           <a:xfrm>
-            <a:off x="4931410" y="2165350"/>
-            <a:ext cx="797560" cy="1218565"/>
-          </a:xfrm>
-          <a:prstGeom prst="flowChartMagneticDisk">
+            <a:off x="9555480" y="810895"/>
+            <a:ext cx="669290" cy="669290"/>
+          </a:xfrm>
+          <a:prstGeom prst="roundRect">
             <a:avLst/>
           </a:prstGeom>
         </p:spPr>
         <p:style>
           <a:lnRef idx="2">
-            <a:schemeClr val="accent3">
+            <a:schemeClr val="accent1">
               <a:shade val="50000"/>
             </a:schemeClr>
           </a:lnRef>
           <a:fillRef idx="1">
-            <a:schemeClr val="accent3"/>
+            <a:schemeClr val="accent1"/>
           </a:fillRef>
           <a:effectRef idx="0">
-            <a:schemeClr val="accent3"/>
+            <a:schemeClr val="accent1"/>
           </a:effectRef>
           <a:fontRef idx="minor">
             <a:schemeClr val="lt1"/>
@@ -15231,7 +19741,7 @@
             <a:pPr algn="ctr"/>
             <a:r>
               <a:rPr lang="en-US" altLang="zh-CN"/>
-              <a:t>28</a:t>
+              <a:t>47</a:t>
             </a:r>
             <a:endParaRPr lang="en-US" altLang="zh-CN"/>
           </a:p>
@@ -15239,30 +19749,30 @@
       </p:sp>
       <p:sp>
         <p:nvSpPr>
-          <p:cNvPr id="25" name="流程图: 磁盘 24"/>
+          <p:cNvPr id="10" name="圆角矩形 9"/>
           <p:cNvSpPr/>
           <p:nvPr/>
         </p:nvSpPr>
         <p:spPr>
           <a:xfrm>
-            <a:off x="6463665" y="2165350"/>
-            <a:ext cx="797560" cy="1218565"/>
-          </a:xfrm>
-          <a:prstGeom prst="flowChartMagneticDisk">
+            <a:off x="4135755" y="810895"/>
+            <a:ext cx="669290" cy="669290"/>
+          </a:xfrm>
+          <a:prstGeom prst="roundRect">
             <a:avLst/>
           </a:prstGeom>
         </p:spPr>
         <p:style>
           <a:lnRef idx="2">
-            <a:schemeClr val="accent3">
+            <a:schemeClr val="accent1">
               <a:shade val="50000"/>
             </a:schemeClr>
           </a:lnRef>
           <a:fillRef idx="1">
-            <a:schemeClr val="accent3"/>
+            <a:schemeClr val="accent1"/>
           </a:fillRef>
           <a:effectRef idx="0">
-            <a:schemeClr val="accent3"/>
+            <a:schemeClr val="accent1"/>
           </a:effectRef>
           <a:fontRef idx="minor">
             <a:schemeClr val="lt1"/>
@@ -15274,46 +19784,38 @@
             <a:pPr algn="ctr"/>
             <a:r>
               <a:rPr lang="en-US" altLang="zh-CN"/>
-              <a:t>39</a:t>
+              <a:t>10</a:t>
             </a:r>
             <a:endParaRPr lang="en-US" altLang="zh-CN"/>
           </a:p>
-          <a:p>
-            <a:pPr algn="ctr"/>
-            <a:r>
-              <a:rPr lang="en-US" altLang="zh-CN"/>
-              <a:t>35</a:t>
-            </a:r>
-            <a:endParaRPr lang="en-US" altLang="zh-CN"/>
-          </a:p>
-        </p:txBody>
-      </p:sp>
-      <p:sp>
-        <p:nvSpPr>
-          <p:cNvPr id="26" name="流程图: 磁盘 25"/>
+        </p:txBody>
+      </p:sp>
+      <p:sp>
+        <p:nvSpPr>
+          <p:cNvPr id="11" name="圆角矩形 10"/>
           <p:cNvSpPr/>
           <p:nvPr/>
         </p:nvSpPr>
         <p:spPr>
           <a:xfrm>
-            <a:off x="7995920" y="2161540"/>
-            <a:ext cx="797560" cy="1218565"/>
-          </a:xfrm>
-          <a:prstGeom prst="flowChartMagneticDisk">
+            <a:off x="7387590" y="810895"/>
+            <a:ext cx="669290" cy="669290"/>
+          </a:xfrm>
+          <a:prstGeom prst="roundRect">
             <a:avLst/>
           </a:prstGeom>
         </p:spPr>
         <p:style>
           <a:lnRef idx="2">
-            <a:schemeClr val="accent3">
+            <a:schemeClr val="accent1">
               <a:shade val="50000"/>
             </a:schemeClr>
           </a:lnRef>
           <a:fillRef idx="1">
-            <a:schemeClr val="accent3"/>
+            <a:schemeClr val="accent1"/>
           </a:fillRef>
           <a:effectRef idx="0">
-            <a:schemeClr val="accent3"/>
+            <a:schemeClr val="accent1"/>
           </a:effectRef>
           <a:fontRef idx="minor">
             <a:schemeClr val="lt1"/>
@@ -15325,7 +19827,7 @@
             <a:pPr algn="ctr"/>
             <a:r>
               <a:rPr lang="en-US" altLang="zh-CN"/>
-              <a:t>47</a:t>
+              <a:t>39</a:t>
             </a:r>
             <a:endParaRPr lang="en-US" altLang="zh-CN"/>
           </a:p>
@@ -15333,30 +19835,30 @@
       </p:sp>
       <p:sp>
         <p:nvSpPr>
-          <p:cNvPr id="30" name="流程图: 磁盘 29"/>
+          <p:cNvPr id="12" name="圆角矩形 11"/>
           <p:cNvSpPr/>
           <p:nvPr/>
         </p:nvSpPr>
         <p:spPr>
           <a:xfrm>
-            <a:off x="9528175" y="2124710"/>
-            <a:ext cx="797560" cy="1218565"/>
-          </a:xfrm>
-          <a:prstGeom prst="flowChartMagneticDisk">
+            <a:off x="8471535" y="810895"/>
+            <a:ext cx="669290" cy="669290"/>
+          </a:xfrm>
+          <a:prstGeom prst="roundRect">
             <a:avLst/>
           </a:prstGeom>
         </p:spPr>
         <p:style>
           <a:lnRef idx="2">
-            <a:schemeClr val="accent3">
+            <a:schemeClr val="accent1">
               <a:shade val="50000"/>
             </a:schemeClr>
           </a:lnRef>
           <a:fillRef idx="1">
-            <a:schemeClr val="accent3"/>
+            <a:schemeClr val="accent1"/>
           </a:fillRef>
           <a:effectRef idx="0">
-            <a:schemeClr val="accent3"/>
+            <a:schemeClr val="accent1"/>
           </a:effectRef>
           <a:fontRef idx="minor">
             <a:schemeClr val="lt1"/>
@@ -15368,192 +19870,569 @@
             <a:pPr algn="ctr"/>
             <a:r>
               <a:rPr lang="en-US" altLang="zh-CN"/>
+              <a:t>35</a:t>
+            </a:r>
+            <a:endParaRPr lang="en-US" altLang="zh-CN"/>
+          </a:p>
+        </p:txBody>
+      </p:sp>
+      <p:sp>
+        <p:nvSpPr>
+          <p:cNvPr id="13" name="圆角矩形 12"/>
+          <p:cNvSpPr/>
+          <p:nvPr/>
+        </p:nvSpPr>
+        <p:spPr>
+          <a:xfrm>
+            <a:off x="5219700" y="810895"/>
+            <a:ext cx="669290" cy="669290"/>
+          </a:xfrm>
+          <a:prstGeom prst="roundRect">
+            <a:avLst/>
+          </a:prstGeom>
+        </p:spPr>
+        <p:style>
+          <a:lnRef idx="2">
+            <a:schemeClr val="accent1">
+              <a:shade val="50000"/>
+            </a:schemeClr>
+          </a:lnRef>
+          <a:fillRef idx="1">
+            <a:schemeClr val="accent1"/>
+          </a:fillRef>
+          <a:effectRef idx="0">
+            <a:schemeClr val="accent1"/>
+          </a:effectRef>
+          <a:fontRef idx="minor">
+            <a:schemeClr val="lt1"/>
+          </a:fontRef>
+        </p:style>
+        <p:txBody>
+          <a:bodyPr rtlCol="0" anchor="ctr"/>
+          <a:p>
+            <a:pPr algn="ctr"/>
+            <a:r>
+              <a:rPr lang="en-US" altLang="zh-CN"/>
+              <a:t>24</a:t>
+            </a:r>
+            <a:endParaRPr lang="en-US" altLang="zh-CN"/>
+          </a:p>
+        </p:txBody>
+      </p:sp>
+      <p:sp>
+        <p:nvSpPr>
+          <p:cNvPr id="14" name="圆角矩形 13"/>
+          <p:cNvSpPr/>
+          <p:nvPr/>
+        </p:nvSpPr>
+        <p:spPr>
+          <a:xfrm>
+            <a:off x="6303645" y="810895"/>
+            <a:ext cx="669290" cy="669290"/>
+          </a:xfrm>
+          <a:prstGeom prst="roundRect">
+            <a:avLst/>
+          </a:prstGeom>
+        </p:spPr>
+        <p:style>
+          <a:lnRef idx="2">
+            <a:schemeClr val="accent1">
+              <a:shade val="50000"/>
+            </a:schemeClr>
+          </a:lnRef>
+          <a:fillRef idx="1">
+            <a:schemeClr val="accent1"/>
+          </a:fillRef>
+          <a:effectRef idx="0">
+            <a:schemeClr val="accent1"/>
+          </a:effectRef>
+          <a:fontRef idx="minor">
+            <a:schemeClr val="lt1"/>
+          </a:fontRef>
+        </p:style>
+        <p:txBody>
+          <a:bodyPr rtlCol="0" anchor="ctr"/>
+          <a:p>
+            <a:pPr algn="ctr"/>
+            <a:r>
+              <a:rPr lang="en-US" altLang="zh-CN"/>
               <a:t>50</a:t>
             </a:r>
             <a:endParaRPr lang="en-US" altLang="zh-CN"/>
           </a:p>
         </p:txBody>
       </p:sp>
-      <p:sp>
-        <p:nvSpPr>
-          <p:cNvPr id="32" name="文本框 31"/>
-          <p:cNvSpPr txBox="1"/>
+      <p:grpSp>
+        <p:nvGrpSpPr>
+          <p:cNvPr id="2" name="组合 1"/>
+          <p:cNvGrpSpPr/>
           <p:nvPr/>
-        </p:nvSpPr>
-        <p:spPr>
-          <a:xfrm>
-            <a:off x="1784985" y="3662045"/>
-            <a:ext cx="961390" cy="368300"/>
-          </a:xfrm>
-          <a:prstGeom prst="rect">
-            <a:avLst/>
-          </a:prstGeom>
-          <a:noFill/>
-        </p:spPr>
-        <p:txBody>
-          <a:bodyPr wrap="square" rtlCol="0">
-            <a:spAutoFit/>
-          </a:bodyPr>
-          <a:p>
-            <a:pPr algn="ctr"/>
-            <a:r>
-              <a:rPr lang="en-US" altLang="zh-CN"/>
-              <a:t>[10,17]</a:t>
-            </a:r>
-            <a:endParaRPr lang="en-US" altLang="zh-CN"/>
-          </a:p>
-        </p:txBody>
-      </p:sp>
-      <p:sp>
-        <p:nvSpPr>
-          <p:cNvPr id="33" name="文本框 32"/>
-          <p:cNvSpPr txBox="1"/>
-          <p:nvPr/>
-        </p:nvSpPr>
-        <p:spPr>
-          <a:xfrm>
-            <a:off x="3317240" y="3662045"/>
-            <a:ext cx="961390" cy="368300"/>
-          </a:xfrm>
-          <a:prstGeom prst="rect">
-            <a:avLst/>
-          </a:prstGeom>
-          <a:noFill/>
-        </p:spPr>
-        <p:txBody>
-          <a:bodyPr wrap="square" rtlCol="0">
-            <a:spAutoFit/>
-          </a:bodyPr>
-          <a:p>
-            <a:pPr algn="ctr"/>
-            <a:r>
-              <a:rPr lang="en-US" altLang="zh-CN"/>
-              <a:t>[18,25]</a:t>
-            </a:r>
-            <a:endParaRPr lang="en-US" altLang="zh-CN"/>
-          </a:p>
-        </p:txBody>
-      </p:sp>
-      <p:sp>
-        <p:nvSpPr>
-          <p:cNvPr id="34" name="文本框 33"/>
-          <p:cNvSpPr txBox="1"/>
-          <p:nvPr/>
-        </p:nvSpPr>
-        <p:spPr>
-          <a:xfrm>
-            <a:off x="4849495" y="3662045"/>
-            <a:ext cx="961390" cy="368300"/>
-          </a:xfrm>
-          <a:prstGeom prst="rect">
-            <a:avLst/>
-          </a:prstGeom>
-          <a:noFill/>
-        </p:spPr>
-        <p:txBody>
-          <a:bodyPr wrap="square" rtlCol="0">
-            <a:spAutoFit/>
-          </a:bodyPr>
-          <a:p>
-            <a:pPr algn="ctr"/>
-            <a:r>
-              <a:rPr lang="en-US" altLang="zh-CN"/>
-              <a:t>[26,33]</a:t>
-            </a:r>
-            <a:endParaRPr lang="en-US" altLang="zh-CN"/>
-          </a:p>
-        </p:txBody>
-      </p:sp>
-      <p:sp>
-        <p:nvSpPr>
-          <p:cNvPr id="35" name="文本框 34"/>
-          <p:cNvSpPr txBox="1"/>
-          <p:nvPr/>
-        </p:nvSpPr>
-        <p:spPr>
-          <a:xfrm>
-            <a:off x="6381750" y="3662045"/>
-            <a:ext cx="961390" cy="368300"/>
-          </a:xfrm>
-          <a:prstGeom prst="rect">
-            <a:avLst/>
-          </a:prstGeom>
-          <a:noFill/>
-        </p:spPr>
-        <p:txBody>
-          <a:bodyPr wrap="square" rtlCol="0">
-            <a:spAutoFit/>
-          </a:bodyPr>
-          <a:p>
-            <a:pPr algn="ctr"/>
-            <a:r>
-              <a:rPr lang="en-US" altLang="zh-CN"/>
-              <a:t>[34,41]</a:t>
-            </a:r>
-            <a:endParaRPr lang="en-US" altLang="zh-CN"/>
-          </a:p>
-        </p:txBody>
-      </p:sp>
-      <p:sp>
-        <p:nvSpPr>
-          <p:cNvPr id="36" name="文本框 35"/>
-          <p:cNvSpPr txBox="1"/>
-          <p:nvPr/>
-        </p:nvSpPr>
-        <p:spPr>
-          <a:xfrm>
-            <a:off x="7914005" y="3662045"/>
-            <a:ext cx="961390" cy="368300"/>
-          </a:xfrm>
-          <a:prstGeom prst="rect">
-            <a:avLst/>
-          </a:prstGeom>
-          <a:noFill/>
-        </p:spPr>
-        <p:txBody>
-          <a:bodyPr wrap="square" rtlCol="0">
-            <a:spAutoFit/>
-          </a:bodyPr>
-          <a:p>
-            <a:pPr algn="ctr"/>
-            <a:r>
-              <a:rPr lang="en-US" altLang="zh-CN"/>
-              <a:t>[42,49]</a:t>
-            </a:r>
-            <a:endParaRPr lang="en-US" altLang="zh-CN"/>
-          </a:p>
-        </p:txBody>
-      </p:sp>
-      <p:sp>
-        <p:nvSpPr>
-          <p:cNvPr id="37" name="文本框 36"/>
-          <p:cNvSpPr txBox="1"/>
-          <p:nvPr/>
-        </p:nvSpPr>
-        <p:spPr>
-          <a:xfrm>
-            <a:off x="9446260" y="3662045"/>
-            <a:ext cx="961390" cy="368300"/>
-          </a:xfrm>
-          <a:prstGeom prst="rect">
-            <a:avLst/>
-          </a:prstGeom>
-          <a:noFill/>
-        </p:spPr>
-        <p:txBody>
-          <a:bodyPr wrap="square" rtlCol="0">
-            <a:spAutoFit/>
-          </a:bodyPr>
-          <a:p>
-            <a:pPr algn="ctr"/>
-            <a:r>
-              <a:rPr lang="en-US" altLang="zh-CN"/>
-              <a:t>[50,57]</a:t>
-            </a:r>
-            <a:endParaRPr lang="en-US" altLang="zh-CN"/>
-          </a:p>
-        </p:txBody>
-      </p:sp>
+        </p:nvGrpSpPr>
+        <p:grpSpPr>
+          <a:xfrm>
+            <a:off x="1784985" y="2124710"/>
+            <a:ext cx="8622665" cy="1905635"/>
+            <a:chOff x="2811" y="3346"/>
+            <a:chExt cx="13579" cy="3001"/>
+          </a:xfrm>
+        </p:grpSpPr>
+        <p:sp>
+          <p:nvSpPr>
+            <p:cNvPr id="5" name="流程图: 磁盘 4"/>
+            <p:cNvSpPr/>
+            <p:nvPr/>
+          </p:nvSpPr>
+          <p:spPr>
+            <a:xfrm>
+              <a:off x="2940" y="3410"/>
+              <a:ext cx="1256" cy="1919"/>
+            </a:xfrm>
+            <a:prstGeom prst="flowChartMagneticDisk">
+              <a:avLst/>
+            </a:prstGeom>
+          </p:spPr>
+          <p:style>
+            <a:lnRef idx="2">
+              <a:schemeClr val="accent3">
+                <a:shade val="50000"/>
+              </a:schemeClr>
+            </a:lnRef>
+            <a:fillRef idx="1">
+              <a:schemeClr val="accent3"/>
+            </a:fillRef>
+            <a:effectRef idx="0">
+              <a:schemeClr val="accent3"/>
+            </a:effectRef>
+            <a:fontRef idx="minor">
+              <a:schemeClr val="lt1"/>
+            </a:fontRef>
+          </p:style>
+          <p:txBody>
+            <a:bodyPr rtlCol="0" anchor="ctr"/>
+            <a:p>
+              <a:pPr algn="ctr"/>
+              <a:r>
+                <a:rPr lang="en-US" altLang="zh-CN"/>
+                <a:t>14</a:t>
+              </a:r>
+              <a:endParaRPr lang="en-US" altLang="zh-CN"/>
+            </a:p>
+            <a:p>
+              <a:pPr algn="ctr"/>
+              <a:r>
+                <a:rPr lang="en-US" altLang="zh-CN">
+                  <a:sym typeface="+mn-ea"/>
+                </a:rPr>
+                <a:t>10</a:t>
+              </a:r>
+              <a:endParaRPr lang="en-US" altLang="zh-CN"/>
+            </a:p>
+          </p:txBody>
+        </p:sp>
+        <p:sp>
+          <p:nvSpPr>
+            <p:cNvPr id="23" name="流程图: 磁盘 22"/>
+            <p:cNvSpPr/>
+            <p:nvPr/>
+          </p:nvSpPr>
+          <p:spPr>
+            <a:xfrm>
+              <a:off x="5353" y="3410"/>
+              <a:ext cx="1256" cy="1919"/>
+            </a:xfrm>
+            <a:prstGeom prst="flowChartMagneticDisk">
+              <a:avLst/>
+            </a:prstGeom>
+          </p:spPr>
+          <p:style>
+            <a:lnRef idx="2">
+              <a:schemeClr val="accent3">
+                <a:shade val="50000"/>
+              </a:schemeClr>
+            </a:lnRef>
+            <a:fillRef idx="1">
+              <a:schemeClr val="accent3"/>
+            </a:fillRef>
+            <a:effectRef idx="0">
+              <a:schemeClr val="accent3"/>
+            </a:effectRef>
+            <a:fontRef idx="minor">
+              <a:schemeClr val="lt1"/>
+            </a:fontRef>
+          </p:style>
+          <p:txBody>
+            <a:bodyPr rtlCol="0" anchor="ctr"/>
+            <a:p>
+              <a:pPr algn="ctr"/>
+              <a:r>
+                <a:rPr lang="en-US" altLang="zh-CN"/>
+                <a:t>24</a:t>
+              </a:r>
+              <a:endParaRPr lang="en-US" altLang="zh-CN"/>
+            </a:p>
+          </p:txBody>
+        </p:sp>
+        <p:sp>
+          <p:nvSpPr>
+            <p:cNvPr id="24" name="流程图: 磁盘 23"/>
+            <p:cNvSpPr/>
+            <p:nvPr/>
+          </p:nvSpPr>
+          <p:spPr>
+            <a:xfrm>
+              <a:off x="7766" y="3410"/>
+              <a:ext cx="1256" cy="1919"/>
+            </a:xfrm>
+            <a:prstGeom prst="flowChartMagneticDisk">
+              <a:avLst/>
+            </a:prstGeom>
+          </p:spPr>
+          <p:style>
+            <a:lnRef idx="2">
+              <a:schemeClr val="accent3">
+                <a:shade val="50000"/>
+              </a:schemeClr>
+            </a:lnRef>
+            <a:fillRef idx="1">
+              <a:schemeClr val="accent3"/>
+            </a:fillRef>
+            <a:effectRef idx="0">
+              <a:schemeClr val="accent3"/>
+            </a:effectRef>
+            <a:fontRef idx="minor">
+              <a:schemeClr val="lt1"/>
+            </a:fontRef>
+          </p:style>
+          <p:txBody>
+            <a:bodyPr rtlCol="0" anchor="ctr"/>
+            <a:p>
+              <a:pPr algn="ctr"/>
+              <a:r>
+                <a:rPr lang="en-US" altLang="zh-CN"/>
+                <a:t>28</a:t>
+              </a:r>
+              <a:endParaRPr lang="en-US" altLang="zh-CN"/>
+            </a:p>
+          </p:txBody>
+        </p:sp>
+        <p:sp>
+          <p:nvSpPr>
+            <p:cNvPr id="25" name="流程图: 磁盘 24"/>
+            <p:cNvSpPr/>
+            <p:nvPr/>
+          </p:nvSpPr>
+          <p:spPr>
+            <a:xfrm>
+              <a:off x="10179" y="3410"/>
+              <a:ext cx="1256" cy="1919"/>
+            </a:xfrm>
+            <a:prstGeom prst="flowChartMagneticDisk">
+              <a:avLst/>
+            </a:prstGeom>
+          </p:spPr>
+          <p:style>
+            <a:lnRef idx="2">
+              <a:schemeClr val="accent3">
+                <a:shade val="50000"/>
+              </a:schemeClr>
+            </a:lnRef>
+            <a:fillRef idx="1">
+              <a:schemeClr val="accent3"/>
+            </a:fillRef>
+            <a:effectRef idx="0">
+              <a:schemeClr val="accent3"/>
+            </a:effectRef>
+            <a:fontRef idx="minor">
+              <a:schemeClr val="lt1"/>
+            </a:fontRef>
+          </p:style>
+          <p:txBody>
+            <a:bodyPr rtlCol="0" anchor="ctr"/>
+            <a:p>
+              <a:pPr algn="ctr"/>
+              <a:r>
+                <a:rPr lang="en-US" altLang="zh-CN"/>
+                <a:t>39</a:t>
+              </a:r>
+              <a:endParaRPr lang="en-US" altLang="zh-CN"/>
+            </a:p>
+            <a:p>
+              <a:pPr algn="ctr"/>
+              <a:r>
+                <a:rPr lang="en-US" altLang="zh-CN"/>
+                <a:t>35</a:t>
+              </a:r>
+              <a:endParaRPr lang="en-US" altLang="zh-CN"/>
+            </a:p>
+          </p:txBody>
+        </p:sp>
+        <p:sp>
+          <p:nvSpPr>
+            <p:cNvPr id="26" name="流程图: 磁盘 25"/>
+            <p:cNvSpPr/>
+            <p:nvPr/>
+          </p:nvSpPr>
+          <p:spPr>
+            <a:xfrm>
+              <a:off x="12592" y="3404"/>
+              <a:ext cx="1256" cy="1919"/>
+            </a:xfrm>
+            <a:prstGeom prst="flowChartMagneticDisk">
+              <a:avLst/>
+            </a:prstGeom>
+          </p:spPr>
+          <p:style>
+            <a:lnRef idx="2">
+              <a:schemeClr val="accent3">
+                <a:shade val="50000"/>
+              </a:schemeClr>
+            </a:lnRef>
+            <a:fillRef idx="1">
+              <a:schemeClr val="accent3"/>
+            </a:fillRef>
+            <a:effectRef idx="0">
+              <a:schemeClr val="accent3"/>
+            </a:effectRef>
+            <a:fontRef idx="minor">
+              <a:schemeClr val="lt1"/>
+            </a:fontRef>
+          </p:style>
+          <p:txBody>
+            <a:bodyPr rtlCol="0" anchor="ctr"/>
+            <a:p>
+              <a:pPr algn="ctr"/>
+              <a:r>
+                <a:rPr lang="en-US" altLang="zh-CN"/>
+                <a:t>47</a:t>
+              </a:r>
+              <a:endParaRPr lang="en-US" altLang="zh-CN"/>
+            </a:p>
+          </p:txBody>
+        </p:sp>
+        <p:sp>
+          <p:nvSpPr>
+            <p:cNvPr id="30" name="流程图: 磁盘 29"/>
+            <p:cNvSpPr/>
+            <p:nvPr/>
+          </p:nvSpPr>
+          <p:spPr>
+            <a:xfrm>
+              <a:off x="15005" y="3346"/>
+              <a:ext cx="1256" cy="1919"/>
+            </a:xfrm>
+            <a:prstGeom prst="flowChartMagneticDisk">
+              <a:avLst/>
+            </a:prstGeom>
+          </p:spPr>
+          <p:style>
+            <a:lnRef idx="2">
+              <a:schemeClr val="accent3">
+                <a:shade val="50000"/>
+              </a:schemeClr>
+            </a:lnRef>
+            <a:fillRef idx="1">
+              <a:schemeClr val="accent3"/>
+            </a:fillRef>
+            <a:effectRef idx="0">
+              <a:schemeClr val="accent3"/>
+            </a:effectRef>
+            <a:fontRef idx="minor">
+              <a:schemeClr val="lt1"/>
+            </a:fontRef>
+          </p:style>
+          <p:txBody>
+            <a:bodyPr rtlCol="0" anchor="ctr"/>
+            <a:p>
+              <a:pPr algn="ctr"/>
+              <a:r>
+                <a:rPr lang="en-US" altLang="zh-CN"/>
+                <a:t>50</a:t>
+              </a:r>
+              <a:endParaRPr lang="en-US" altLang="zh-CN"/>
+            </a:p>
+          </p:txBody>
+        </p:sp>
+        <p:sp>
+          <p:nvSpPr>
+            <p:cNvPr id="32" name="文本框 31"/>
+            <p:cNvSpPr txBox="1"/>
+            <p:nvPr/>
+          </p:nvSpPr>
+          <p:spPr>
+            <a:xfrm>
+              <a:off x="2811" y="5767"/>
+              <a:ext cx="1514" cy="580"/>
+            </a:xfrm>
+            <a:prstGeom prst="rect">
+              <a:avLst/>
+            </a:prstGeom>
+            <a:noFill/>
+          </p:spPr>
+          <p:txBody>
+            <a:bodyPr wrap="square" rtlCol="0">
+              <a:spAutoFit/>
+            </a:bodyPr>
+            <a:p>
+              <a:pPr algn="ctr"/>
+              <a:r>
+                <a:rPr lang="en-US" altLang="zh-CN"/>
+                <a:t>[10,17]</a:t>
+              </a:r>
+              <a:endParaRPr lang="en-US" altLang="zh-CN"/>
+            </a:p>
+          </p:txBody>
+        </p:sp>
+        <p:sp>
+          <p:nvSpPr>
+            <p:cNvPr id="33" name="文本框 32"/>
+            <p:cNvSpPr txBox="1"/>
+            <p:nvPr/>
+          </p:nvSpPr>
+          <p:spPr>
+            <a:xfrm>
+              <a:off x="5224" y="5767"/>
+              <a:ext cx="1514" cy="580"/>
+            </a:xfrm>
+            <a:prstGeom prst="rect">
+              <a:avLst/>
+            </a:prstGeom>
+            <a:noFill/>
+          </p:spPr>
+          <p:txBody>
+            <a:bodyPr wrap="square" rtlCol="0">
+              <a:spAutoFit/>
+            </a:bodyPr>
+            <a:p>
+              <a:pPr algn="ctr"/>
+              <a:r>
+                <a:rPr lang="en-US" altLang="zh-CN"/>
+                <a:t>[18,25]</a:t>
+              </a:r>
+              <a:endParaRPr lang="en-US" altLang="zh-CN"/>
+            </a:p>
+          </p:txBody>
+        </p:sp>
+        <p:sp>
+          <p:nvSpPr>
+            <p:cNvPr id="34" name="文本框 33"/>
+            <p:cNvSpPr txBox="1"/>
+            <p:nvPr/>
+          </p:nvSpPr>
+          <p:spPr>
+            <a:xfrm>
+              <a:off x="7637" y="5767"/>
+              <a:ext cx="1514" cy="580"/>
+            </a:xfrm>
+            <a:prstGeom prst="rect">
+              <a:avLst/>
+            </a:prstGeom>
+            <a:noFill/>
+          </p:spPr>
+          <p:txBody>
+            <a:bodyPr wrap="square" rtlCol="0">
+              <a:spAutoFit/>
+            </a:bodyPr>
+            <a:p>
+              <a:pPr algn="ctr"/>
+              <a:r>
+                <a:rPr lang="en-US" altLang="zh-CN"/>
+                <a:t>[26,33]</a:t>
+              </a:r>
+              <a:endParaRPr lang="en-US" altLang="zh-CN"/>
+            </a:p>
+          </p:txBody>
+        </p:sp>
+        <p:sp>
+          <p:nvSpPr>
+            <p:cNvPr id="35" name="文本框 34"/>
+            <p:cNvSpPr txBox="1"/>
+            <p:nvPr/>
+          </p:nvSpPr>
+          <p:spPr>
+            <a:xfrm>
+              <a:off x="10050" y="5767"/>
+              <a:ext cx="1514" cy="580"/>
+            </a:xfrm>
+            <a:prstGeom prst="rect">
+              <a:avLst/>
+            </a:prstGeom>
+            <a:noFill/>
+          </p:spPr>
+          <p:txBody>
+            <a:bodyPr wrap="square" rtlCol="0">
+              <a:spAutoFit/>
+            </a:bodyPr>
+            <a:p>
+              <a:pPr algn="ctr"/>
+              <a:r>
+                <a:rPr lang="en-US" altLang="zh-CN"/>
+                <a:t>[34,41]</a:t>
+              </a:r>
+              <a:endParaRPr lang="en-US" altLang="zh-CN"/>
+            </a:p>
+          </p:txBody>
+        </p:sp>
+        <p:sp>
+          <p:nvSpPr>
+            <p:cNvPr id="36" name="文本框 35"/>
+            <p:cNvSpPr txBox="1"/>
+            <p:nvPr/>
+          </p:nvSpPr>
+          <p:spPr>
+            <a:xfrm>
+              <a:off x="12463" y="5767"/>
+              <a:ext cx="1514" cy="580"/>
+            </a:xfrm>
+            <a:prstGeom prst="rect">
+              <a:avLst/>
+            </a:prstGeom>
+            <a:noFill/>
+          </p:spPr>
+          <p:txBody>
+            <a:bodyPr wrap="square" rtlCol="0">
+              <a:spAutoFit/>
+            </a:bodyPr>
+            <a:p>
+              <a:pPr algn="ctr"/>
+              <a:r>
+                <a:rPr lang="en-US" altLang="zh-CN"/>
+                <a:t>[42,49]</a:t>
+              </a:r>
+              <a:endParaRPr lang="en-US" altLang="zh-CN"/>
+            </a:p>
+          </p:txBody>
+        </p:sp>
+        <p:sp>
+          <p:nvSpPr>
+            <p:cNvPr id="37" name="文本框 36"/>
+            <p:cNvSpPr txBox="1"/>
+            <p:nvPr/>
+          </p:nvSpPr>
+          <p:spPr>
+            <a:xfrm>
+              <a:off x="14876" y="5767"/>
+              <a:ext cx="1514" cy="580"/>
+            </a:xfrm>
+            <a:prstGeom prst="rect">
+              <a:avLst/>
+            </a:prstGeom>
+            <a:noFill/>
+          </p:spPr>
+          <p:txBody>
+            <a:bodyPr wrap="square" rtlCol="0">
+              <a:spAutoFit/>
+            </a:bodyPr>
+            <a:p>
+              <a:pPr algn="ctr"/>
+              <a:r>
+                <a:rPr lang="en-US" altLang="zh-CN"/>
+                <a:t>[50,57]</a:t>
+              </a:r>
+              <a:endParaRPr lang="en-US" altLang="zh-CN"/>
+            </a:p>
+          </p:txBody>
+        </p:sp>
+      </p:grpSp>
       <p:grpSp>
         <p:nvGrpSpPr>
           <p:cNvPr id="50" name="组合 49"/>
@@ -16095,6 +20974,18 @@
   <p:clrMapOvr>
     <a:masterClrMapping/>
   </p:clrMapOvr>
+  <mc:AlternateContent xmlns:mc="http://schemas.openxmlformats.org/markup-compatibility/2006" xmlns:p159="http://schemas.microsoft.com/office/powerpoint/2015/09/main">
+    <mc:Choice Requires="p159">
+      <p:transition xmlns:p14="http://schemas.microsoft.com/office/powerpoint/2010/main" spd="slow" p14:dur="1000">
+        <p159:morph option="byObject"/>
+      </p:transition>
+    </mc:Choice>
+    <mc:Fallback>
+      <p:transition spd="slow">
+        <p:fade/>
+      </p:transition>
+    </mc:Fallback>
+  </mc:AlternateContent>
   <p:timing>
     <p:tnLst>
       <p:par>
@@ -16204,7 +21095,7 @@
 </p:sld>
 </file>
 
-<file path=ppt/slides/slide3.xml><?xml version="1.0" encoding="utf-8"?>
+<file path=ppt/slides/slide6.xml><?xml version="1.0" encoding="utf-8"?>
 <p:sld xmlns:a="http://schemas.openxmlformats.org/drawingml/2006/main" xmlns:r="http://schemas.openxmlformats.org/officeDocument/2006/relationships" xmlns:p="http://schemas.openxmlformats.org/presentationml/2006/main">
   <p:cSld>
     <p:spTree>
@@ -17227,7 +22118,7 @@
 </p:sld>
 </file>
 
-<file path=ppt/slides/slide4.xml><?xml version="1.0" encoding="utf-8"?>
+<file path=ppt/slides/slide7.xml><?xml version="1.0" encoding="utf-8"?>
 <p:sld xmlns:a="http://schemas.openxmlformats.org/drawingml/2006/main" xmlns:r="http://schemas.openxmlformats.org/officeDocument/2006/relationships" xmlns:p="http://schemas.openxmlformats.org/presentationml/2006/main">
   <p:cSld>
     <p:spTree>
@@ -18293,7 +23184,7 @@
 </p:sld>
 </file>
 
-<file path=ppt/slides/slide5.xml><?xml version="1.0" encoding="utf-8"?>
+<file path=ppt/slides/slide8.xml><?xml version="1.0" encoding="utf-8"?>
 <p:sld xmlns:a="http://schemas.openxmlformats.org/drawingml/2006/main" xmlns:r="http://schemas.openxmlformats.org/officeDocument/2006/relationships" xmlns:p="http://schemas.openxmlformats.org/presentationml/2006/main">
   <p:cSld>
     <p:spTree>
@@ -19402,7 +24293,7 @@
 </p:sld>
 </file>
 
-<file path=ppt/slides/slide6.xml><?xml version="1.0" encoding="utf-8"?>
+<file path=ppt/slides/slide9.xml><?xml version="1.0" encoding="utf-8"?>
 <p:sld xmlns:a="http://schemas.openxmlformats.org/drawingml/2006/main" xmlns:r="http://schemas.openxmlformats.org/officeDocument/2006/relationships" xmlns:p="http://schemas.openxmlformats.org/presentationml/2006/main">
   <p:cSld>
     <p:spTree>
@@ -20549,3720 +25440,6 @@
     </p:tnLst>
     <p:bldLst>
       <p:bldP spid="4" grpId="0" animBg="1"/>
-    </p:bldLst>
-  </p:timing>
-</p:sld>
-</file>
-
-<file path=ppt/slides/slide7.xml><?xml version="1.0" encoding="utf-8"?>
-<p:sld xmlns:a="http://schemas.openxmlformats.org/drawingml/2006/main" xmlns:r="http://schemas.openxmlformats.org/officeDocument/2006/relationships" xmlns:p="http://schemas.openxmlformats.org/presentationml/2006/main">
-  <p:cSld>
-    <p:spTree>
-      <p:nvGrpSpPr>
-        <p:cNvPr id="1" name=""/>
-        <p:cNvGrpSpPr/>
-        <p:nvPr/>
-      </p:nvGrpSpPr>
-      <p:grpSpPr>
-        <a:xfrm>
-          <a:off x="0" y="0"/>
-          <a:ext cx="0" cy="0"/>
-          <a:chOff x="0" y="0"/>
-          <a:chExt cx="0" cy="0"/>
-        </a:xfrm>
-      </p:grpSpPr>
-      <p:sp>
-        <p:nvSpPr>
-          <p:cNvPr id="6" name="圆角矩形 5"/>
-          <p:cNvSpPr/>
-          <p:nvPr/>
-        </p:nvSpPr>
-        <p:spPr>
-          <a:xfrm>
-            <a:off x="1967865" y="810895"/>
-            <a:ext cx="669290" cy="669290"/>
-          </a:xfrm>
-          <a:prstGeom prst="roundRect">
-            <a:avLst/>
-          </a:prstGeom>
-        </p:spPr>
-        <p:style>
-          <a:lnRef idx="2">
-            <a:schemeClr val="accent1">
-              <a:shade val="50000"/>
-            </a:schemeClr>
-          </a:lnRef>
-          <a:fillRef idx="1">
-            <a:schemeClr val="accent1"/>
-          </a:fillRef>
-          <a:effectRef idx="0">
-            <a:schemeClr val="accent1"/>
-          </a:effectRef>
-          <a:fontRef idx="minor">
-            <a:schemeClr val="lt1"/>
-          </a:fontRef>
-        </p:style>
-        <p:txBody>
-          <a:bodyPr rtlCol="0" anchor="ctr"/>
-          <a:p>
-            <a:pPr algn="ctr"/>
-            <a:r>
-              <a:rPr lang="en-US" altLang="zh-CN"/>
-              <a:t>14</a:t>
-            </a:r>
-            <a:endParaRPr lang="en-US" altLang="zh-CN"/>
-          </a:p>
-        </p:txBody>
-      </p:sp>
-      <p:sp>
-        <p:nvSpPr>
-          <p:cNvPr id="8" name="圆角矩形 7"/>
-          <p:cNvSpPr/>
-          <p:nvPr/>
-        </p:nvSpPr>
-        <p:spPr>
-          <a:xfrm>
-            <a:off x="3051810" y="810895"/>
-            <a:ext cx="669290" cy="669290"/>
-          </a:xfrm>
-          <a:prstGeom prst="roundRect">
-            <a:avLst/>
-          </a:prstGeom>
-        </p:spPr>
-        <p:style>
-          <a:lnRef idx="2">
-            <a:schemeClr val="accent1">
-              <a:shade val="50000"/>
-            </a:schemeClr>
-          </a:lnRef>
-          <a:fillRef idx="1">
-            <a:schemeClr val="accent1"/>
-          </a:fillRef>
-          <a:effectRef idx="0">
-            <a:schemeClr val="accent1"/>
-          </a:effectRef>
-          <a:fontRef idx="minor">
-            <a:schemeClr val="lt1"/>
-          </a:fontRef>
-        </p:style>
-        <p:txBody>
-          <a:bodyPr rtlCol="0" anchor="ctr"/>
-          <a:p>
-            <a:pPr algn="ctr"/>
-            <a:r>
-              <a:rPr lang="en-US" altLang="zh-CN"/>
-              <a:t>28</a:t>
-            </a:r>
-            <a:endParaRPr lang="en-US" altLang="zh-CN"/>
-          </a:p>
-        </p:txBody>
-      </p:sp>
-      <p:sp>
-        <p:nvSpPr>
-          <p:cNvPr id="9" name="圆角矩形 8"/>
-          <p:cNvSpPr/>
-          <p:nvPr/>
-        </p:nvSpPr>
-        <p:spPr>
-          <a:xfrm>
-            <a:off x="9555480" y="810895"/>
-            <a:ext cx="669290" cy="669290"/>
-          </a:xfrm>
-          <a:prstGeom prst="roundRect">
-            <a:avLst/>
-          </a:prstGeom>
-        </p:spPr>
-        <p:style>
-          <a:lnRef idx="2">
-            <a:schemeClr val="accent1">
-              <a:shade val="50000"/>
-            </a:schemeClr>
-          </a:lnRef>
-          <a:fillRef idx="1">
-            <a:schemeClr val="accent1"/>
-          </a:fillRef>
-          <a:effectRef idx="0">
-            <a:schemeClr val="accent1"/>
-          </a:effectRef>
-          <a:fontRef idx="minor">
-            <a:schemeClr val="lt1"/>
-          </a:fontRef>
-        </p:style>
-        <p:txBody>
-          <a:bodyPr rtlCol="0" anchor="ctr"/>
-          <a:p>
-            <a:pPr algn="ctr"/>
-            <a:r>
-              <a:rPr lang="en-US" altLang="zh-CN"/>
-              <a:t>47</a:t>
-            </a:r>
-            <a:endParaRPr lang="en-US" altLang="zh-CN"/>
-          </a:p>
-        </p:txBody>
-      </p:sp>
-      <p:sp>
-        <p:nvSpPr>
-          <p:cNvPr id="10" name="圆角矩形 9"/>
-          <p:cNvSpPr/>
-          <p:nvPr/>
-        </p:nvSpPr>
-        <p:spPr>
-          <a:xfrm>
-            <a:off x="4135755" y="810895"/>
-            <a:ext cx="669290" cy="669290"/>
-          </a:xfrm>
-          <a:prstGeom prst="roundRect">
-            <a:avLst/>
-          </a:prstGeom>
-        </p:spPr>
-        <p:style>
-          <a:lnRef idx="2">
-            <a:schemeClr val="accent1">
-              <a:shade val="50000"/>
-            </a:schemeClr>
-          </a:lnRef>
-          <a:fillRef idx="1">
-            <a:schemeClr val="accent1"/>
-          </a:fillRef>
-          <a:effectRef idx="0">
-            <a:schemeClr val="accent1"/>
-          </a:effectRef>
-          <a:fontRef idx="minor">
-            <a:schemeClr val="lt1"/>
-          </a:fontRef>
-        </p:style>
-        <p:txBody>
-          <a:bodyPr rtlCol="0" anchor="ctr"/>
-          <a:p>
-            <a:pPr algn="ctr"/>
-            <a:r>
-              <a:rPr lang="en-US" altLang="zh-CN"/>
-              <a:t>10</a:t>
-            </a:r>
-            <a:endParaRPr lang="en-US" altLang="zh-CN"/>
-          </a:p>
-        </p:txBody>
-      </p:sp>
-      <p:sp>
-        <p:nvSpPr>
-          <p:cNvPr id="11" name="圆角矩形 10"/>
-          <p:cNvSpPr/>
-          <p:nvPr/>
-        </p:nvSpPr>
-        <p:spPr>
-          <a:xfrm>
-            <a:off x="7387590" y="810895"/>
-            <a:ext cx="669290" cy="669290"/>
-          </a:xfrm>
-          <a:prstGeom prst="roundRect">
-            <a:avLst/>
-          </a:prstGeom>
-        </p:spPr>
-        <p:style>
-          <a:lnRef idx="2">
-            <a:schemeClr val="accent1">
-              <a:shade val="50000"/>
-            </a:schemeClr>
-          </a:lnRef>
-          <a:fillRef idx="1">
-            <a:schemeClr val="accent1"/>
-          </a:fillRef>
-          <a:effectRef idx="0">
-            <a:schemeClr val="accent1"/>
-          </a:effectRef>
-          <a:fontRef idx="minor">
-            <a:schemeClr val="lt1"/>
-          </a:fontRef>
-        </p:style>
-        <p:txBody>
-          <a:bodyPr rtlCol="0" anchor="ctr"/>
-          <a:p>
-            <a:pPr algn="ctr"/>
-            <a:r>
-              <a:rPr lang="en-US" altLang="zh-CN"/>
-              <a:t>39</a:t>
-            </a:r>
-            <a:endParaRPr lang="en-US" altLang="zh-CN"/>
-          </a:p>
-        </p:txBody>
-      </p:sp>
-      <p:sp>
-        <p:nvSpPr>
-          <p:cNvPr id="12" name="圆角矩形 11"/>
-          <p:cNvSpPr/>
-          <p:nvPr/>
-        </p:nvSpPr>
-        <p:spPr>
-          <a:xfrm>
-            <a:off x="8471535" y="810895"/>
-            <a:ext cx="669290" cy="669290"/>
-          </a:xfrm>
-          <a:prstGeom prst="roundRect">
-            <a:avLst/>
-          </a:prstGeom>
-        </p:spPr>
-        <p:style>
-          <a:lnRef idx="2">
-            <a:schemeClr val="accent1">
-              <a:shade val="50000"/>
-            </a:schemeClr>
-          </a:lnRef>
-          <a:fillRef idx="1">
-            <a:schemeClr val="accent1"/>
-          </a:fillRef>
-          <a:effectRef idx="0">
-            <a:schemeClr val="accent1"/>
-          </a:effectRef>
-          <a:fontRef idx="minor">
-            <a:schemeClr val="lt1"/>
-          </a:fontRef>
-        </p:style>
-        <p:txBody>
-          <a:bodyPr rtlCol="0" anchor="ctr"/>
-          <a:p>
-            <a:pPr algn="ctr"/>
-            <a:r>
-              <a:rPr lang="en-US" altLang="zh-CN"/>
-              <a:t>35</a:t>
-            </a:r>
-            <a:endParaRPr lang="en-US" altLang="zh-CN"/>
-          </a:p>
-        </p:txBody>
-      </p:sp>
-      <p:sp>
-        <p:nvSpPr>
-          <p:cNvPr id="13" name="圆角矩形 12"/>
-          <p:cNvSpPr/>
-          <p:nvPr/>
-        </p:nvSpPr>
-        <p:spPr>
-          <a:xfrm>
-            <a:off x="5219700" y="810895"/>
-            <a:ext cx="669290" cy="669290"/>
-          </a:xfrm>
-          <a:prstGeom prst="roundRect">
-            <a:avLst/>
-          </a:prstGeom>
-        </p:spPr>
-        <p:style>
-          <a:lnRef idx="2">
-            <a:schemeClr val="accent1">
-              <a:shade val="50000"/>
-            </a:schemeClr>
-          </a:lnRef>
-          <a:fillRef idx="1">
-            <a:schemeClr val="accent1"/>
-          </a:fillRef>
-          <a:effectRef idx="0">
-            <a:schemeClr val="accent1"/>
-          </a:effectRef>
-          <a:fontRef idx="minor">
-            <a:schemeClr val="lt1"/>
-          </a:fontRef>
-        </p:style>
-        <p:txBody>
-          <a:bodyPr rtlCol="0" anchor="ctr"/>
-          <a:p>
-            <a:pPr algn="ctr"/>
-            <a:r>
-              <a:rPr lang="en-US" altLang="zh-CN"/>
-              <a:t>24</a:t>
-            </a:r>
-            <a:endParaRPr lang="en-US" altLang="zh-CN"/>
-          </a:p>
-        </p:txBody>
-      </p:sp>
-      <p:sp>
-        <p:nvSpPr>
-          <p:cNvPr id="14" name="圆角矩形 13"/>
-          <p:cNvSpPr/>
-          <p:nvPr/>
-        </p:nvSpPr>
-        <p:spPr>
-          <a:xfrm>
-            <a:off x="6303645" y="810895"/>
-            <a:ext cx="669290" cy="669290"/>
-          </a:xfrm>
-          <a:prstGeom prst="roundRect">
-            <a:avLst/>
-          </a:prstGeom>
-        </p:spPr>
-        <p:style>
-          <a:lnRef idx="2">
-            <a:schemeClr val="accent1">
-              <a:shade val="50000"/>
-            </a:schemeClr>
-          </a:lnRef>
-          <a:fillRef idx="1">
-            <a:schemeClr val="accent1"/>
-          </a:fillRef>
-          <a:effectRef idx="0">
-            <a:schemeClr val="accent1"/>
-          </a:effectRef>
-          <a:fontRef idx="minor">
-            <a:schemeClr val="lt1"/>
-          </a:fontRef>
-        </p:style>
-        <p:txBody>
-          <a:bodyPr rtlCol="0" anchor="ctr"/>
-          <a:p>
-            <a:pPr algn="ctr"/>
-            <a:r>
-              <a:rPr lang="en-US" altLang="zh-CN"/>
-              <a:t>50</a:t>
-            </a:r>
-            <a:endParaRPr lang="en-US" altLang="zh-CN"/>
-          </a:p>
-        </p:txBody>
-      </p:sp>
-      <p:sp>
-        <p:nvSpPr>
-          <p:cNvPr id="38" name="流程图: 磁盘 37"/>
-          <p:cNvSpPr/>
-          <p:nvPr/>
-        </p:nvSpPr>
-        <p:spPr>
-          <a:xfrm>
-            <a:off x="1866900" y="2459990"/>
-            <a:ext cx="797560" cy="1218565"/>
-          </a:xfrm>
-          <a:prstGeom prst="flowChartMagneticDisk">
-            <a:avLst/>
-          </a:prstGeom>
-        </p:spPr>
-        <p:style>
-          <a:lnRef idx="2">
-            <a:schemeClr val="accent3">
-              <a:shade val="50000"/>
-            </a:schemeClr>
-          </a:lnRef>
-          <a:fillRef idx="1">
-            <a:schemeClr val="accent3"/>
-          </a:fillRef>
-          <a:effectRef idx="0">
-            <a:schemeClr val="accent3"/>
-          </a:effectRef>
-          <a:fontRef idx="minor">
-            <a:schemeClr val="lt1"/>
-          </a:fontRef>
-        </p:style>
-        <p:txBody>
-          <a:bodyPr rtlCol="0" anchor="ctr"/>
-          <a:p>
-            <a:pPr algn="ctr"/>
-            <a:r>
-              <a:rPr lang="en-US" altLang="zh-CN">
-                <a:solidFill>
-                  <a:srgbClr val="FFFF00"/>
-                </a:solidFill>
-              </a:rPr>
-              <a:t>10</a:t>
-            </a:r>
-            <a:endParaRPr lang="en-US" altLang="zh-CN">
-              <a:solidFill>
-                <a:srgbClr val="FFFF00"/>
-              </a:solidFill>
-            </a:endParaRPr>
-          </a:p>
-          <a:p>
-            <a:pPr algn="ctr"/>
-            <a:r>
-              <a:rPr lang="en-US" altLang="zh-CN">
-                <a:solidFill>
-                  <a:srgbClr val="FFFF00"/>
-                </a:solidFill>
-              </a:rPr>
-              <a:t>14</a:t>
-            </a:r>
-            <a:endParaRPr lang="en-US" altLang="zh-CN">
-              <a:solidFill>
-                <a:srgbClr val="FFFF00"/>
-              </a:solidFill>
-            </a:endParaRPr>
-          </a:p>
-        </p:txBody>
-      </p:sp>
-      <p:sp>
-        <p:nvSpPr>
-          <p:cNvPr id="39" name="流程图: 磁盘 38"/>
-          <p:cNvSpPr/>
-          <p:nvPr/>
-        </p:nvSpPr>
-        <p:spPr>
-          <a:xfrm>
-            <a:off x="3399155" y="2459990"/>
-            <a:ext cx="797560" cy="1218565"/>
-          </a:xfrm>
-          <a:prstGeom prst="flowChartMagneticDisk">
-            <a:avLst/>
-          </a:prstGeom>
-        </p:spPr>
-        <p:style>
-          <a:lnRef idx="2">
-            <a:schemeClr val="accent3">
-              <a:shade val="50000"/>
-            </a:schemeClr>
-          </a:lnRef>
-          <a:fillRef idx="1">
-            <a:schemeClr val="accent3"/>
-          </a:fillRef>
-          <a:effectRef idx="0">
-            <a:schemeClr val="accent3"/>
-          </a:effectRef>
-          <a:fontRef idx="minor">
-            <a:schemeClr val="lt1"/>
-          </a:fontRef>
-        </p:style>
-        <p:txBody>
-          <a:bodyPr rtlCol="0" anchor="ctr"/>
-          <a:p>
-            <a:pPr algn="ctr"/>
-            <a:r>
-              <a:rPr lang="en-US" altLang="zh-CN">
-                <a:solidFill>
-                  <a:srgbClr val="FFFF00"/>
-                </a:solidFill>
-              </a:rPr>
-              <a:t>24</a:t>
-            </a:r>
-            <a:endParaRPr lang="en-US" altLang="zh-CN">
-              <a:solidFill>
-                <a:srgbClr val="FFFF00"/>
-              </a:solidFill>
-            </a:endParaRPr>
-          </a:p>
-        </p:txBody>
-      </p:sp>
-      <p:sp>
-        <p:nvSpPr>
-          <p:cNvPr id="40" name="流程图: 磁盘 39"/>
-          <p:cNvSpPr/>
-          <p:nvPr/>
-        </p:nvSpPr>
-        <p:spPr>
-          <a:xfrm>
-            <a:off x="4931410" y="2459990"/>
-            <a:ext cx="797560" cy="1218565"/>
-          </a:xfrm>
-          <a:prstGeom prst="flowChartMagneticDisk">
-            <a:avLst/>
-          </a:prstGeom>
-        </p:spPr>
-        <p:style>
-          <a:lnRef idx="2">
-            <a:schemeClr val="accent3">
-              <a:shade val="50000"/>
-            </a:schemeClr>
-          </a:lnRef>
-          <a:fillRef idx="1">
-            <a:schemeClr val="accent3"/>
-          </a:fillRef>
-          <a:effectRef idx="0">
-            <a:schemeClr val="accent3"/>
-          </a:effectRef>
-          <a:fontRef idx="minor">
-            <a:schemeClr val="lt1"/>
-          </a:fontRef>
-        </p:style>
-        <p:txBody>
-          <a:bodyPr rtlCol="0" anchor="ctr"/>
-          <a:p>
-            <a:pPr algn="ctr"/>
-            <a:r>
-              <a:rPr lang="en-US" altLang="zh-CN">
-                <a:solidFill>
-                  <a:srgbClr val="FFFF00"/>
-                </a:solidFill>
-              </a:rPr>
-              <a:t>28</a:t>
-            </a:r>
-            <a:endParaRPr lang="en-US" altLang="zh-CN">
-              <a:solidFill>
-                <a:srgbClr val="FFFF00"/>
-              </a:solidFill>
-            </a:endParaRPr>
-          </a:p>
-        </p:txBody>
-      </p:sp>
-      <p:sp>
-        <p:nvSpPr>
-          <p:cNvPr id="41" name="流程图: 磁盘 40"/>
-          <p:cNvSpPr/>
-          <p:nvPr/>
-        </p:nvSpPr>
-        <p:spPr>
-          <a:xfrm>
-            <a:off x="6463665" y="2459990"/>
-            <a:ext cx="797560" cy="1218565"/>
-          </a:xfrm>
-          <a:prstGeom prst="flowChartMagneticDisk">
-            <a:avLst/>
-          </a:prstGeom>
-        </p:spPr>
-        <p:style>
-          <a:lnRef idx="2">
-            <a:schemeClr val="accent3">
-              <a:shade val="50000"/>
-            </a:schemeClr>
-          </a:lnRef>
-          <a:fillRef idx="1">
-            <a:schemeClr val="accent3"/>
-          </a:fillRef>
-          <a:effectRef idx="0">
-            <a:schemeClr val="accent3"/>
-          </a:effectRef>
-          <a:fontRef idx="minor">
-            <a:schemeClr val="lt1"/>
-          </a:fontRef>
-        </p:style>
-        <p:txBody>
-          <a:bodyPr rtlCol="0" anchor="ctr"/>
-          <a:p>
-            <a:pPr algn="ctr"/>
-            <a:r>
-              <a:rPr lang="en-US" altLang="zh-CN">
-                <a:solidFill>
-                  <a:srgbClr val="FFFF00"/>
-                </a:solidFill>
-              </a:rPr>
-              <a:t>35</a:t>
-            </a:r>
-            <a:endParaRPr lang="en-US" altLang="zh-CN">
-              <a:solidFill>
-                <a:srgbClr val="FFFF00"/>
-              </a:solidFill>
-            </a:endParaRPr>
-          </a:p>
-          <a:p>
-            <a:pPr algn="ctr"/>
-            <a:r>
-              <a:rPr lang="en-US" altLang="zh-CN">
-                <a:solidFill>
-                  <a:srgbClr val="FFFF00"/>
-                </a:solidFill>
-              </a:rPr>
-              <a:t>39</a:t>
-            </a:r>
-            <a:endParaRPr lang="en-US" altLang="zh-CN">
-              <a:solidFill>
-                <a:srgbClr val="FFFF00"/>
-              </a:solidFill>
-            </a:endParaRPr>
-          </a:p>
-        </p:txBody>
-      </p:sp>
-      <p:sp>
-        <p:nvSpPr>
-          <p:cNvPr id="42" name="流程图: 磁盘 41"/>
-          <p:cNvSpPr/>
-          <p:nvPr/>
-        </p:nvSpPr>
-        <p:spPr>
-          <a:xfrm>
-            <a:off x="7995920" y="2456180"/>
-            <a:ext cx="797560" cy="1218565"/>
-          </a:xfrm>
-          <a:prstGeom prst="flowChartMagneticDisk">
-            <a:avLst/>
-          </a:prstGeom>
-        </p:spPr>
-        <p:style>
-          <a:lnRef idx="2">
-            <a:schemeClr val="accent3">
-              <a:shade val="50000"/>
-            </a:schemeClr>
-          </a:lnRef>
-          <a:fillRef idx="1">
-            <a:schemeClr val="accent3"/>
-          </a:fillRef>
-          <a:effectRef idx="0">
-            <a:schemeClr val="accent3"/>
-          </a:effectRef>
-          <a:fontRef idx="minor">
-            <a:schemeClr val="lt1"/>
-          </a:fontRef>
-        </p:style>
-        <p:txBody>
-          <a:bodyPr rtlCol="0" anchor="ctr"/>
-          <a:p>
-            <a:pPr algn="ctr"/>
-            <a:r>
-              <a:rPr lang="en-US" altLang="zh-CN">
-                <a:solidFill>
-                  <a:srgbClr val="FFFF00"/>
-                </a:solidFill>
-              </a:rPr>
-              <a:t>47</a:t>
-            </a:r>
-            <a:endParaRPr lang="en-US" altLang="zh-CN">
-              <a:solidFill>
-                <a:srgbClr val="FFFF00"/>
-              </a:solidFill>
-            </a:endParaRPr>
-          </a:p>
-        </p:txBody>
-      </p:sp>
-      <p:sp>
-        <p:nvSpPr>
-          <p:cNvPr id="43" name="流程图: 磁盘 42"/>
-          <p:cNvSpPr/>
-          <p:nvPr/>
-        </p:nvSpPr>
-        <p:spPr>
-          <a:xfrm>
-            <a:off x="9528175" y="2419350"/>
-            <a:ext cx="797560" cy="1218565"/>
-          </a:xfrm>
-          <a:prstGeom prst="flowChartMagneticDisk">
-            <a:avLst/>
-          </a:prstGeom>
-        </p:spPr>
-        <p:style>
-          <a:lnRef idx="2">
-            <a:schemeClr val="accent3">
-              <a:shade val="50000"/>
-            </a:schemeClr>
-          </a:lnRef>
-          <a:fillRef idx="1">
-            <a:schemeClr val="accent3"/>
-          </a:fillRef>
-          <a:effectRef idx="0">
-            <a:schemeClr val="accent3"/>
-          </a:effectRef>
-          <a:fontRef idx="minor">
-            <a:schemeClr val="lt1"/>
-          </a:fontRef>
-        </p:style>
-        <p:txBody>
-          <a:bodyPr rtlCol="0" anchor="ctr"/>
-          <a:p>
-            <a:pPr algn="ctr"/>
-            <a:r>
-              <a:rPr lang="en-US" altLang="zh-CN">
-                <a:solidFill>
-                  <a:srgbClr val="FFFF00"/>
-                </a:solidFill>
-              </a:rPr>
-              <a:t>50</a:t>
-            </a:r>
-            <a:endParaRPr lang="en-US" altLang="zh-CN">
-              <a:solidFill>
-                <a:srgbClr val="FFFF00"/>
-              </a:solidFill>
-            </a:endParaRPr>
-          </a:p>
-        </p:txBody>
-      </p:sp>
-      <p:sp>
-        <p:nvSpPr>
-          <p:cNvPr id="44" name="文本框 43"/>
-          <p:cNvSpPr txBox="1"/>
-          <p:nvPr/>
-        </p:nvSpPr>
-        <p:spPr>
-          <a:xfrm>
-            <a:off x="1784985" y="3956685"/>
-            <a:ext cx="961390" cy="368300"/>
-          </a:xfrm>
-          <a:prstGeom prst="rect">
-            <a:avLst/>
-          </a:prstGeom>
-          <a:noFill/>
-        </p:spPr>
-        <p:txBody>
-          <a:bodyPr wrap="square" rtlCol="0">
-            <a:spAutoFit/>
-          </a:bodyPr>
-          <a:p>
-            <a:pPr algn="ctr"/>
-            <a:r>
-              <a:rPr lang="en-US" altLang="zh-CN"/>
-              <a:t>[10,17]</a:t>
-            </a:r>
-            <a:endParaRPr lang="en-US" altLang="zh-CN"/>
-          </a:p>
-        </p:txBody>
-      </p:sp>
-      <p:sp>
-        <p:nvSpPr>
-          <p:cNvPr id="45" name="文本框 44"/>
-          <p:cNvSpPr txBox="1"/>
-          <p:nvPr/>
-        </p:nvSpPr>
-        <p:spPr>
-          <a:xfrm>
-            <a:off x="3317240" y="3956685"/>
-            <a:ext cx="961390" cy="368300"/>
-          </a:xfrm>
-          <a:prstGeom prst="rect">
-            <a:avLst/>
-          </a:prstGeom>
-          <a:noFill/>
-        </p:spPr>
-        <p:txBody>
-          <a:bodyPr wrap="square" rtlCol="0">
-            <a:spAutoFit/>
-          </a:bodyPr>
-          <a:p>
-            <a:pPr algn="ctr"/>
-            <a:r>
-              <a:rPr lang="en-US" altLang="zh-CN"/>
-              <a:t>[18,25]</a:t>
-            </a:r>
-            <a:endParaRPr lang="en-US" altLang="zh-CN"/>
-          </a:p>
-        </p:txBody>
-      </p:sp>
-      <p:sp>
-        <p:nvSpPr>
-          <p:cNvPr id="46" name="文本框 45"/>
-          <p:cNvSpPr txBox="1"/>
-          <p:nvPr/>
-        </p:nvSpPr>
-        <p:spPr>
-          <a:xfrm>
-            <a:off x="4849495" y="3956685"/>
-            <a:ext cx="961390" cy="368300"/>
-          </a:xfrm>
-          <a:prstGeom prst="rect">
-            <a:avLst/>
-          </a:prstGeom>
-          <a:noFill/>
-        </p:spPr>
-        <p:txBody>
-          <a:bodyPr wrap="square" rtlCol="0">
-            <a:spAutoFit/>
-          </a:bodyPr>
-          <a:p>
-            <a:pPr algn="ctr"/>
-            <a:r>
-              <a:rPr lang="en-US" altLang="zh-CN"/>
-              <a:t>[26,33]</a:t>
-            </a:r>
-            <a:endParaRPr lang="en-US" altLang="zh-CN"/>
-          </a:p>
-        </p:txBody>
-      </p:sp>
-      <p:sp>
-        <p:nvSpPr>
-          <p:cNvPr id="47" name="文本框 46"/>
-          <p:cNvSpPr txBox="1"/>
-          <p:nvPr/>
-        </p:nvSpPr>
-        <p:spPr>
-          <a:xfrm>
-            <a:off x="6381750" y="3956685"/>
-            <a:ext cx="961390" cy="368300"/>
-          </a:xfrm>
-          <a:prstGeom prst="rect">
-            <a:avLst/>
-          </a:prstGeom>
-          <a:noFill/>
-        </p:spPr>
-        <p:txBody>
-          <a:bodyPr wrap="square" rtlCol="0">
-            <a:spAutoFit/>
-          </a:bodyPr>
-          <a:p>
-            <a:pPr algn="ctr"/>
-            <a:r>
-              <a:rPr lang="en-US" altLang="zh-CN"/>
-              <a:t>[34,41]</a:t>
-            </a:r>
-            <a:endParaRPr lang="en-US" altLang="zh-CN"/>
-          </a:p>
-        </p:txBody>
-      </p:sp>
-      <p:sp>
-        <p:nvSpPr>
-          <p:cNvPr id="48" name="文本框 47"/>
-          <p:cNvSpPr txBox="1"/>
-          <p:nvPr/>
-        </p:nvSpPr>
-        <p:spPr>
-          <a:xfrm>
-            <a:off x="7914005" y="3956685"/>
-            <a:ext cx="961390" cy="368300"/>
-          </a:xfrm>
-          <a:prstGeom prst="rect">
-            <a:avLst/>
-          </a:prstGeom>
-          <a:noFill/>
-        </p:spPr>
-        <p:txBody>
-          <a:bodyPr wrap="square" rtlCol="0">
-            <a:spAutoFit/>
-          </a:bodyPr>
-          <a:p>
-            <a:pPr algn="ctr"/>
-            <a:r>
-              <a:rPr lang="en-US" altLang="zh-CN"/>
-              <a:t>[42,49]</a:t>
-            </a:r>
-            <a:endParaRPr lang="en-US" altLang="zh-CN"/>
-          </a:p>
-        </p:txBody>
-      </p:sp>
-      <p:sp>
-        <p:nvSpPr>
-          <p:cNvPr id="49" name="文本框 48"/>
-          <p:cNvSpPr txBox="1"/>
-          <p:nvPr/>
-        </p:nvSpPr>
-        <p:spPr>
-          <a:xfrm>
-            <a:off x="9446260" y="3956685"/>
-            <a:ext cx="961390" cy="368300"/>
-          </a:xfrm>
-          <a:prstGeom prst="rect">
-            <a:avLst/>
-          </a:prstGeom>
-          <a:noFill/>
-        </p:spPr>
-        <p:txBody>
-          <a:bodyPr wrap="square" rtlCol="0">
-            <a:spAutoFit/>
-          </a:bodyPr>
-          <a:p>
-            <a:pPr algn="ctr"/>
-            <a:r>
-              <a:rPr lang="en-US" altLang="zh-CN"/>
-              <a:t>[50,57]</a:t>
-            </a:r>
-            <a:endParaRPr lang="en-US" altLang="zh-CN"/>
-          </a:p>
-        </p:txBody>
-      </p:sp>
-      <p:sp>
-        <p:nvSpPr>
-          <p:cNvPr id="19" name="圆角矩形 18"/>
-          <p:cNvSpPr/>
-          <p:nvPr/>
-        </p:nvSpPr>
-        <p:spPr>
-          <a:xfrm>
-            <a:off x="1967865" y="5234305"/>
-            <a:ext cx="669290" cy="669290"/>
-          </a:xfrm>
-          <a:prstGeom prst="roundRect">
-            <a:avLst/>
-          </a:prstGeom>
-        </p:spPr>
-        <p:style>
-          <a:lnRef idx="2">
-            <a:schemeClr val="accent4">
-              <a:shade val="50000"/>
-            </a:schemeClr>
-          </a:lnRef>
-          <a:fillRef idx="1">
-            <a:schemeClr val="accent4"/>
-          </a:fillRef>
-          <a:effectRef idx="0">
-            <a:schemeClr val="accent4"/>
-          </a:effectRef>
-          <a:fontRef idx="minor">
-            <a:schemeClr val="lt1"/>
-          </a:fontRef>
-        </p:style>
-        <p:txBody>
-          <a:bodyPr rtlCol="0" anchor="ctr"/>
-          <a:p>
-            <a:pPr algn="ctr"/>
-            <a:r>
-              <a:rPr lang="en-US" altLang="zh-CN"/>
-              <a:t>10</a:t>
-            </a:r>
-            <a:endParaRPr lang="en-US" altLang="zh-CN"/>
-          </a:p>
-        </p:txBody>
-      </p:sp>
-      <p:sp>
-        <p:nvSpPr>
-          <p:cNvPr id="2" name="圆角矩形 1"/>
-          <p:cNvSpPr/>
-          <p:nvPr/>
-        </p:nvSpPr>
-        <p:spPr>
-          <a:xfrm>
-            <a:off x="3051810" y="5234305"/>
-            <a:ext cx="669290" cy="669290"/>
-          </a:xfrm>
-          <a:prstGeom prst="roundRect">
-            <a:avLst/>
-          </a:prstGeom>
-        </p:spPr>
-        <p:style>
-          <a:lnRef idx="2">
-            <a:schemeClr val="accent4">
-              <a:shade val="50000"/>
-            </a:schemeClr>
-          </a:lnRef>
-          <a:fillRef idx="1">
-            <a:schemeClr val="accent4"/>
-          </a:fillRef>
-          <a:effectRef idx="0">
-            <a:schemeClr val="accent4"/>
-          </a:effectRef>
-          <a:fontRef idx="minor">
-            <a:schemeClr val="lt1"/>
-          </a:fontRef>
-        </p:style>
-        <p:txBody>
-          <a:bodyPr rtlCol="0" anchor="ctr"/>
-          <a:p>
-            <a:pPr algn="ctr"/>
-            <a:r>
-              <a:rPr lang="en-US" altLang="zh-CN"/>
-              <a:t>14</a:t>
-            </a:r>
-            <a:endParaRPr lang="en-US" altLang="zh-CN"/>
-          </a:p>
-        </p:txBody>
-      </p:sp>
-      <p:sp>
-        <p:nvSpPr>
-          <p:cNvPr id="3" name="圆角矩形 2"/>
-          <p:cNvSpPr/>
-          <p:nvPr/>
-        </p:nvSpPr>
-        <p:spPr>
-          <a:xfrm>
-            <a:off x="4135755" y="5234305"/>
-            <a:ext cx="669290" cy="669290"/>
-          </a:xfrm>
-          <a:prstGeom prst="roundRect">
-            <a:avLst/>
-          </a:prstGeom>
-        </p:spPr>
-        <p:style>
-          <a:lnRef idx="2">
-            <a:schemeClr val="accent4">
-              <a:shade val="50000"/>
-            </a:schemeClr>
-          </a:lnRef>
-          <a:fillRef idx="1">
-            <a:schemeClr val="accent4"/>
-          </a:fillRef>
-          <a:effectRef idx="0">
-            <a:schemeClr val="accent4"/>
-          </a:effectRef>
-          <a:fontRef idx="minor">
-            <a:schemeClr val="lt1"/>
-          </a:fontRef>
-        </p:style>
-        <p:txBody>
-          <a:bodyPr rtlCol="0" anchor="ctr"/>
-          <a:p>
-            <a:pPr algn="ctr"/>
-            <a:r>
-              <a:rPr lang="en-US" altLang="zh-CN"/>
-              <a:t>24</a:t>
-            </a:r>
-            <a:endParaRPr lang="en-US" altLang="zh-CN"/>
-          </a:p>
-        </p:txBody>
-      </p:sp>
-      <p:sp>
-        <p:nvSpPr>
-          <p:cNvPr id="4" name="圆角矩形 3"/>
-          <p:cNvSpPr/>
-          <p:nvPr/>
-        </p:nvSpPr>
-        <p:spPr>
-          <a:xfrm>
-            <a:off x="5219700" y="5234305"/>
-            <a:ext cx="669290" cy="669290"/>
-          </a:xfrm>
-          <a:prstGeom prst="roundRect">
-            <a:avLst/>
-          </a:prstGeom>
-        </p:spPr>
-        <p:style>
-          <a:lnRef idx="2">
-            <a:schemeClr val="accent4">
-              <a:shade val="50000"/>
-            </a:schemeClr>
-          </a:lnRef>
-          <a:fillRef idx="1">
-            <a:schemeClr val="accent4"/>
-          </a:fillRef>
-          <a:effectRef idx="0">
-            <a:schemeClr val="accent4"/>
-          </a:effectRef>
-          <a:fontRef idx="minor">
-            <a:schemeClr val="lt1"/>
-          </a:fontRef>
-        </p:style>
-        <p:txBody>
-          <a:bodyPr rtlCol="0" anchor="ctr"/>
-          <a:p>
-            <a:pPr algn="ctr"/>
-            <a:r>
-              <a:rPr lang="en-US" altLang="zh-CN"/>
-              <a:t>28</a:t>
-            </a:r>
-            <a:endParaRPr lang="en-US" altLang="zh-CN"/>
-          </a:p>
-        </p:txBody>
-      </p:sp>
-      <p:sp>
-        <p:nvSpPr>
-          <p:cNvPr id="5" name="圆角矩形 4"/>
-          <p:cNvSpPr/>
-          <p:nvPr/>
-        </p:nvSpPr>
-        <p:spPr>
-          <a:xfrm>
-            <a:off x="6527800" y="2968625"/>
-            <a:ext cx="669290" cy="669290"/>
-          </a:xfrm>
-          <a:prstGeom prst="roundRect">
-            <a:avLst/>
-          </a:prstGeom>
-        </p:spPr>
-        <p:style>
-          <a:lnRef idx="2">
-            <a:schemeClr val="accent4">
-              <a:shade val="50000"/>
-            </a:schemeClr>
-          </a:lnRef>
-          <a:fillRef idx="1">
-            <a:schemeClr val="accent4"/>
-          </a:fillRef>
-          <a:effectRef idx="0">
-            <a:schemeClr val="accent4"/>
-          </a:effectRef>
-          <a:fontRef idx="minor">
-            <a:schemeClr val="lt1"/>
-          </a:fontRef>
-        </p:style>
-        <p:txBody>
-          <a:bodyPr rtlCol="0" anchor="ctr"/>
-          <a:p>
-            <a:pPr algn="ctr"/>
-            <a:r>
-              <a:rPr lang="en-US" altLang="zh-CN"/>
-              <a:t>35</a:t>
-            </a:r>
-            <a:endParaRPr lang="en-US" altLang="zh-CN"/>
-          </a:p>
-        </p:txBody>
-      </p:sp>
-    </p:spTree>
-    <p:custDataLst>
-      <p:tags r:id="rId1"/>
-    </p:custDataLst>
-  </p:cSld>
-  <p:clrMapOvr>
-    <a:masterClrMapping/>
-  </p:clrMapOvr>
-  <mc:AlternateContent xmlns:mc="http://schemas.openxmlformats.org/markup-compatibility/2006" xmlns:p159="http://schemas.microsoft.com/office/powerpoint/2015/09/main">
-    <mc:Choice Requires="p159">
-      <p:transition xmlns:p14="http://schemas.microsoft.com/office/powerpoint/2010/main" p14:dur="500">
-        <p159:morph option="byObject"/>
-      </p:transition>
-    </mc:Choice>
-    <mc:Fallback>
-      <p:transition>
-        <p:fade/>
-      </p:transition>
-    </mc:Fallback>
-  </mc:AlternateContent>
-  <p:timing>
-    <p:tnLst>
-      <p:par>
-        <p:cTn id="1" dur="indefinite" restart="never" nodeType="tmRoot">
-          <p:childTnLst>
-            <p:seq concurrent="1" nextAc="seek">
-              <p:cTn id="2" dur="indefinite" nodeType="mainSeq">
-                <p:childTnLst>
-                  <p:par>
-                    <p:cTn id="3" fill="hold">
-                      <p:stCondLst>
-                        <p:cond delay="indefinite"/>
-                      </p:stCondLst>
-                      <p:childTnLst>
-                        <p:par>
-                          <p:cTn id="4" fill="hold">
-                            <p:stCondLst>
-                              <p:cond delay="0"/>
-                            </p:stCondLst>
-                            <p:childTnLst>
-                              <p:par>
-                                <p:cTn id="5" presetID="1" presetClass="entr" presetSubtype="0" fill="hold" grpId="0" nodeType="clickEffect">
-                                  <p:stCondLst>
-                                    <p:cond delay="0"/>
-                                  </p:stCondLst>
-                                  <p:childTnLst>
-                                    <p:set>
-                                      <p:cBhvr>
-                                        <p:cTn id="6" dur="1" fill="hold">
-                                          <p:stCondLst>
-                                            <p:cond delay="0"/>
-                                          </p:stCondLst>
-                                        </p:cTn>
-                                        <p:tgtEl>
-                                          <p:spTgt spid="5"/>
-                                        </p:tgtEl>
-                                        <p:attrNameLst>
-                                          <p:attrName>style.visibility</p:attrName>
-                                        </p:attrNameLst>
-                                      </p:cBhvr>
-                                      <p:to>
-                                        <p:strVal val="visible"/>
-                                      </p:to>
-                                    </p:set>
-                                  </p:childTnLst>
-                                </p:cTn>
-                              </p:par>
-                            </p:childTnLst>
-                          </p:cTn>
-                        </p:par>
-                      </p:childTnLst>
-                    </p:cTn>
-                  </p:par>
-                </p:childTnLst>
-              </p:cTn>
-              <p:prevCondLst>
-                <p:cond evt="onPrev" delay="0">
-                  <p:tgtEl>
-                    <p:sldTgt/>
-                  </p:tgtEl>
-                </p:cond>
-              </p:prevCondLst>
-              <p:nextCondLst>
-                <p:cond evt="onNext" delay="0">
-                  <p:tgtEl>
-                    <p:sldTgt/>
-                  </p:tgtEl>
-                </p:cond>
-              </p:nextCondLst>
-            </p:seq>
-          </p:childTnLst>
-        </p:cTn>
-      </p:par>
-    </p:tnLst>
-    <p:bldLst>
-      <p:bldP spid="5" grpId="0" bldLvl="0" animBg="1"/>
-    </p:bldLst>
-  </p:timing>
-</p:sld>
-</file>
-
-<file path=ppt/slides/slide8.xml><?xml version="1.0" encoding="utf-8"?>
-<p:sld xmlns:a="http://schemas.openxmlformats.org/drawingml/2006/main" xmlns:r="http://schemas.openxmlformats.org/officeDocument/2006/relationships" xmlns:p="http://schemas.openxmlformats.org/presentationml/2006/main">
-  <p:cSld>
-    <p:spTree>
-      <p:nvGrpSpPr>
-        <p:cNvPr id="1" name=""/>
-        <p:cNvGrpSpPr/>
-        <p:nvPr/>
-      </p:nvGrpSpPr>
-      <p:grpSpPr>
-        <a:xfrm>
-          <a:off x="0" y="0"/>
-          <a:ext cx="0" cy="0"/>
-          <a:chOff x="0" y="0"/>
-          <a:chExt cx="0" cy="0"/>
-        </a:xfrm>
-      </p:grpSpPr>
-      <p:sp>
-        <p:nvSpPr>
-          <p:cNvPr id="6" name="圆角矩形 5"/>
-          <p:cNvSpPr/>
-          <p:nvPr/>
-        </p:nvSpPr>
-        <p:spPr>
-          <a:xfrm>
-            <a:off x="1967865" y="810895"/>
-            <a:ext cx="669290" cy="669290"/>
-          </a:xfrm>
-          <a:prstGeom prst="roundRect">
-            <a:avLst/>
-          </a:prstGeom>
-        </p:spPr>
-        <p:style>
-          <a:lnRef idx="2">
-            <a:schemeClr val="accent1">
-              <a:shade val="50000"/>
-            </a:schemeClr>
-          </a:lnRef>
-          <a:fillRef idx="1">
-            <a:schemeClr val="accent1"/>
-          </a:fillRef>
-          <a:effectRef idx="0">
-            <a:schemeClr val="accent1"/>
-          </a:effectRef>
-          <a:fontRef idx="minor">
-            <a:schemeClr val="lt1"/>
-          </a:fontRef>
-        </p:style>
-        <p:txBody>
-          <a:bodyPr rtlCol="0" anchor="ctr"/>
-          <a:p>
-            <a:pPr algn="ctr"/>
-            <a:r>
-              <a:rPr lang="en-US" altLang="zh-CN"/>
-              <a:t>14</a:t>
-            </a:r>
-            <a:endParaRPr lang="en-US" altLang="zh-CN"/>
-          </a:p>
-        </p:txBody>
-      </p:sp>
-      <p:sp>
-        <p:nvSpPr>
-          <p:cNvPr id="8" name="圆角矩形 7"/>
-          <p:cNvSpPr/>
-          <p:nvPr/>
-        </p:nvSpPr>
-        <p:spPr>
-          <a:xfrm>
-            <a:off x="3051810" y="810895"/>
-            <a:ext cx="669290" cy="669290"/>
-          </a:xfrm>
-          <a:prstGeom prst="roundRect">
-            <a:avLst/>
-          </a:prstGeom>
-        </p:spPr>
-        <p:style>
-          <a:lnRef idx="2">
-            <a:schemeClr val="accent1">
-              <a:shade val="50000"/>
-            </a:schemeClr>
-          </a:lnRef>
-          <a:fillRef idx="1">
-            <a:schemeClr val="accent1"/>
-          </a:fillRef>
-          <a:effectRef idx="0">
-            <a:schemeClr val="accent1"/>
-          </a:effectRef>
-          <a:fontRef idx="minor">
-            <a:schemeClr val="lt1"/>
-          </a:fontRef>
-        </p:style>
-        <p:txBody>
-          <a:bodyPr rtlCol="0" anchor="ctr"/>
-          <a:p>
-            <a:pPr algn="ctr"/>
-            <a:r>
-              <a:rPr lang="en-US" altLang="zh-CN"/>
-              <a:t>28</a:t>
-            </a:r>
-            <a:endParaRPr lang="en-US" altLang="zh-CN"/>
-          </a:p>
-        </p:txBody>
-      </p:sp>
-      <p:sp>
-        <p:nvSpPr>
-          <p:cNvPr id="9" name="圆角矩形 8"/>
-          <p:cNvSpPr/>
-          <p:nvPr/>
-        </p:nvSpPr>
-        <p:spPr>
-          <a:xfrm>
-            <a:off x="9555480" y="810895"/>
-            <a:ext cx="669290" cy="669290"/>
-          </a:xfrm>
-          <a:prstGeom prst="roundRect">
-            <a:avLst/>
-          </a:prstGeom>
-        </p:spPr>
-        <p:style>
-          <a:lnRef idx="2">
-            <a:schemeClr val="accent1">
-              <a:shade val="50000"/>
-            </a:schemeClr>
-          </a:lnRef>
-          <a:fillRef idx="1">
-            <a:schemeClr val="accent1"/>
-          </a:fillRef>
-          <a:effectRef idx="0">
-            <a:schemeClr val="accent1"/>
-          </a:effectRef>
-          <a:fontRef idx="minor">
-            <a:schemeClr val="lt1"/>
-          </a:fontRef>
-        </p:style>
-        <p:txBody>
-          <a:bodyPr rtlCol="0" anchor="ctr"/>
-          <a:p>
-            <a:pPr algn="ctr"/>
-            <a:r>
-              <a:rPr lang="en-US" altLang="zh-CN"/>
-              <a:t>47</a:t>
-            </a:r>
-            <a:endParaRPr lang="en-US" altLang="zh-CN"/>
-          </a:p>
-        </p:txBody>
-      </p:sp>
-      <p:sp>
-        <p:nvSpPr>
-          <p:cNvPr id="10" name="圆角矩形 9"/>
-          <p:cNvSpPr/>
-          <p:nvPr/>
-        </p:nvSpPr>
-        <p:spPr>
-          <a:xfrm>
-            <a:off x="4135755" y="810895"/>
-            <a:ext cx="669290" cy="669290"/>
-          </a:xfrm>
-          <a:prstGeom prst="roundRect">
-            <a:avLst/>
-          </a:prstGeom>
-        </p:spPr>
-        <p:style>
-          <a:lnRef idx="2">
-            <a:schemeClr val="accent1">
-              <a:shade val="50000"/>
-            </a:schemeClr>
-          </a:lnRef>
-          <a:fillRef idx="1">
-            <a:schemeClr val="accent1"/>
-          </a:fillRef>
-          <a:effectRef idx="0">
-            <a:schemeClr val="accent1"/>
-          </a:effectRef>
-          <a:fontRef idx="minor">
-            <a:schemeClr val="lt1"/>
-          </a:fontRef>
-        </p:style>
-        <p:txBody>
-          <a:bodyPr rtlCol="0" anchor="ctr"/>
-          <a:p>
-            <a:pPr algn="ctr"/>
-            <a:r>
-              <a:rPr lang="en-US" altLang="zh-CN"/>
-              <a:t>10</a:t>
-            </a:r>
-            <a:endParaRPr lang="en-US" altLang="zh-CN"/>
-          </a:p>
-        </p:txBody>
-      </p:sp>
-      <p:sp>
-        <p:nvSpPr>
-          <p:cNvPr id="11" name="圆角矩形 10"/>
-          <p:cNvSpPr/>
-          <p:nvPr/>
-        </p:nvSpPr>
-        <p:spPr>
-          <a:xfrm>
-            <a:off x="7387590" y="810895"/>
-            <a:ext cx="669290" cy="669290"/>
-          </a:xfrm>
-          <a:prstGeom prst="roundRect">
-            <a:avLst/>
-          </a:prstGeom>
-        </p:spPr>
-        <p:style>
-          <a:lnRef idx="2">
-            <a:schemeClr val="accent1">
-              <a:shade val="50000"/>
-            </a:schemeClr>
-          </a:lnRef>
-          <a:fillRef idx="1">
-            <a:schemeClr val="accent1"/>
-          </a:fillRef>
-          <a:effectRef idx="0">
-            <a:schemeClr val="accent1"/>
-          </a:effectRef>
-          <a:fontRef idx="minor">
-            <a:schemeClr val="lt1"/>
-          </a:fontRef>
-        </p:style>
-        <p:txBody>
-          <a:bodyPr rtlCol="0" anchor="ctr"/>
-          <a:p>
-            <a:pPr algn="ctr"/>
-            <a:r>
-              <a:rPr lang="en-US" altLang="zh-CN"/>
-              <a:t>39</a:t>
-            </a:r>
-            <a:endParaRPr lang="en-US" altLang="zh-CN"/>
-          </a:p>
-        </p:txBody>
-      </p:sp>
-      <p:sp>
-        <p:nvSpPr>
-          <p:cNvPr id="12" name="圆角矩形 11"/>
-          <p:cNvSpPr/>
-          <p:nvPr/>
-        </p:nvSpPr>
-        <p:spPr>
-          <a:xfrm>
-            <a:off x="8471535" y="810895"/>
-            <a:ext cx="669290" cy="669290"/>
-          </a:xfrm>
-          <a:prstGeom prst="roundRect">
-            <a:avLst/>
-          </a:prstGeom>
-        </p:spPr>
-        <p:style>
-          <a:lnRef idx="2">
-            <a:schemeClr val="accent1">
-              <a:shade val="50000"/>
-            </a:schemeClr>
-          </a:lnRef>
-          <a:fillRef idx="1">
-            <a:schemeClr val="accent1"/>
-          </a:fillRef>
-          <a:effectRef idx="0">
-            <a:schemeClr val="accent1"/>
-          </a:effectRef>
-          <a:fontRef idx="minor">
-            <a:schemeClr val="lt1"/>
-          </a:fontRef>
-        </p:style>
-        <p:txBody>
-          <a:bodyPr rtlCol="0" anchor="ctr"/>
-          <a:p>
-            <a:pPr algn="ctr"/>
-            <a:r>
-              <a:rPr lang="en-US" altLang="zh-CN"/>
-              <a:t>35</a:t>
-            </a:r>
-            <a:endParaRPr lang="en-US" altLang="zh-CN"/>
-          </a:p>
-        </p:txBody>
-      </p:sp>
-      <p:sp>
-        <p:nvSpPr>
-          <p:cNvPr id="13" name="圆角矩形 12"/>
-          <p:cNvSpPr/>
-          <p:nvPr/>
-        </p:nvSpPr>
-        <p:spPr>
-          <a:xfrm>
-            <a:off x="5219700" y="810895"/>
-            <a:ext cx="669290" cy="669290"/>
-          </a:xfrm>
-          <a:prstGeom prst="roundRect">
-            <a:avLst/>
-          </a:prstGeom>
-        </p:spPr>
-        <p:style>
-          <a:lnRef idx="2">
-            <a:schemeClr val="accent1">
-              <a:shade val="50000"/>
-            </a:schemeClr>
-          </a:lnRef>
-          <a:fillRef idx="1">
-            <a:schemeClr val="accent1"/>
-          </a:fillRef>
-          <a:effectRef idx="0">
-            <a:schemeClr val="accent1"/>
-          </a:effectRef>
-          <a:fontRef idx="minor">
-            <a:schemeClr val="lt1"/>
-          </a:fontRef>
-        </p:style>
-        <p:txBody>
-          <a:bodyPr rtlCol="0" anchor="ctr"/>
-          <a:p>
-            <a:pPr algn="ctr"/>
-            <a:r>
-              <a:rPr lang="en-US" altLang="zh-CN"/>
-              <a:t>24</a:t>
-            </a:r>
-            <a:endParaRPr lang="en-US" altLang="zh-CN"/>
-          </a:p>
-        </p:txBody>
-      </p:sp>
-      <p:sp>
-        <p:nvSpPr>
-          <p:cNvPr id="14" name="圆角矩形 13"/>
-          <p:cNvSpPr/>
-          <p:nvPr/>
-        </p:nvSpPr>
-        <p:spPr>
-          <a:xfrm>
-            <a:off x="6303645" y="810895"/>
-            <a:ext cx="669290" cy="669290"/>
-          </a:xfrm>
-          <a:prstGeom prst="roundRect">
-            <a:avLst/>
-          </a:prstGeom>
-        </p:spPr>
-        <p:style>
-          <a:lnRef idx="2">
-            <a:schemeClr val="accent1">
-              <a:shade val="50000"/>
-            </a:schemeClr>
-          </a:lnRef>
-          <a:fillRef idx="1">
-            <a:schemeClr val="accent1"/>
-          </a:fillRef>
-          <a:effectRef idx="0">
-            <a:schemeClr val="accent1"/>
-          </a:effectRef>
-          <a:fontRef idx="minor">
-            <a:schemeClr val="lt1"/>
-          </a:fontRef>
-        </p:style>
-        <p:txBody>
-          <a:bodyPr rtlCol="0" anchor="ctr"/>
-          <a:p>
-            <a:pPr algn="ctr"/>
-            <a:r>
-              <a:rPr lang="en-US" altLang="zh-CN"/>
-              <a:t>50</a:t>
-            </a:r>
-            <a:endParaRPr lang="en-US" altLang="zh-CN"/>
-          </a:p>
-        </p:txBody>
-      </p:sp>
-      <p:sp>
-        <p:nvSpPr>
-          <p:cNvPr id="38" name="流程图: 磁盘 37"/>
-          <p:cNvSpPr/>
-          <p:nvPr/>
-        </p:nvSpPr>
-        <p:spPr>
-          <a:xfrm>
-            <a:off x="1866900" y="2459990"/>
-            <a:ext cx="797560" cy="1218565"/>
-          </a:xfrm>
-          <a:prstGeom prst="flowChartMagneticDisk">
-            <a:avLst/>
-          </a:prstGeom>
-        </p:spPr>
-        <p:style>
-          <a:lnRef idx="2">
-            <a:schemeClr val="accent3">
-              <a:shade val="50000"/>
-            </a:schemeClr>
-          </a:lnRef>
-          <a:fillRef idx="1">
-            <a:schemeClr val="accent3"/>
-          </a:fillRef>
-          <a:effectRef idx="0">
-            <a:schemeClr val="accent3"/>
-          </a:effectRef>
-          <a:fontRef idx="minor">
-            <a:schemeClr val="lt1"/>
-          </a:fontRef>
-        </p:style>
-        <p:txBody>
-          <a:bodyPr rtlCol="0" anchor="ctr"/>
-          <a:p>
-            <a:pPr algn="ctr"/>
-            <a:r>
-              <a:rPr lang="en-US" altLang="zh-CN">
-                <a:solidFill>
-                  <a:srgbClr val="FFFF00"/>
-                </a:solidFill>
-              </a:rPr>
-              <a:t>10</a:t>
-            </a:r>
-            <a:endParaRPr lang="en-US" altLang="zh-CN">
-              <a:solidFill>
-                <a:srgbClr val="FFFF00"/>
-              </a:solidFill>
-            </a:endParaRPr>
-          </a:p>
-          <a:p>
-            <a:pPr algn="ctr"/>
-            <a:r>
-              <a:rPr lang="en-US" altLang="zh-CN">
-                <a:solidFill>
-                  <a:srgbClr val="FFFF00"/>
-                </a:solidFill>
-              </a:rPr>
-              <a:t>14</a:t>
-            </a:r>
-            <a:endParaRPr lang="en-US" altLang="zh-CN">
-              <a:solidFill>
-                <a:srgbClr val="FFFF00"/>
-              </a:solidFill>
-            </a:endParaRPr>
-          </a:p>
-        </p:txBody>
-      </p:sp>
-      <p:sp>
-        <p:nvSpPr>
-          <p:cNvPr id="39" name="流程图: 磁盘 38"/>
-          <p:cNvSpPr/>
-          <p:nvPr/>
-        </p:nvSpPr>
-        <p:spPr>
-          <a:xfrm>
-            <a:off x="3399155" y="2459990"/>
-            <a:ext cx="797560" cy="1218565"/>
-          </a:xfrm>
-          <a:prstGeom prst="flowChartMagneticDisk">
-            <a:avLst/>
-          </a:prstGeom>
-        </p:spPr>
-        <p:style>
-          <a:lnRef idx="2">
-            <a:schemeClr val="accent3">
-              <a:shade val="50000"/>
-            </a:schemeClr>
-          </a:lnRef>
-          <a:fillRef idx="1">
-            <a:schemeClr val="accent3"/>
-          </a:fillRef>
-          <a:effectRef idx="0">
-            <a:schemeClr val="accent3"/>
-          </a:effectRef>
-          <a:fontRef idx="minor">
-            <a:schemeClr val="lt1"/>
-          </a:fontRef>
-        </p:style>
-        <p:txBody>
-          <a:bodyPr rtlCol="0" anchor="ctr"/>
-          <a:p>
-            <a:pPr algn="ctr"/>
-            <a:r>
-              <a:rPr lang="en-US" altLang="zh-CN">
-                <a:solidFill>
-                  <a:srgbClr val="FFFF00"/>
-                </a:solidFill>
-              </a:rPr>
-              <a:t>24</a:t>
-            </a:r>
-            <a:endParaRPr lang="en-US" altLang="zh-CN">
-              <a:solidFill>
-                <a:srgbClr val="FFFF00"/>
-              </a:solidFill>
-            </a:endParaRPr>
-          </a:p>
-        </p:txBody>
-      </p:sp>
-      <p:sp>
-        <p:nvSpPr>
-          <p:cNvPr id="40" name="流程图: 磁盘 39"/>
-          <p:cNvSpPr/>
-          <p:nvPr/>
-        </p:nvSpPr>
-        <p:spPr>
-          <a:xfrm>
-            <a:off x="4931410" y="2459990"/>
-            <a:ext cx="797560" cy="1218565"/>
-          </a:xfrm>
-          <a:prstGeom prst="flowChartMagneticDisk">
-            <a:avLst/>
-          </a:prstGeom>
-        </p:spPr>
-        <p:style>
-          <a:lnRef idx="2">
-            <a:schemeClr val="accent3">
-              <a:shade val="50000"/>
-            </a:schemeClr>
-          </a:lnRef>
-          <a:fillRef idx="1">
-            <a:schemeClr val="accent3"/>
-          </a:fillRef>
-          <a:effectRef idx="0">
-            <a:schemeClr val="accent3"/>
-          </a:effectRef>
-          <a:fontRef idx="minor">
-            <a:schemeClr val="lt1"/>
-          </a:fontRef>
-        </p:style>
-        <p:txBody>
-          <a:bodyPr rtlCol="0" anchor="ctr"/>
-          <a:p>
-            <a:pPr algn="ctr"/>
-            <a:r>
-              <a:rPr lang="en-US" altLang="zh-CN">
-                <a:solidFill>
-                  <a:srgbClr val="FFFF00"/>
-                </a:solidFill>
-              </a:rPr>
-              <a:t>28</a:t>
-            </a:r>
-            <a:endParaRPr lang="en-US" altLang="zh-CN">
-              <a:solidFill>
-                <a:srgbClr val="FFFF00"/>
-              </a:solidFill>
-            </a:endParaRPr>
-          </a:p>
-        </p:txBody>
-      </p:sp>
-      <p:sp>
-        <p:nvSpPr>
-          <p:cNvPr id="41" name="流程图: 磁盘 40"/>
-          <p:cNvSpPr/>
-          <p:nvPr/>
-        </p:nvSpPr>
-        <p:spPr>
-          <a:xfrm>
-            <a:off x="6463665" y="2459990"/>
-            <a:ext cx="797560" cy="1218565"/>
-          </a:xfrm>
-          <a:prstGeom prst="flowChartMagneticDisk">
-            <a:avLst/>
-          </a:prstGeom>
-        </p:spPr>
-        <p:style>
-          <a:lnRef idx="2">
-            <a:schemeClr val="accent3">
-              <a:shade val="50000"/>
-            </a:schemeClr>
-          </a:lnRef>
-          <a:fillRef idx="1">
-            <a:schemeClr val="accent3"/>
-          </a:fillRef>
-          <a:effectRef idx="0">
-            <a:schemeClr val="accent3"/>
-          </a:effectRef>
-          <a:fontRef idx="minor">
-            <a:schemeClr val="lt1"/>
-          </a:fontRef>
-        </p:style>
-        <p:txBody>
-          <a:bodyPr rtlCol="0" anchor="ctr"/>
-          <a:p>
-            <a:pPr algn="ctr"/>
-            <a:r>
-              <a:rPr lang="en-US" altLang="zh-CN">
-                <a:solidFill>
-                  <a:srgbClr val="FFFF00"/>
-                </a:solidFill>
-              </a:rPr>
-              <a:t>35</a:t>
-            </a:r>
-            <a:endParaRPr lang="en-US" altLang="zh-CN">
-              <a:solidFill>
-                <a:srgbClr val="FFFF00"/>
-              </a:solidFill>
-            </a:endParaRPr>
-          </a:p>
-          <a:p>
-            <a:pPr algn="ctr"/>
-            <a:r>
-              <a:rPr lang="en-US" altLang="zh-CN">
-                <a:solidFill>
-                  <a:srgbClr val="FFFF00"/>
-                </a:solidFill>
-              </a:rPr>
-              <a:t>39</a:t>
-            </a:r>
-            <a:endParaRPr lang="en-US" altLang="zh-CN">
-              <a:solidFill>
-                <a:srgbClr val="FFFF00"/>
-              </a:solidFill>
-            </a:endParaRPr>
-          </a:p>
-        </p:txBody>
-      </p:sp>
-      <p:sp>
-        <p:nvSpPr>
-          <p:cNvPr id="42" name="流程图: 磁盘 41"/>
-          <p:cNvSpPr/>
-          <p:nvPr/>
-        </p:nvSpPr>
-        <p:spPr>
-          <a:xfrm>
-            <a:off x="7995920" y="2456180"/>
-            <a:ext cx="797560" cy="1218565"/>
-          </a:xfrm>
-          <a:prstGeom prst="flowChartMagneticDisk">
-            <a:avLst/>
-          </a:prstGeom>
-        </p:spPr>
-        <p:style>
-          <a:lnRef idx="2">
-            <a:schemeClr val="accent3">
-              <a:shade val="50000"/>
-            </a:schemeClr>
-          </a:lnRef>
-          <a:fillRef idx="1">
-            <a:schemeClr val="accent3"/>
-          </a:fillRef>
-          <a:effectRef idx="0">
-            <a:schemeClr val="accent3"/>
-          </a:effectRef>
-          <a:fontRef idx="minor">
-            <a:schemeClr val="lt1"/>
-          </a:fontRef>
-        </p:style>
-        <p:txBody>
-          <a:bodyPr rtlCol="0" anchor="ctr"/>
-          <a:p>
-            <a:pPr algn="ctr"/>
-            <a:r>
-              <a:rPr lang="en-US" altLang="zh-CN">
-                <a:solidFill>
-                  <a:srgbClr val="FFFF00"/>
-                </a:solidFill>
-              </a:rPr>
-              <a:t>47</a:t>
-            </a:r>
-            <a:endParaRPr lang="en-US" altLang="zh-CN">
-              <a:solidFill>
-                <a:srgbClr val="FFFF00"/>
-              </a:solidFill>
-            </a:endParaRPr>
-          </a:p>
-        </p:txBody>
-      </p:sp>
-      <p:sp>
-        <p:nvSpPr>
-          <p:cNvPr id="43" name="流程图: 磁盘 42"/>
-          <p:cNvSpPr/>
-          <p:nvPr/>
-        </p:nvSpPr>
-        <p:spPr>
-          <a:xfrm>
-            <a:off x="9528175" y="2419350"/>
-            <a:ext cx="797560" cy="1218565"/>
-          </a:xfrm>
-          <a:prstGeom prst="flowChartMagneticDisk">
-            <a:avLst/>
-          </a:prstGeom>
-        </p:spPr>
-        <p:style>
-          <a:lnRef idx="2">
-            <a:schemeClr val="accent3">
-              <a:shade val="50000"/>
-            </a:schemeClr>
-          </a:lnRef>
-          <a:fillRef idx="1">
-            <a:schemeClr val="accent3"/>
-          </a:fillRef>
-          <a:effectRef idx="0">
-            <a:schemeClr val="accent3"/>
-          </a:effectRef>
-          <a:fontRef idx="minor">
-            <a:schemeClr val="lt1"/>
-          </a:fontRef>
-        </p:style>
-        <p:txBody>
-          <a:bodyPr rtlCol="0" anchor="ctr"/>
-          <a:p>
-            <a:pPr algn="ctr"/>
-            <a:r>
-              <a:rPr lang="en-US" altLang="zh-CN">
-                <a:solidFill>
-                  <a:srgbClr val="FFFF00"/>
-                </a:solidFill>
-              </a:rPr>
-              <a:t>50</a:t>
-            </a:r>
-            <a:endParaRPr lang="en-US" altLang="zh-CN">
-              <a:solidFill>
-                <a:srgbClr val="FFFF00"/>
-              </a:solidFill>
-            </a:endParaRPr>
-          </a:p>
-        </p:txBody>
-      </p:sp>
-      <p:sp>
-        <p:nvSpPr>
-          <p:cNvPr id="44" name="文本框 43"/>
-          <p:cNvSpPr txBox="1"/>
-          <p:nvPr/>
-        </p:nvSpPr>
-        <p:spPr>
-          <a:xfrm>
-            <a:off x="1784985" y="3956685"/>
-            <a:ext cx="961390" cy="368300"/>
-          </a:xfrm>
-          <a:prstGeom prst="rect">
-            <a:avLst/>
-          </a:prstGeom>
-          <a:noFill/>
-        </p:spPr>
-        <p:txBody>
-          <a:bodyPr wrap="square" rtlCol="0">
-            <a:spAutoFit/>
-          </a:bodyPr>
-          <a:p>
-            <a:pPr algn="ctr"/>
-            <a:r>
-              <a:rPr lang="en-US" altLang="zh-CN"/>
-              <a:t>[10,17]</a:t>
-            </a:r>
-            <a:endParaRPr lang="en-US" altLang="zh-CN"/>
-          </a:p>
-        </p:txBody>
-      </p:sp>
-      <p:sp>
-        <p:nvSpPr>
-          <p:cNvPr id="45" name="文本框 44"/>
-          <p:cNvSpPr txBox="1"/>
-          <p:nvPr/>
-        </p:nvSpPr>
-        <p:spPr>
-          <a:xfrm>
-            <a:off x="3317240" y="3956685"/>
-            <a:ext cx="961390" cy="368300"/>
-          </a:xfrm>
-          <a:prstGeom prst="rect">
-            <a:avLst/>
-          </a:prstGeom>
-          <a:noFill/>
-        </p:spPr>
-        <p:txBody>
-          <a:bodyPr wrap="square" rtlCol="0">
-            <a:spAutoFit/>
-          </a:bodyPr>
-          <a:p>
-            <a:pPr algn="ctr"/>
-            <a:r>
-              <a:rPr lang="en-US" altLang="zh-CN"/>
-              <a:t>[18,25]</a:t>
-            </a:r>
-            <a:endParaRPr lang="en-US" altLang="zh-CN"/>
-          </a:p>
-        </p:txBody>
-      </p:sp>
-      <p:sp>
-        <p:nvSpPr>
-          <p:cNvPr id="46" name="文本框 45"/>
-          <p:cNvSpPr txBox="1"/>
-          <p:nvPr/>
-        </p:nvSpPr>
-        <p:spPr>
-          <a:xfrm>
-            <a:off x="4849495" y="3956685"/>
-            <a:ext cx="961390" cy="368300"/>
-          </a:xfrm>
-          <a:prstGeom prst="rect">
-            <a:avLst/>
-          </a:prstGeom>
-          <a:noFill/>
-        </p:spPr>
-        <p:txBody>
-          <a:bodyPr wrap="square" rtlCol="0">
-            <a:spAutoFit/>
-          </a:bodyPr>
-          <a:p>
-            <a:pPr algn="ctr"/>
-            <a:r>
-              <a:rPr lang="en-US" altLang="zh-CN"/>
-              <a:t>[26,33]</a:t>
-            </a:r>
-            <a:endParaRPr lang="en-US" altLang="zh-CN"/>
-          </a:p>
-        </p:txBody>
-      </p:sp>
-      <p:sp>
-        <p:nvSpPr>
-          <p:cNvPr id="47" name="文本框 46"/>
-          <p:cNvSpPr txBox="1"/>
-          <p:nvPr/>
-        </p:nvSpPr>
-        <p:spPr>
-          <a:xfrm>
-            <a:off x="6381750" y="3956685"/>
-            <a:ext cx="961390" cy="368300"/>
-          </a:xfrm>
-          <a:prstGeom prst="rect">
-            <a:avLst/>
-          </a:prstGeom>
-          <a:noFill/>
-        </p:spPr>
-        <p:txBody>
-          <a:bodyPr wrap="square" rtlCol="0">
-            <a:spAutoFit/>
-          </a:bodyPr>
-          <a:p>
-            <a:pPr algn="ctr"/>
-            <a:r>
-              <a:rPr lang="en-US" altLang="zh-CN"/>
-              <a:t>[34,41]</a:t>
-            </a:r>
-            <a:endParaRPr lang="en-US" altLang="zh-CN"/>
-          </a:p>
-        </p:txBody>
-      </p:sp>
-      <p:sp>
-        <p:nvSpPr>
-          <p:cNvPr id="48" name="文本框 47"/>
-          <p:cNvSpPr txBox="1"/>
-          <p:nvPr/>
-        </p:nvSpPr>
-        <p:spPr>
-          <a:xfrm>
-            <a:off x="7914005" y="3956685"/>
-            <a:ext cx="961390" cy="368300"/>
-          </a:xfrm>
-          <a:prstGeom prst="rect">
-            <a:avLst/>
-          </a:prstGeom>
-          <a:noFill/>
-        </p:spPr>
-        <p:txBody>
-          <a:bodyPr wrap="square" rtlCol="0">
-            <a:spAutoFit/>
-          </a:bodyPr>
-          <a:p>
-            <a:pPr algn="ctr"/>
-            <a:r>
-              <a:rPr lang="en-US" altLang="zh-CN"/>
-              <a:t>[42,49]</a:t>
-            </a:r>
-            <a:endParaRPr lang="en-US" altLang="zh-CN"/>
-          </a:p>
-        </p:txBody>
-      </p:sp>
-      <p:sp>
-        <p:nvSpPr>
-          <p:cNvPr id="49" name="文本框 48"/>
-          <p:cNvSpPr txBox="1"/>
-          <p:nvPr/>
-        </p:nvSpPr>
-        <p:spPr>
-          <a:xfrm>
-            <a:off x="9446260" y="3956685"/>
-            <a:ext cx="961390" cy="368300"/>
-          </a:xfrm>
-          <a:prstGeom prst="rect">
-            <a:avLst/>
-          </a:prstGeom>
-          <a:noFill/>
-        </p:spPr>
-        <p:txBody>
-          <a:bodyPr wrap="square" rtlCol="0">
-            <a:spAutoFit/>
-          </a:bodyPr>
-          <a:p>
-            <a:pPr algn="ctr"/>
-            <a:r>
-              <a:rPr lang="en-US" altLang="zh-CN"/>
-              <a:t>[50,57]</a:t>
-            </a:r>
-            <a:endParaRPr lang="en-US" altLang="zh-CN"/>
-          </a:p>
-        </p:txBody>
-      </p:sp>
-      <p:sp>
-        <p:nvSpPr>
-          <p:cNvPr id="19" name="圆角矩形 18"/>
-          <p:cNvSpPr/>
-          <p:nvPr/>
-        </p:nvSpPr>
-        <p:spPr>
-          <a:xfrm>
-            <a:off x="1967865" y="5234305"/>
-            <a:ext cx="669290" cy="669290"/>
-          </a:xfrm>
-          <a:prstGeom prst="roundRect">
-            <a:avLst/>
-          </a:prstGeom>
-        </p:spPr>
-        <p:style>
-          <a:lnRef idx="2">
-            <a:schemeClr val="accent4">
-              <a:shade val="50000"/>
-            </a:schemeClr>
-          </a:lnRef>
-          <a:fillRef idx="1">
-            <a:schemeClr val="accent4"/>
-          </a:fillRef>
-          <a:effectRef idx="0">
-            <a:schemeClr val="accent4"/>
-          </a:effectRef>
-          <a:fontRef idx="minor">
-            <a:schemeClr val="lt1"/>
-          </a:fontRef>
-        </p:style>
-        <p:txBody>
-          <a:bodyPr rtlCol="0" anchor="ctr"/>
-          <a:p>
-            <a:pPr algn="ctr"/>
-            <a:r>
-              <a:rPr lang="en-US" altLang="zh-CN"/>
-              <a:t>10</a:t>
-            </a:r>
-            <a:endParaRPr lang="en-US" altLang="zh-CN"/>
-          </a:p>
-        </p:txBody>
-      </p:sp>
-      <p:sp>
-        <p:nvSpPr>
-          <p:cNvPr id="2" name="圆角矩形 1"/>
-          <p:cNvSpPr/>
-          <p:nvPr/>
-        </p:nvSpPr>
-        <p:spPr>
-          <a:xfrm>
-            <a:off x="3051810" y="5234305"/>
-            <a:ext cx="669290" cy="669290"/>
-          </a:xfrm>
-          <a:prstGeom prst="roundRect">
-            <a:avLst/>
-          </a:prstGeom>
-        </p:spPr>
-        <p:style>
-          <a:lnRef idx="2">
-            <a:schemeClr val="accent4">
-              <a:shade val="50000"/>
-            </a:schemeClr>
-          </a:lnRef>
-          <a:fillRef idx="1">
-            <a:schemeClr val="accent4"/>
-          </a:fillRef>
-          <a:effectRef idx="0">
-            <a:schemeClr val="accent4"/>
-          </a:effectRef>
-          <a:fontRef idx="minor">
-            <a:schemeClr val="lt1"/>
-          </a:fontRef>
-        </p:style>
-        <p:txBody>
-          <a:bodyPr rtlCol="0" anchor="ctr"/>
-          <a:p>
-            <a:pPr algn="ctr"/>
-            <a:r>
-              <a:rPr lang="en-US" altLang="zh-CN"/>
-              <a:t>14</a:t>
-            </a:r>
-            <a:endParaRPr lang="en-US" altLang="zh-CN"/>
-          </a:p>
-        </p:txBody>
-      </p:sp>
-      <p:sp>
-        <p:nvSpPr>
-          <p:cNvPr id="3" name="圆角矩形 2"/>
-          <p:cNvSpPr/>
-          <p:nvPr/>
-        </p:nvSpPr>
-        <p:spPr>
-          <a:xfrm>
-            <a:off x="4135755" y="5234305"/>
-            <a:ext cx="669290" cy="669290"/>
-          </a:xfrm>
-          <a:prstGeom prst="roundRect">
-            <a:avLst/>
-          </a:prstGeom>
-        </p:spPr>
-        <p:style>
-          <a:lnRef idx="2">
-            <a:schemeClr val="accent4">
-              <a:shade val="50000"/>
-            </a:schemeClr>
-          </a:lnRef>
-          <a:fillRef idx="1">
-            <a:schemeClr val="accent4"/>
-          </a:fillRef>
-          <a:effectRef idx="0">
-            <a:schemeClr val="accent4"/>
-          </a:effectRef>
-          <a:fontRef idx="minor">
-            <a:schemeClr val="lt1"/>
-          </a:fontRef>
-        </p:style>
-        <p:txBody>
-          <a:bodyPr rtlCol="0" anchor="ctr"/>
-          <a:p>
-            <a:pPr algn="ctr"/>
-            <a:r>
-              <a:rPr lang="en-US" altLang="zh-CN"/>
-              <a:t>24</a:t>
-            </a:r>
-            <a:endParaRPr lang="en-US" altLang="zh-CN"/>
-          </a:p>
-        </p:txBody>
-      </p:sp>
-      <p:sp>
-        <p:nvSpPr>
-          <p:cNvPr id="4" name="圆角矩形 3"/>
-          <p:cNvSpPr/>
-          <p:nvPr/>
-        </p:nvSpPr>
-        <p:spPr>
-          <a:xfrm>
-            <a:off x="5219700" y="5234305"/>
-            <a:ext cx="669290" cy="669290"/>
-          </a:xfrm>
-          <a:prstGeom prst="roundRect">
-            <a:avLst/>
-          </a:prstGeom>
-        </p:spPr>
-        <p:style>
-          <a:lnRef idx="2">
-            <a:schemeClr val="accent4">
-              <a:shade val="50000"/>
-            </a:schemeClr>
-          </a:lnRef>
-          <a:fillRef idx="1">
-            <a:schemeClr val="accent4"/>
-          </a:fillRef>
-          <a:effectRef idx="0">
-            <a:schemeClr val="accent4"/>
-          </a:effectRef>
-          <a:fontRef idx="minor">
-            <a:schemeClr val="lt1"/>
-          </a:fontRef>
-        </p:style>
-        <p:txBody>
-          <a:bodyPr rtlCol="0" anchor="ctr"/>
-          <a:p>
-            <a:pPr algn="ctr"/>
-            <a:r>
-              <a:rPr lang="en-US" altLang="zh-CN"/>
-              <a:t>28</a:t>
-            </a:r>
-            <a:endParaRPr lang="en-US" altLang="zh-CN"/>
-          </a:p>
-        </p:txBody>
-      </p:sp>
-      <p:sp>
-        <p:nvSpPr>
-          <p:cNvPr id="5" name="圆角矩形 4"/>
-          <p:cNvSpPr/>
-          <p:nvPr/>
-        </p:nvSpPr>
-        <p:spPr>
-          <a:xfrm>
-            <a:off x="6303645" y="5234305"/>
-            <a:ext cx="669290" cy="669290"/>
-          </a:xfrm>
-          <a:prstGeom prst="roundRect">
-            <a:avLst/>
-          </a:prstGeom>
-        </p:spPr>
-        <p:style>
-          <a:lnRef idx="2">
-            <a:schemeClr val="accent4">
-              <a:shade val="50000"/>
-            </a:schemeClr>
-          </a:lnRef>
-          <a:fillRef idx="1">
-            <a:schemeClr val="accent4"/>
-          </a:fillRef>
-          <a:effectRef idx="0">
-            <a:schemeClr val="accent4"/>
-          </a:effectRef>
-          <a:fontRef idx="minor">
-            <a:schemeClr val="lt1"/>
-          </a:fontRef>
-        </p:style>
-        <p:txBody>
-          <a:bodyPr rtlCol="0" anchor="ctr"/>
-          <a:p>
-            <a:pPr algn="ctr"/>
-            <a:r>
-              <a:rPr lang="en-US" altLang="zh-CN"/>
-              <a:t>35</a:t>
-            </a:r>
-            <a:endParaRPr lang="en-US" altLang="zh-CN"/>
-          </a:p>
-        </p:txBody>
-      </p:sp>
-      <p:sp>
-        <p:nvSpPr>
-          <p:cNvPr id="7" name="圆角矩形 6"/>
-          <p:cNvSpPr/>
-          <p:nvPr/>
-        </p:nvSpPr>
-        <p:spPr>
-          <a:xfrm>
-            <a:off x="6527800" y="2968625"/>
-            <a:ext cx="669290" cy="669290"/>
-          </a:xfrm>
-          <a:prstGeom prst="roundRect">
-            <a:avLst/>
-          </a:prstGeom>
-        </p:spPr>
-        <p:style>
-          <a:lnRef idx="2">
-            <a:schemeClr val="accent4">
-              <a:shade val="50000"/>
-            </a:schemeClr>
-          </a:lnRef>
-          <a:fillRef idx="1">
-            <a:schemeClr val="accent4"/>
-          </a:fillRef>
-          <a:effectRef idx="0">
-            <a:schemeClr val="accent4"/>
-          </a:effectRef>
-          <a:fontRef idx="minor">
-            <a:schemeClr val="lt1"/>
-          </a:fontRef>
-        </p:style>
-        <p:txBody>
-          <a:bodyPr rtlCol="0" anchor="ctr"/>
-          <a:p>
-            <a:pPr algn="ctr"/>
-            <a:r>
-              <a:rPr lang="en-US" altLang="zh-CN"/>
-              <a:t>39</a:t>
-            </a:r>
-            <a:endParaRPr lang="en-US" altLang="zh-CN"/>
-          </a:p>
-        </p:txBody>
-      </p:sp>
-    </p:spTree>
-    <p:custDataLst>
-      <p:tags r:id="rId1"/>
-    </p:custDataLst>
-  </p:cSld>
-  <p:clrMapOvr>
-    <a:masterClrMapping/>
-  </p:clrMapOvr>
-  <mc:AlternateContent xmlns:mc="http://schemas.openxmlformats.org/markup-compatibility/2006" xmlns:p159="http://schemas.microsoft.com/office/powerpoint/2015/09/main">
-    <mc:Choice Requires="p159">
-      <p:transition xmlns:p14="http://schemas.microsoft.com/office/powerpoint/2010/main" p14:dur="500">
-        <p159:morph option="byObject"/>
-      </p:transition>
-    </mc:Choice>
-    <mc:Fallback>
-      <p:transition>
-        <p:fade/>
-      </p:transition>
-    </mc:Fallback>
-  </mc:AlternateContent>
-  <p:timing>
-    <p:tnLst>
-      <p:par>
-        <p:cTn id="1" dur="indefinite" restart="never" nodeType="tmRoot">
-          <p:childTnLst>
-            <p:seq concurrent="1" nextAc="seek">
-              <p:cTn id="2" dur="indefinite" nodeType="mainSeq">
-                <p:childTnLst>
-                  <p:par>
-                    <p:cTn id="3" fill="hold">
-                      <p:stCondLst>
-                        <p:cond delay="indefinite"/>
-                      </p:stCondLst>
-                      <p:childTnLst>
-                        <p:par>
-                          <p:cTn id="4" fill="hold">
-                            <p:stCondLst>
-                              <p:cond delay="0"/>
-                            </p:stCondLst>
-                            <p:childTnLst>
-                              <p:par>
-                                <p:cTn id="5" presetID="1" presetClass="entr" presetSubtype="0" fill="hold" grpId="0" nodeType="clickEffect">
-                                  <p:stCondLst>
-                                    <p:cond delay="0"/>
-                                  </p:stCondLst>
-                                  <p:childTnLst>
-                                    <p:set>
-                                      <p:cBhvr>
-                                        <p:cTn id="6" dur="1" fill="hold">
-                                          <p:stCondLst>
-                                            <p:cond delay="0"/>
-                                          </p:stCondLst>
-                                        </p:cTn>
-                                        <p:tgtEl>
-                                          <p:spTgt spid="7"/>
-                                        </p:tgtEl>
-                                        <p:attrNameLst>
-                                          <p:attrName>style.visibility</p:attrName>
-                                        </p:attrNameLst>
-                                      </p:cBhvr>
-                                      <p:to>
-                                        <p:strVal val="visible"/>
-                                      </p:to>
-                                    </p:set>
-                                  </p:childTnLst>
-                                </p:cTn>
-                              </p:par>
-                            </p:childTnLst>
-                          </p:cTn>
-                        </p:par>
-                      </p:childTnLst>
-                    </p:cTn>
-                  </p:par>
-                </p:childTnLst>
-              </p:cTn>
-              <p:prevCondLst>
-                <p:cond evt="onPrev" delay="0">
-                  <p:tgtEl>
-                    <p:sldTgt/>
-                  </p:tgtEl>
-                </p:cond>
-              </p:prevCondLst>
-              <p:nextCondLst>
-                <p:cond evt="onNext" delay="0">
-                  <p:tgtEl>
-                    <p:sldTgt/>
-                  </p:tgtEl>
-                </p:cond>
-              </p:nextCondLst>
-            </p:seq>
-          </p:childTnLst>
-        </p:cTn>
-      </p:par>
-    </p:tnLst>
-    <p:bldLst>
-      <p:bldP spid="7" grpId="0" bldLvl="0" animBg="1"/>
-    </p:bldLst>
-  </p:timing>
-</p:sld>
-</file>
-
-<file path=ppt/slides/slide9.xml><?xml version="1.0" encoding="utf-8"?>
-<p:sld xmlns:a="http://schemas.openxmlformats.org/drawingml/2006/main" xmlns:r="http://schemas.openxmlformats.org/officeDocument/2006/relationships" xmlns:p="http://schemas.openxmlformats.org/presentationml/2006/main">
-  <p:cSld>
-    <p:spTree>
-      <p:nvGrpSpPr>
-        <p:cNvPr id="1" name=""/>
-        <p:cNvGrpSpPr/>
-        <p:nvPr/>
-      </p:nvGrpSpPr>
-      <p:grpSpPr>
-        <a:xfrm>
-          <a:off x="0" y="0"/>
-          <a:ext cx="0" cy="0"/>
-          <a:chOff x="0" y="0"/>
-          <a:chExt cx="0" cy="0"/>
-        </a:xfrm>
-      </p:grpSpPr>
-      <p:sp>
-        <p:nvSpPr>
-          <p:cNvPr id="6" name="圆角矩形 5"/>
-          <p:cNvSpPr/>
-          <p:nvPr/>
-        </p:nvSpPr>
-        <p:spPr>
-          <a:xfrm>
-            <a:off x="1967865" y="810895"/>
-            <a:ext cx="669290" cy="669290"/>
-          </a:xfrm>
-          <a:prstGeom prst="roundRect">
-            <a:avLst/>
-          </a:prstGeom>
-        </p:spPr>
-        <p:style>
-          <a:lnRef idx="2">
-            <a:schemeClr val="accent1">
-              <a:shade val="50000"/>
-            </a:schemeClr>
-          </a:lnRef>
-          <a:fillRef idx="1">
-            <a:schemeClr val="accent1"/>
-          </a:fillRef>
-          <a:effectRef idx="0">
-            <a:schemeClr val="accent1"/>
-          </a:effectRef>
-          <a:fontRef idx="minor">
-            <a:schemeClr val="lt1"/>
-          </a:fontRef>
-        </p:style>
-        <p:txBody>
-          <a:bodyPr rtlCol="0" anchor="ctr"/>
-          <a:p>
-            <a:pPr algn="ctr"/>
-            <a:r>
-              <a:rPr lang="en-US" altLang="zh-CN"/>
-              <a:t>14</a:t>
-            </a:r>
-            <a:endParaRPr lang="en-US" altLang="zh-CN"/>
-          </a:p>
-        </p:txBody>
-      </p:sp>
-      <p:sp>
-        <p:nvSpPr>
-          <p:cNvPr id="8" name="圆角矩形 7"/>
-          <p:cNvSpPr/>
-          <p:nvPr/>
-        </p:nvSpPr>
-        <p:spPr>
-          <a:xfrm>
-            <a:off x="3051810" y="810895"/>
-            <a:ext cx="669290" cy="669290"/>
-          </a:xfrm>
-          <a:prstGeom prst="roundRect">
-            <a:avLst/>
-          </a:prstGeom>
-        </p:spPr>
-        <p:style>
-          <a:lnRef idx="2">
-            <a:schemeClr val="accent1">
-              <a:shade val="50000"/>
-            </a:schemeClr>
-          </a:lnRef>
-          <a:fillRef idx="1">
-            <a:schemeClr val="accent1"/>
-          </a:fillRef>
-          <a:effectRef idx="0">
-            <a:schemeClr val="accent1"/>
-          </a:effectRef>
-          <a:fontRef idx="minor">
-            <a:schemeClr val="lt1"/>
-          </a:fontRef>
-        </p:style>
-        <p:txBody>
-          <a:bodyPr rtlCol="0" anchor="ctr"/>
-          <a:p>
-            <a:pPr algn="ctr"/>
-            <a:r>
-              <a:rPr lang="en-US" altLang="zh-CN"/>
-              <a:t>28</a:t>
-            </a:r>
-            <a:endParaRPr lang="en-US" altLang="zh-CN"/>
-          </a:p>
-        </p:txBody>
-      </p:sp>
-      <p:sp>
-        <p:nvSpPr>
-          <p:cNvPr id="9" name="圆角矩形 8"/>
-          <p:cNvSpPr/>
-          <p:nvPr/>
-        </p:nvSpPr>
-        <p:spPr>
-          <a:xfrm>
-            <a:off x="9555480" y="810895"/>
-            <a:ext cx="669290" cy="669290"/>
-          </a:xfrm>
-          <a:prstGeom prst="roundRect">
-            <a:avLst/>
-          </a:prstGeom>
-        </p:spPr>
-        <p:style>
-          <a:lnRef idx="2">
-            <a:schemeClr val="accent1">
-              <a:shade val="50000"/>
-            </a:schemeClr>
-          </a:lnRef>
-          <a:fillRef idx="1">
-            <a:schemeClr val="accent1"/>
-          </a:fillRef>
-          <a:effectRef idx="0">
-            <a:schemeClr val="accent1"/>
-          </a:effectRef>
-          <a:fontRef idx="minor">
-            <a:schemeClr val="lt1"/>
-          </a:fontRef>
-        </p:style>
-        <p:txBody>
-          <a:bodyPr rtlCol="0" anchor="ctr"/>
-          <a:p>
-            <a:pPr algn="ctr"/>
-            <a:r>
-              <a:rPr lang="en-US" altLang="zh-CN"/>
-              <a:t>47</a:t>
-            </a:r>
-            <a:endParaRPr lang="en-US" altLang="zh-CN"/>
-          </a:p>
-        </p:txBody>
-      </p:sp>
-      <p:sp>
-        <p:nvSpPr>
-          <p:cNvPr id="10" name="圆角矩形 9"/>
-          <p:cNvSpPr/>
-          <p:nvPr/>
-        </p:nvSpPr>
-        <p:spPr>
-          <a:xfrm>
-            <a:off x="4135755" y="810895"/>
-            <a:ext cx="669290" cy="669290"/>
-          </a:xfrm>
-          <a:prstGeom prst="roundRect">
-            <a:avLst/>
-          </a:prstGeom>
-        </p:spPr>
-        <p:style>
-          <a:lnRef idx="2">
-            <a:schemeClr val="accent1">
-              <a:shade val="50000"/>
-            </a:schemeClr>
-          </a:lnRef>
-          <a:fillRef idx="1">
-            <a:schemeClr val="accent1"/>
-          </a:fillRef>
-          <a:effectRef idx="0">
-            <a:schemeClr val="accent1"/>
-          </a:effectRef>
-          <a:fontRef idx="minor">
-            <a:schemeClr val="lt1"/>
-          </a:fontRef>
-        </p:style>
-        <p:txBody>
-          <a:bodyPr rtlCol="0" anchor="ctr"/>
-          <a:p>
-            <a:pPr algn="ctr"/>
-            <a:r>
-              <a:rPr lang="en-US" altLang="zh-CN"/>
-              <a:t>10</a:t>
-            </a:r>
-            <a:endParaRPr lang="en-US" altLang="zh-CN"/>
-          </a:p>
-        </p:txBody>
-      </p:sp>
-      <p:sp>
-        <p:nvSpPr>
-          <p:cNvPr id="11" name="圆角矩形 10"/>
-          <p:cNvSpPr/>
-          <p:nvPr/>
-        </p:nvSpPr>
-        <p:spPr>
-          <a:xfrm>
-            <a:off x="7387590" y="810895"/>
-            <a:ext cx="669290" cy="669290"/>
-          </a:xfrm>
-          <a:prstGeom prst="roundRect">
-            <a:avLst/>
-          </a:prstGeom>
-        </p:spPr>
-        <p:style>
-          <a:lnRef idx="2">
-            <a:schemeClr val="accent1">
-              <a:shade val="50000"/>
-            </a:schemeClr>
-          </a:lnRef>
-          <a:fillRef idx="1">
-            <a:schemeClr val="accent1"/>
-          </a:fillRef>
-          <a:effectRef idx="0">
-            <a:schemeClr val="accent1"/>
-          </a:effectRef>
-          <a:fontRef idx="minor">
-            <a:schemeClr val="lt1"/>
-          </a:fontRef>
-        </p:style>
-        <p:txBody>
-          <a:bodyPr rtlCol="0" anchor="ctr"/>
-          <a:p>
-            <a:pPr algn="ctr"/>
-            <a:r>
-              <a:rPr lang="en-US" altLang="zh-CN"/>
-              <a:t>39</a:t>
-            </a:r>
-            <a:endParaRPr lang="en-US" altLang="zh-CN"/>
-          </a:p>
-        </p:txBody>
-      </p:sp>
-      <p:sp>
-        <p:nvSpPr>
-          <p:cNvPr id="12" name="圆角矩形 11"/>
-          <p:cNvSpPr/>
-          <p:nvPr/>
-        </p:nvSpPr>
-        <p:spPr>
-          <a:xfrm>
-            <a:off x="8471535" y="810895"/>
-            <a:ext cx="669290" cy="669290"/>
-          </a:xfrm>
-          <a:prstGeom prst="roundRect">
-            <a:avLst/>
-          </a:prstGeom>
-        </p:spPr>
-        <p:style>
-          <a:lnRef idx="2">
-            <a:schemeClr val="accent1">
-              <a:shade val="50000"/>
-            </a:schemeClr>
-          </a:lnRef>
-          <a:fillRef idx="1">
-            <a:schemeClr val="accent1"/>
-          </a:fillRef>
-          <a:effectRef idx="0">
-            <a:schemeClr val="accent1"/>
-          </a:effectRef>
-          <a:fontRef idx="minor">
-            <a:schemeClr val="lt1"/>
-          </a:fontRef>
-        </p:style>
-        <p:txBody>
-          <a:bodyPr rtlCol="0" anchor="ctr"/>
-          <a:p>
-            <a:pPr algn="ctr"/>
-            <a:r>
-              <a:rPr lang="en-US" altLang="zh-CN"/>
-              <a:t>35</a:t>
-            </a:r>
-            <a:endParaRPr lang="en-US" altLang="zh-CN"/>
-          </a:p>
-        </p:txBody>
-      </p:sp>
-      <p:sp>
-        <p:nvSpPr>
-          <p:cNvPr id="13" name="圆角矩形 12"/>
-          <p:cNvSpPr/>
-          <p:nvPr/>
-        </p:nvSpPr>
-        <p:spPr>
-          <a:xfrm>
-            <a:off x="5219700" y="810895"/>
-            <a:ext cx="669290" cy="669290"/>
-          </a:xfrm>
-          <a:prstGeom prst="roundRect">
-            <a:avLst/>
-          </a:prstGeom>
-        </p:spPr>
-        <p:style>
-          <a:lnRef idx="2">
-            <a:schemeClr val="accent1">
-              <a:shade val="50000"/>
-            </a:schemeClr>
-          </a:lnRef>
-          <a:fillRef idx="1">
-            <a:schemeClr val="accent1"/>
-          </a:fillRef>
-          <a:effectRef idx="0">
-            <a:schemeClr val="accent1"/>
-          </a:effectRef>
-          <a:fontRef idx="minor">
-            <a:schemeClr val="lt1"/>
-          </a:fontRef>
-        </p:style>
-        <p:txBody>
-          <a:bodyPr rtlCol="0" anchor="ctr"/>
-          <a:p>
-            <a:pPr algn="ctr"/>
-            <a:r>
-              <a:rPr lang="en-US" altLang="zh-CN"/>
-              <a:t>24</a:t>
-            </a:r>
-            <a:endParaRPr lang="en-US" altLang="zh-CN"/>
-          </a:p>
-        </p:txBody>
-      </p:sp>
-      <p:sp>
-        <p:nvSpPr>
-          <p:cNvPr id="14" name="圆角矩形 13"/>
-          <p:cNvSpPr/>
-          <p:nvPr/>
-        </p:nvSpPr>
-        <p:spPr>
-          <a:xfrm>
-            <a:off x="6303645" y="810895"/>
-            <a:ext cx="669290" cy="669290"/>
-          </a:xfrm>
-          <a:prstGeom prst="roundRect">
-            <a:avLst/>
-          </a:prstGeom>
-        </p:spPr>
-        <p:style>
-          <a:lnRef idx="2">
-            <a:schemeClr val="accent1">
-              <a:shade val="50000"/>
-            </a:schemeClr>
-          </a:lnRef>
-          <a:fillRef idx="1">
-            <a:schemeClr val="accent1"/>
-          </a:fillRef>
-          <a:effectRef idx="0">
-            <a:schemeClr val="accent1"/>
-          </a:effectRef>
-          <a:fontRef idx="minor">
-            <a:schemeClr val="lt1"/>
-          </a:fontRef>
-        </p:style>
-        <p:txBody>
-          <a:bodyPr rtlCol="0" anchor="ctr"/>
-          <a:p>
-            <a:pPr algn="ctr"/>
-            <a:r>
-              <a:rPr lang="en-US" altLang="zh-CN"/>
-              <a:t>50</a:t>
-            </a:r>
-            <a:endParaRPr lang="en-US" altLang="zh-CN"/>
-          </a:p>
-        </p:txBody>
-      </p:sp>
-      <p:sp>
-        <p:nvSpPr>
-          <p:cNvPr id="38" name="流程图: 磁盘 37"/>
-          <p:cNvSpPr/>
-          <p:nvPr/>
-        </p:nvSpPr>
-        <p:spPr>
-          <a:xfrm>
-            <a:off x="1866900" y="2459990"/>
-            <a:ext cx="797560" cy="1218565"/>
-          </a:xfrm>
-          <a:prstGeom prst="flowChartMagneticDisk">
-            <a:avLst/>
-          </a:prstGeom>
-        </p:spPr>
-        <p:style>
-          <a:lnRef idx="2">
-            <a:schemeClr val="accent3">
-              <a:shade val="50000"/>
-            </a:schemeClr>
-          </a:lnRef>
-          <a:fillRef idx="1">
-            <a:schemeClr val="accent3"/>
-          </a:fillRef>
-          <a:effectRef idx="0">
-            <a:schemeClr val="accent3"/>
-          </a:effectRef>
-          <a:fontRef idx="minor">
-            <a:schemeClr val="lt1"/>
-          </a:fontRef>
-        </p:style>
-        <p:txBody>
-          <a:bodyPr rtlCol="0" anchor="ctr"/>
-          <a:p>
-            <a:pPr algn="ctr"/>
-            <a:r>
-              <a:rPr lang="en-US" altLang="zh-CN">
-                <a:solidFill>
-                  <a:srgbClr val="FFFF00"/>
-                </a:solidFill>
-              </a:rPr>
-              <a:t>10</a:t>
-            </a:r>
-            <a:endParaRPr lang="en-US" altLang="zh-CN">
-              <a:solidFill>
-                <a:srgbClr val="FFFF00"/>
-              </a:solidFill>
-            </a:endParaRPr>
-          </a:p>
-          <a:p>
-            <a:pPr algn="ctr"/>
-            <a:r>
-              <a:rPr lang="en-US" altLang="zh-CN">
-                <a:solidFill>
-                  <a:srgbClr val="FFFF00"/>
-                </a:solidFill>
-              </a:rPr>
-              <a:t>14</a:t>
-            </a:r>
-            <a:endParaRPr lang="en-US" altLang="zh-CN">
-              <a:solidFill>
-                <a:srgbClr val="FFFF00"/>
-              </a:solidFill>
-            </a:endParaRPr>
-          </a:p>
-        </p:txBody>
-      </p:sp>
-      <p:sp>
-        <p:nvSpPr>
-          <p:cNvPr id="39" name="流程图: 磁盘 38"/>
-          <p:cNvSpPr/>
-          <p:nvPr/>
-        </p:nvSpPr>
-        <p:spPr>
-          <a:xfrm>
-            <a:off x="3399155" y="2459990"/>
-            <a:ext cx="797560" cy="1218565"/>
-          </a:xfrm>
-          <a:prstGeom prst="flowChartMagneticDisk">
-            <a:avLst/>
-          </a:prstGeom>
-        </p:spPr>
-        <p:style>
-          <a:lnRef idx="2">
-            <a:schemeClr val="accent3">
-              <a:shade val="50000"/>
-            </a:schemeClr>
-          </a:lnRef>
-          <a:fillRef idx="1">
-            <a:schemeClr val="accent3"/>
-          </a:fillRef>
-          <a:effectRef idx="0">
-            <a:schemeClr val="accent3"/>
-          </a:effectRef>
-          <a:fontRef idx="minor">
-            <a:schemeClr val="lt1"/>
-          </a:fontRef>
-        </p:style>
-        <p:txBody>
-          <a:bodyPr rtlCol="0" anchor="ctr"/>
-          <a:p>
-            <a:pPr algn="ctr"/>
-            <a:r>
-              <a:rPr lang="en-US" altLang="zh-CN">
-                <a:solidFill>
-                  <a:srgbClr val="FFFF00"/>
-                </a:solidFill>
-              </a:rPr>
-              <a:t>24</a:t>
-            </a:r>
-            <a:endParaRPr lang="en-US" altLang="zh-CN">
-              <a:solidFill>
-                <a:srgbClr val="FFFF00"/>
-              </a:solidFill>
-            </a:endParaRPr>
-          </a:p>
-        </p:txBody>
-      </p:sp>
-      <p:sp>
-        <p:nvSpPr>
-          <p:cNvPr id="40" name="流程图: 磁盘 39"/>
-          <p:cNvSpPr/>
-          <p:nvPr/>
-        </p:nvSpPr>
-        <p:spPr>
-          <a:xfrm>
-            <a:off x="4931410" y="2459990"/>
-            <a:ext cx="797560" cy="1218565"/>
-          </a:xfrm>
-          <a:prstGeom prst="flowChartMagneticDisk">
-            <a:avLst/>
-          </a:prstGeom>
-        </p:spPr>
-        <p:style>
-          <a:lnRef idx="2">
-            <a:schemeClr val="accent3">
-              <a:shade val="50000"/>
-            </a:schemeClr>
-          </a:lnRef>
-          <a:fillRef idx="1">
-            <a:schemeClr val="accent3"/>
-          </a:fillRef>
-          <a:effectRef idx="0">
-            <a:schemeClr val="accent3"/>
-          </a:effectRef>
-          <a:fontRef idx="minor">
-            <a:schemeClr val="lt1"/>
-          </a:fontRef>
-        </p:style>
-        <p:txBody>
-          <a:bodyPr rtlCol="0" anchor="ctr"/>
-          <a:p>
-            <a:pPr algn="ctr"/>
-            <a:r>
-              <a:rPr lang="en-US" altLang="zh-CN">
-                <a:solidFill>
-                  <a:srgbClr val="FFFF00"/>
-                </a:solidFill>
-              </a:rPr>
-              <a:t>28</a:t>
-            </a:r>
-            <a:endParaRPr lang="en-US" altLang="zh-CN">
-              <a:solidFill>
-                <a:srgbClr val="FFFF00"/>
-              </a:solidFill>
-            </a:endParaRPr>
-          </a:p>
-        </p:txBody>
-      </p:sp>
-      <p:sp>
-        <p:nvSpPr>
-          <p:cNvPr id="41" name="流程图: 磁盘 40"/>
-          <p:cNvSpPr/>
-          <p:nvPr/>
-        </p:nvSpPr>
-        <p:spPr>
-          <a:xfrm>
-            <a:off x="6463665" y="2459990"/>
-            <a:ext cx="797560" cy="1218565"/>
-          </a:xfrm>
-          <a:prstGeom prst="flowChartMagneticDisk">
-            <a:avLst/>
-          </a:prstGeom>
-        </p:spPr>
-        <p:style>
-          <a:lnRef idx="2">
-            <a:schemeClr val="accent3">
-              <a:shade val="50000"/>
-            </a:schemeClr>
-          </a:lnRef>
-          <a:fillRef idx="1">
-            <a:schemeClr val="accent3"/>
-          </a:fillRef>
-          <a:effectRef idx="0">
-            <a:schemeClr val="accent3"/>
-          </a:effectRef>
-          <a:fontRef idx="minor">
-            <a:schemeClr val="lt1"/>
-          </a:fontRef>
-        </p:style>
-        <p:txBody>
-          <a:bodyPr rtlCol="0" anchor="ctr"/>
-          <a:p>
-            <a:pPr algn="ctr"/>
-            <a:r>
-              <a:rPr lang="en-US" altLang="zh-CN">
-                <a:solidFill>
-                  <a:srgbClr val="FFFF00"/>
-                </a:solidFill>
-              </a:rPr>
-              <a:t>35</a:t>
-            </a:r>
-            <a:endParaRPr lang="en-US" altLang="zh-CN">
-              <a:solidFill>
-                <a:srgbClr val="FFFF00"/>
-              </a:solidFill>
-            </a:endParaRPr>
-          </a:p>
-          <a:p>
-            <a:pPr algn="ctr"/>
-            <a:r>
-              <a:rPr lang="en-US" altLang="zh-CN">
-                <a:solidFill>
-                  <a:srgbClr val="FFFF00"/>
-                </a:solidFill>
-              </a:rPr>
-              <a:t>39</a:t>
-            </a:r>
-            <a:endParaRPr lang="en-US" altLang="zh-CN">
-              <a:solidFill>
-                <a:srgbClr val="FFFF00"/>
-              </a:solidFill>
-            </a:endParaRPr>
-          </a:p>
-        </p:txBody>
-      </p:sp>
-      <p:sp>
-        <p:nvSpPr>
-          <p:cNvPr id="42" name="流程图: 磁盘 41"/>
-          <p:cNvSpPr/>
-          <p:nvPr/>
-        </p:nvSpPr>
-        <p:spPr>
-          <a:xfrm>
-            <a:off x="7995920" y="2456180"/>
-            <a:ext cx="797560" cy="1218565"/>
-          </a:xfrm>
-          <a:prstGeom prst="flowChartMagneticDisk">
-            <a:avLst/>
-          </a:prstGeom>
-        </p:spPr>
-        <p:style>
-          <a:lnRef idx="2">
-            <a:schemeClr val="accent3">
-              <a:shade val="50000"/>
-            </a:schemeClr>
-          </a:lnRef>
-          <a:fillRef idx="1">
-            <a:schemeClr val="accent3"/>
-          </a:fillRef>
-          <a:effectRef idx="0">
-            <a:schemeClr val="accent3"/>
-          </a:effectRef>
-          <a:fontRef idx="minor">
-            <a:schemeClr val="lt1"/>
-          </a:fontRef>
-        </p:style>
-        <p:txBody>
-          <a:bodyPr rtlCol="0" anchor="ctr"/>
-          <a:p>
-            <a:pPr algn="ctr"/>
-            <a:r>
-              <a:rPr lang="en-US" altLang="zh-CN">
-                <a:solidFill>
-                  <a:srgbClr val="FFFF00"/>
-                </a:solidFill>
-              </a:rPr>
-              <a:t>47</a:t>
-            </a:r>
-            <a:endParaRPr lang="en-US" altLang="zh-CN">
-              <a:solidFill>
-                <a:srgbClr val="FFFF00"/>
-              </a:solidFill>
-            </a:endParaRPr>
-          </a:p>
-        </p:txBody>
-      </p:sp>
-      <p:sp>
-        <p:nvSpPr>
-          <p:cNvPr id="43" name="流程图: 磁盘 42"/>
-          <p:cNvSpPr/>
-          <p:nvPr/>
-        </p:nvSpPr>
-        <p:spPr>
-          <a:xfrm>
-            <a:off x="9528175" y="2419350"/>
-            <a:ext cx="797560" cy="1218565"/>
-          </a:xfrm>
-          <a:prstGeom prst="flowChartMagneticDisk">
-            <a:avLst/>
-          </a:prstGeom>
-        </p:spPr>
-        <p:style>
-          <a:lnRef idx="2">
-            <a:schemeClr val="accent3">
-              <a:shade val="50000"/>
-            </a:schemeClr>
-          </a:lnRef>
-          <a:fillRef idx="1">
-            <a:schemeClr val="accent3"/>
-          </a:fillRef>
-          <a:effectRef idx="0">
-            <a:schemeClr val="accent3"/>
-          </a:effectRef>
-          <a:fontRef idx="minor">
-            <a:schemeClr val="lt1"/>
-          </a:fontRef>
-        </p:style>
-        <p:txBody>
-          <a:bodyPr rtlCol="0" anchor="ctr"/>
-          <a:p>
-            <a:pPr algn="ctr"/>
-            <a:r>
-              <a:rPr lang="en-US" altLang="zh-CN">
-                <a:solidFill>
-                  <a:srgbClr val="FFFF00"/>
-                </a:solidFill>
-              </a:rPr>
-              <a:t>50</a:t>
-            </a:r>
-            <a:endParaRPr lang="en-US" altLang="zh-CN">
-              <a:solidFill>
-                <a:srgbClr val="FFFF00"/>
-              </a:solidFill>
-            </a:endParaRPr>
-          </a:p>
-        </p:txBody>
-      </p:sp>
-      <p:sp>
-        <p:nvSpPr>
-          <p:cNvPr id="44" name="文本框 43"/>
-          <p:cNvSpPr txBox="1"/>
-          <p:nvPr/>
-        </p:nvSpPr>
-        <p:spPr>
-          <a:xfrm>
-            <a:off x="1784985" y="3956685"/>
-            <a:ext cx="961390" cy="368300"/>
-          </a:xfrm>
-          <a:prstGeom prst="rect">
-            <a:avLst/>
-          </a:prstGeom>
-          <a:noFill/>
-        </p:spPr>
-        <p:txBody>
-          <a:bodyPr wrap="square" rtlCol="0">
-            <a:spAutoFit/>
-          </a:bodyPr>
-          <a:p>
-            <a:pPr algn="ctr"/>
-            <a:r>
-              <a:rPr lang="en-US" altLang="zh-CN"/>
-              <a:t>[10,17]</a:t>
-            </a:r>
-            <a:endParaRPr lang="en-US" altLang="zh-CN"/>
-          </a:p>
-        </p:txBody>
-      </p:sp>
-      <p:sp>
-        <p:nvSpPr>
-          <p:cNvPr id="45" name="文本框 44"/>
-          <p:cNvSpPr txBox="1"/>
-          <p:nvPr/>
-        </p:nvSpPr>
-        <p:spPr>
-          <a:xfrm>
-            <a:off x="3317240" y="3956685"/>
-            <a:ext cx="961390" cy="368300"/>
-          </a:xfrm>
-          <a:prstGeom prst="rect">
-            <a:avLst/>
-          </a:prstGeom>
-          <a:noFill/>
-        </p:spPr>
-        <p:txBody>
-          <a:bodyPr wrap="square" rtlCol="0">
-            <a:spAutoFit/>
-          </a:bodyPr>
-          <a:p>
-            <a:pPr algn="ctr"/>
-            <a:r>
-              <a:rPr lang="en-US" altLang="zh-CN"/>
-              <a:t>[18,25]</a:t>
-            </a:r>
-            <a:endParaRPr lang="en-US" altLang="zh-CN"/>
-          </a:p>
-        </p:txBody>
-      </p:sp>
-      <p:sp>
-        <p:nvSpPr>
-          <p:cNvPr id="46" name="文本框 45"/>
-          <p:cNvSpPr txBox="1"/>
-          <p:nvPr/>
-        </p:nvSpPr>
-        <p:spPr>
-          <a:xfrm>
-            <a:off x="4849495" y="3956685"/>
-            <a:ext cx="961390" cy="368300"/>
-          </a:xfrm>
-          <a:prstGeom prst="rect">
-            <a:avLst/>
-          </a:prstGeom>
-          <a:noFill/>
-        </p:spPr>
-        <p:txBody>
-          <a:bodyPr wrap="square" rtlCol="0">
-            <a:spAutoFit/>
-          </a:bodyPr>
-          <a:p>
-            <a:pPr algn="ctr"/>
-            <a:r>
-              <a:rPr lang="en-US" altLang="zh-CN"/>
-              <a:t>[26,33]</a:t>
-            </a:r>
-            <a:endParaRPr lang="en-US" altLang="zh-CN"/>
-          </a:p>
-        </p:txBody>
-      </p:sp>
-      <p:sp>
-        <p:nvSpPr>
-          <p:cNvPr id="47" name="文本框 46"/>
-          <p:cNvSpPr txBox="1"/>
-          <p:nvPr/>
-        </p:nvSpPr>
-        <p:spPr>
-          <a:xfrm>
-            <a:off x="6381750" y="3956685"/>
-            <a:ext cx="961390" cy="368300"/>
-          </a:xfrm>
-          <a:prstGeom prst="rect">
-            <a:avLst/>
-          </a:prstGeom>
-          <a:noFill/>
-        </p:spPr>
-        <p:txBody>
-          <a:bodyPr wrap="square" rtlCol="0">
-            <a:spAutoFit/>
-          </a:bodyPr>
-          <a:p>
-            <a:pPr algn="ctr"/>
-            <a:r>
-              <a:rPr lang="en-US" altLang="zh-CN"/>
-              <a:t>[34,41]</a:t>
-            </a:r>
-            <a:endParaRPr lang="en-US" altLang="zh-CN"/>
-          </a:p>
-        </p:txBody>
-      </p:sp>
-      <p:sp>
-        <p:nvSpPr>
-          <p:cNvPr id="48" name="文本框 47"/>
-          <p:cNvSpPr txBox="1"/>
-          <p:nvPr/>
-        </p:nvSpPr>
-        <p:spPr>
-          <a:xfrm>
-            <a:off x="7914005" y="3956685"/>
-            <a:ext cx="961390" cy="368300"/>
-          </a:xfrm>
-          <a:prstGeom prst="rect">
-            <a:avLst/>
-          </a:prstGeom>
-          <a:noFill/>
-        </p:spPr>
-        <p:txBody>
-          <a:bodyPr wrap="square" rtlCol="0">
-            <a:spAutoFit/>
-          </a:bodyPr>
-          <a:p>
-            <a:pPr algn="ctr"/>
-            <a:r>
-              <a:rPr lang="en-US" altLang="zh-CN"/>
-              <a:t>[42,49]</a:t>
-            </a:r>
-            <a:endParaRPr lang="en-US" altLang="zh-CN"/>
-          </a:p>
-        </p:txBody>
-      </p:sp>
-      <p:sp>
-        <p:nvSpPr>
-          <p:cNvPr id="49" name="文本框 48"/>
-          <p:cNvSpPr txBox="1"/>
-          <p:nvPr/>
-        </p:nvSpPr>
-        <p:spPr>
-          <a:xfrm>
-            <a:off x="9446260" y="3956685"/>
-            <a:ext cx="961390" cy="368300"/>
-          </a:xfrm>
-          <a:prstGeom prst="rect">
-            <a:avLst/>
-          </a:prstGeom>
-          <a:noFill/>
-        </p:spPr>
-        <p:txBody>
-          <a:bodyPr wrap="square" rtlCol="0">
-            <a:spAutoFit/>
-          </a:bodyPr>
-          <a:p>
-            <a:pPr algn="ctr"/>
-            <a:r>
-              <a:rPr lang="en-US" altLang="zh-CN"/>
-              <a:t>[50,57]</a:t>
-            </a:r>
-            <a:endParaRPr lang="en-US" altLang="zh-CN"/>
-          </a:p>
-        </p:txBody>
-      </p:sp>
-      <p:sp>
-        <p:nvSpPr>
-          <p:cNvPr id="19" name="圆角矩形 18"/>
-          <p:cNvSpPr/>
-          <p:nvPr/>
-        </p:nvSpPr>
-        <p:spPr>
-          <a:xfrm>
-            <a:off x="1967865" y="5234305"/>
-            <a:ext cx="669290" cy="669290"/>
-          </a:xfrm>
-          <a:prstGeom prst="roundRect">
-            <a:avLst/>
-          </a:prstGeom>
-        </p:spPr>
-        <p:style>
-          <a:lnRef idx="2">
-            <a:schemeClr val="accent4">
-              <a:shade val="50000"/>
-            </a:schemeClr>
-          </a:lnRef>
-          <a:fillRef idx="1">
-            <a:schemeClr val="accent4"/>
-          </a:fillRef>
-          <a:effectRef idx="0">
-            <a:schemeClr val="accent4"/>
-          </a:effectRef>
-          <a:fontRef idx="minor">
-            <a:schemeClr val="lt1"/>
-          </a:fontRef>
-        </p:style>
-        <p:txBody>
-          <a:bodyPr rtlCol="0" anchor="ctr"/>
-          <a:p>
-            <a:pPr algn="ctr"/>
-            <a:r>
-              <a:rPr lang="en-US" altLang="zh-CN"/>
-              <a:t>10</a:t>
-            </a:r>
-            <a:endParaRPr lang="en-US" altLang="zh-CN"/>
-          </a:p>
-        </p:txBody>
-      </p:sp>
-      <p:sp>
-        <p:nvSpPr>
-          <p:cNvPr id="2" name="圆角矩形 1"/>
-          <p:cNvSpPr/>
-          <p:nvPr/>
-        </p:nvSpPr>
-        <p:spPr>
-          <a:xfrm>
-            <a:off x="3051810" y="5234305"/>
-            <a:ext cx="669290" cy="669290"/>
-          </a:xfrm>
-          <a:prstGeom prst="roundRect">
-            <a:avLst/>
-          </a:prstGeom>
-        </p:spPr>
-        <p:style>
-          <a:lnRef idx="2">
-            <a:schemeClr val="accent4">
-              <a:shade val="50000"/>
-            </a:schemeClr>
-          </a:lnRef>
-          <a:fillRef idx="1">
-            <a:schemeClr val="accent4"/>
-          </a:fillRef>
-          <a:effectRef idx="0">
-            <a:schemeClr val="accent4"/>
-          </a:effectRef>
-          <a:fontRef idx="minor">
-            <a:schemeClr val="lt1"/>
-          </a:fontRef>
-        </p:style>
-        <p:txBody>
-          <a:bodyPr rtlCol="0" anchor="ctr"/>
-          <a:p>
-            <a:pPr algn="ctr"/>
-            <a:r>
-              <a:rPr lang="en-US" altLang="zh-CN"/>
-              <a:t>14</a:t>
-            </a:r>
-            <a:endParaRPr lang="en-US" altLang="zh-CN"/>
-          </a:p>
-        </p:txBody>
-      </p:sp>
-      <p:sp>
-        <p:nvSpPr>
-          <p:cNvPr id="3" name="圆角矩形 2"/>
-          <p:cNvSpPr/>
-          <p:nvPr/>
-        </p:nvSpPr>
-        <p:spPr>
-          <a:xfrm>
-            <a:off x="4135755" y="5234305"/>
-            <a:ext cx="669290" cy="669290"/>
-          </a:xfrm>
-          <a:prstGeom prst="roundRect">
-            <a:avLst/>
-          </a:prstGeom>
-        </p:spPr>
-        <p:style>
-          <a:lnRef idx="2">
-            <a:schemeClr val="accent4">
-              <a:shade val="50000"/>
-            </a:schemeClr>
-          </a:lnRef>
-          <a:fillRef idx="1">
-            <a:schemeClr val="accent4"/>
-          </a:fillRef>
-          <a:effectRef idx="0">
-            <a:schemeClr val="accent4"/>
-          </a:effectRef>
-          <a:fontRef idx="minor">
-            <a:schemeClr val="lt1"/>
-          </a:fontRef>
-        </p:style>
-        <p:txBody>
-          <a:bodyPr rtlCol="0" anchor="ctr"/>
-          <a:p>
-            <a:pPr algn="ctr"/>
-            <a:r>
-              <a:rPr lang="en-US" altLang="zh-CN"/>
-              <a:t>24</a:t>
-            </a:r>
-            <a:endParaRPr lang="en-US" altLang="zh-CN"/>
-          </a:p>
-        </p:txBody>
-      </p:sp>
-      <p:sp>
-        <p:nvSpPr>
-          <p:cNvPr id="4" name="圆角矩形 3"/>
-          <p:cNvSpPr/>
-          <p:nvPr/>
-        </p:nvSpPr>
-        <p:spPr>
-          <a:xfrm>
-            <a:off x="5219700" y="5234305"/>
-            <a:ext cx="669290" cy="669290"/>
-          </a:xfrm>
-          <a:prstGeom prst="roundRect">
-            <a:avLst/>
-          </a:prstGeom>
-        </p:spPr>
-        <p:style>
-          <a:lnRef idx="2">
-            <a:schemeClr val="accent4">
-              <a:shade val="50000"/>
-            </a:schemeClr>
-          </a:lnRef>
-          <a:fillRef idx="1">
-            <a:schemeClr val="accent4"/>
-          </a:fillRef>
-          <a:effectRef idx="0">
-            <a:schemeClr val="accent4"/>
-          </a:effectRef>
-          <a:fontRef idx="minor">
-            <a:schemeClr val="lt1"/>
-          </a:fontRef>
-        </p:style>
-        <p:txBody>
-          <a:bodyPr rtlCol="0" anchor="ctr"/>
-          <a:p>
-            <a:pPr algn="ctr"/>
-            <a:r>
-              <a:rPr lang="en-US" altLang="zh-CN"/>
-              <a:t>28</a:t>
-            </a:r>
-            <a:endParaRPr lang="en-US" altLang="zh-CN"/>
-          </a:p>
-        </p:txBody>
-      </p:sp>
-      <p:sp>
-        <p:nvSpPr>
-          <p:cNvPr id="5" name="圆角矩形 4"/>
-          <p:cNvSpPr/>
-          <p:nvPr/>
-        </p:nvSpPr>
-        <p:spPr>
-          <a:xfrm>
-            <a:off x="6303645" y="5234305"/>
-            <a:ext cx="669290" cy="669290"/>
-          </a:xfrm>
-          <a:prstGeom prst="roundRect">
-            <a:avLst/>
-          </a:prstGeom>
-        </p:spPr>
-        <p:style>
-          <a:lnRef idx="2">
-            <a:schemeClr val="accent4">
-              <a:shade val="50000"/>
-            </a:schemeClr>
-          </a:lnRef>
-          <a:fillRef idx="1">
-            <a:schemeClr val="accent4"/>
-          </a:fillRef>
-          <a:effectRef idx="0">
-            <a:schemeClr val="accent4"/>
-          </a:effectRef>
-          <a:fontRef idx="minor">
-            <a:schemeClr val="lt1"/>
-          </a:fontRef>
-        </p:style>
-        <p:txBody>
-          <a:bodyPr rtlCol="0" anchor="ctr"/>
-          <a:p>
-            <a:pPr algn="ctr"/>
-            <a:r>
-              <a:rPr lang="en-US" altLang="zh-CN"/>
-              <a:t>35</a:t>
-            </a:r>
-            <a:endParaRPr lang="en-US" altLang="zh-CN"/>
-          </a:p>
-        </p:txBody>
-      </p:sp>
-      <p:sp>
-        <p:nvSpPr>
-          <p:cNvPr id="7" name="圆角矩形 6"/>
-          <p:cNvSpPr/>
-          <p:nvPr/>
-        </p:nvSpPr>
-        <p:spPr>
-          <a:xfrm>
-            <a:off x="7387590" y="5234305"/>
-            <a:ext cx="669290" cy="669290"/>
-          </a:xfrm>
-          <a:prstGeom prst="roundRect">
-            <a:avLst/>
-          </a:prstGeom>
-        </p:spPr>
-        <p:style>
-          <a:lnRef idx="2">
-            <a:schemeClr val="accent4">
-              <a:shade val="50000"/>
-            </a:schemeClr>
-          </a:lnRef>
-          <a:fillRef idx="1">
-            <a:schemeClr val="accent4"/>
-          </a:fillRef>
-          <a:effectRef idx="0">
-            <a:schemeClr val="accent4"/>
-          </a:effectRef>
-          <a:fontRef idx="minor">
-            <a:schemeClr val="lt1"/>
-          </a:fontRef>
-        </p:style>
-        <p:txBody>
-          <a:bodyPr rtlCol="0" anchor="ctr"/>
-          <a:p>
-            <a:pPr algn="ctr"/>
-            <a:r>
-              <a:rPr lang="en-US" altLang="zh-CN"/>
-              <a:t>39</a:t>
-            </a:r>
-            <a:endParaRPr lang="en-US" altLang="zh-CN"/>
-          </a:p>
-        </p:txBody>
-      </p:sp>
-      <p:sp>
-        <p:nvSpPr>
-          <p:cNvPr id="15" name="圆角矩形 14"/>
-          <p:cNvSpPr/>
-          <p:nvPr/>
-        </p:nvSpPr>
-        <p:spPr>
-          <a:xfrm>
-            <a:off x="8060055" y="2968625"/>
-            <a:ext cx="669290" cy="669290"/>
-          </a:xfrm>
-          <a:prstGeom prst="roundRect">
-            <a:avLst/>
-          </a:prstGeom>
-        </p:spPr>
-        <p:style>
-          <a:lnRef idx="2">
-            <a:schemeClr val="accent4">
-              <a:shade val="50000"/>
-            </a:schemeClr>
-          </a:lnRef>
-          <a:fillRef idx="1">
-            <a:schemeClr val="accent4"/>
-          </a:fillRef>
-          <a:effectRef idx="0">
-            <a:schemeClr val="accent4"/>
-          </a:effectRef>
-          <a:fontRef idx="minor">
-            <a:schemeClr val="lt1"/>
-          </a:fontRef>
-        </p:style>
-        <p:txBody>
-          <a:bodyPr rtlCol="0" anchor="ctr"/>
-          <a:p>
-            <a:pPr algn="ctr"/>
-            <a:r>
-              <a:rPr lang="en-US" altLang="zh-CN"/>
-              <a:t>47</a:t>
-            </a:r>
-            <a:endParaRPr lang="en-US" altLang="zh-CN"/>
-          </a:p>
-        </p:txBody>
-      </p:sp>
-    </p:spTree>
-    <p:custDataLst>
-      <p:tags r:id="rId1"/>
-    </p:custDataLst>
-  </p:cSld>
-  <p:clrMapOvr>
-    <a:masterClrMapping/>
-  </p:clrMapOvr>
-  <mc:AlternateContent xmlns:mc="http://schemas.openxmlformats.org/markup-compatibility/2006" xmlns:p159="http://schemas.microsoft.com/office/powerpoint/2015/09/main">
-    <mc:Choice Requires="p159">
-      <p:transition xmlns:p14="http://schemas.microsoft.com/office/powerpoint/2010/main" p14:dur="500">
-        <p159:morph option="byObject"/>
-      </p:transition>
-    </mc:Choice>
-    <mc:Fallback>
-      <p:transition>
-        <p:fade/>
-      </p:transition>
-    </mc:Fallback>
-  </mc:AlternateContent>
-  <p:timing>
-    <p:tnLst>
-      <p:par>
-        <p:cTn id="1" dur="indefinite" restart="never" nodeType="tmRoot">
-          <p:childTnLst>
-            <p:seq concurrent="1" nextAc="seek">
-              <p:cTn id="2" dur="indefinite" nodeType="mainSeq">
-                <p:childTnLst>
-                  <p:par>
-                    <p:cTn id="3" fill="hold">
-                      <p:stCondLst>
-                        <p:cond delay="indefinite"/>
-                      </p:stCondLst>
-                      <p:childTnLst>
-                        <p:par>
-                          <p:cTn id="4" fill="hold">
-                            <p:stCondLst>
-                              <p:cond delay="0"/>
-                            </p:stCondLst>
-                            <p:childTnLst>
-                              <p:par>
-                                <p:cTn id="5" presetID="1" presetClass="entr" presetSubtype="0" fill="hold" grpId="0" nodeType="clickEffect">
-                                  <p:stCondLst>
-                                    <p:cond delay="0"/>
-                                  </p:stCondLst>
-                                  <p:childTnLst>
-                                    <p:set>
-                                      <p:cBhvr>
-                                        <p:cTn id="6" dur="1" fill="hold">
-                                          <p:stCondLst>
-                                            <p:cond delay="0"/>
-                                          </p:stCondLst>
-                                        </p:cTn>
-                                        <p:tgtEl>
-                                          <p:spTgt spid="15"/>
-                                        </p:tgtEl>
-                                        <p:attrNameLst>
-                                          <p:attrName>style.visibility</p:attrName>
-                                        </p:attrNameLst>
-                                      </p:cBhvr>
-                                      <p:to>
-                                        <p:strVal val="visible"/>
-                                      </p:to>
-                                    </p:set>
-                                  </p:childTnLst>
-                                </p:cTn>
-                              </p:par>
-                            </p:childTnLst>
-                          </p:cTn>
-                        </p:par>
-                      </p:childTnLst>
-                    </p:cTn>
-                  </p:par>
-                </p:childTnLst>
-              </p:cTn>
-              <p:prevCondLst>
-                <p:cond evt="onPrev" delay="0">
-                  <p:tgtEl>
-                    <p:sldTgt/>
-                  </p:tgtEl>
-                </p:cond>
-              </p:prevCondLst>
-              <p:nextCondLst>
-                <p:cond evt="onNext" delay="0">
-                  <p:tgtEl>
-                    <p:sldTgt/>
-                  </p:tgtEl>
-                </p:cond>
-              </p:nextCondLst>
-            </p:seq>
-          </p:childTnLst>
-        </p:cTn>
-      </p:par>
-    </p:tnLst>
-    <p:bldLst>
-      <p:bldP spid="15" grpId="0" bldLvl="0" animBg="1"/>
     </p:bldLst>
   </p:timing>
 </p:sld>
@@ -25103,43 +26280,17 @@
 
 <file path=ppt/tags/tag155.xml><?xml version="1.0" encoding="utf-8"?>
 <p:tagLst xmlns:p="http://schemas.openxmlformats.org/presentationml/2006/main">
-  <p:tag name="KSO_WM_SLIDE_ID" val="custom20205081_1"/>
-  <p:tag name="KSO_WM_TEMPLATE_SUBCATEGORY" val="19"/>
-  <p:tag name="KSO_WM_TEMPLATE_MASTER_TYPE" val="0"/>
-  <p:tag name="KSO_WM_TEMPLATE_COLOR_TYPE" val="1"/>
-  <p:tag name="KSO_WM_SLIDE_TYPE" val="title"/>
-  <p:tag name="KSO_WM_SLIDE_SUBTYPE" val="defaultBlank"/>
-  <p:tag name="KSO_WM_SLIDE_ITEM_CNT" val="0"/>
-  <p:tag name="KSO_WM_SLIDE_INDEX" val="1"/>
-  <p:tag name="KSO_WM_TAG_VERSION" val="1.0"/>
   <p:tag name="KSO_WM_BEAUTIFY_FLAG" val="#wm#"/>
   <p:tag name="KSO_WM_TEMPLATE_CATEGORY" val="custom"/>
-  <p:tag name="KSO_WM_TEMPLATE_INDEX" val="20205081"/>
-  <p:tag name="KSO_WM_SLIDE_LAYOUT" val="a_b"/>
-  <p:tag name="KSO_WM_SLIDE_LAYOUT_CNT" val="1_1"/>
-  <p:tag name="KSO_WM_UNIT_SHOW_EDIT_AREA_INDICATION" val="1"/>
-  <p:tag name="KSO_WM_TEMPLATE_THUMBS_INDEX" val="1、4、7、12、13、14、15、16、17、18、20、24、25、28、33、36、40、43、44"/>
+  <p:tag name="KSO_WM_TEMPLATE_INDEX" val="20204978"/>
 </p:tagLst>
 </file>
 
 <file path=ppt/tags/tag156.xml><?xml version="1.0" encoding="utf-8"?>
 <p:tagLst xmlns:p="http://schemas.openxmlformats.org/presentationml/2006/main">
-  <p:tag name="KSO_WM_SLIDE_ID" val="custom20205081_1"/>
-  <p:tag name="KSO_WM_TEMPLATE_SUBCATEGORY" val="19"/>
-  <p:tag name="KSO_WM_TEMPLATE_MASTER_TYPE" val="0"/>
-  <p:tag name="KSO_WM_TEMPLATE_COLOR_TYPE" val="1"/>
-  <p:tag name="KSO_WM_SLIDE_TYPE" val="title"/>
-  <p:tag name="KSO_WM_SLIDE_SUBTYPE" val="defaultBlank"/>
-  <p:tag name="KSO_WM_SLIDE_ITEM_CNT" val="0"/>
-  <p:tag name="KSO_WM_SLIDE_INDEX" val="1"/>
-  <p:tag name="KSO_WM_TAG_VERSION" val="1.0"/>
   <p:tag name="KSO_WM_BEAUTIFY_FLAG" val="#wm#"/>
   <p:tag name="KSO_WM_TEMPLATE_CATEGORY" val="custom"/>
-  <p:tag name="KSO_WM_TEMPLATE_INDEX" val="20205081"/>
-  <p:tag name="KSO_WM_SLIDE_LAYOUT" val="a_b"/>
-  <p:tag name="KSO_WM_SLIDE_LAYOUT_CNT" val="1_1"/>
-  <p:tag name="KSO_WM_UNIT_SHOW_EDIT_AREA_INDICATION" val="1"/>
-  <p:tag name="KSO_WM_TEMPLATE_THUMBS_INDEX" val="1、4、7、12、13、14、15、16、17、18、20、24、25、28、33、36、40、43、44"/>
+  <p:tag name="KSO_WM_TEMPLATE_INDEX" val="20204978"/>
 </p:tagLst>
 </file>
 
@@ -25326,6 +26477,69 @@
 
 <file path=ppt/tags/tag165.xml><?xml version="1.0" encoding="utf-8"?>
 <p:tagLst xmlns:p="http://schemas.openxmlformats.org/presentationml/2006/main">
+  <p:tag name="KSO_WM_SLIDE_ID" val="custom20205081_1"/>
+  <p:tag name="KSO_WM_TEMPLATE_SUBCATEGORY" val="19"/>
+  <p:tag name="KSO_WM_TEMPLATE_MASTER_TYPE" val="0"/>
+  <p:tag name="KSO_WM_TEMPLATE_COLOR_TYPE" val="1"/>
+  <p:tag name="KSO_WM_SLIDE_TYPE" val="title"/>
+  <p:tag name="KSO_WM_SLIDE_SUBTYPE" val="defaultBlank"/>
+  <p:tag name="KSO_WM_SLIDE_ITEM_CNT" val="0"/>
+  <p:tag name="KSO_WM_SLIDE_INDEX" val="1"/>
+  <p:tag name="KSO_WM_TAG_VERSION" val="1.0"/>
+  <p:tag name="KSO_WM_BEAUTIFY_FLAG" val="#wm#"/>
+  <p:tag name="KSO_WM_TEMPLATE_CATEGORY" val="custom"/>
+  <p:tag name="KSO_WM_TEMPLATE_INDEX" val="20205081"/>
+  <p:tag name="KSO_WM_SLIDE_LAYOUT" val="a_b"/>
+  <p:tag name="KSO_WM_SLIDE_LAYOUT_CNT" val="1_1"/>
+  <p:tag name="KSO_WM_UNIT_SHOW_EDIT_AREA_INDICATION" val="1"/>
+  <p:tag name="KSO_WM_TEMPLATE_THUMBS_INDEX" val="1、4、7、12、13、14、15、16、17、18、20、24、25、28、33、36、40、43、44"/>
+</p:tagLst>
+</file>
+
+<file path=ppt/tags/tag166.xml><?xml version="1.0" encoding="utf-8"?>
+<p:tagLst xmlns:p="http://schemas.openxmlformats.org/presentationml/2006/main">
+  <p:tag name="KSO_WM_SLIDE_ID" val="custom20205081_1"/>
+  <p:tag name="KSO_WM_TEMPLATE_SUBCATEGORY" val="19"/>
+  <p:tag name="KSO_WM_TEMPLATE_MASTER_TYPE" val="0"/>
+  <p:tag name="KSO_WM_TEMPLATE_COLOR_TYPE" val="1"/>
+  <p:tag name="KSO_WM_SLIDE_TYPE" val="title"/>
+  <p:tag name="KSO_WM_SLIDE_SUBTYPE" val="defaultBlank"/>
+  <p:tag name="KSO_WM_SLIDE_ITEM_CNT" val="0"/>
+  <p:tag name="KSO_WM_SLIDE_INDEX" val="1"/>
+  <p:tag name="KSO_WM_TAG_VERSION" val="1.0"/>
+  <p:tag name="KSO_WM_BEAUTIFY_FLAG" val="#wm#"/>
+  <p:tag name="KSO_WM_TEMPLATE_CATEGORY" val="custom"/>
+  <p:tag name="KSO_WM_TEMPLATE_INDEX" val="20205081"/>
+  <p:tag name="KSO_WM_SLIDE_LAYOUT" val="a_b"/>
+  <p:tag name="KSO_WM_SLIDE_LAYOUT_CNT" val="1_1"/>
+  <p:tag name="KSO_WM_UNIT_SHOW_EDIT_AREA_INDICATION" val="1"/>
+  <p:tag name="KSO_WM_TEMPLATE_THUMBS_INDEX" val="1、4、7、12、13、14、15、16、17、18、20、24、25、28、33、36、40、43、44"/>
+</p:tagLst>
+</file>
+
+<file path=ppt/tags/tag167.xml><?xml version="1.0" encoding="utf-8"?>
+<p:tagLst xmlns:p="http://schemas.openxmlformats.org/presentationml/2006/main">
+  <p:tag name="KSO_WM_SLIDE_ID" val="custom20205081_1"/>
+  <p:tag name="KSO_WM_TEMPLATE_SUBCATEGORY" val="19"/>
+  <p:tag name="KSO_WM_TEMPLATE_MASTER_TYPE" val="0"/>
+  <p:tag name="KSO_WM_TEMPLATE_COLOR_TYPE" val="1"/>
+  <p:tag name="KSO_WM_SLIDE_TYPE" val="title"/>
+  <p:tag name="KSO_WM_SLIDE_SUBTYPE" val="defaultBlank"/>
+  <p:tag name="KSO_WM_SLIDE_ITEM_CNT" val="0"/>
+  <p:tag name="KSO_WM_SLIDE_INDEX" val="1"/>
+  <p:tag name="KSO_WM_TAG_VERSION" val="1.0"/>
+  <p:tag name="KSO_WM_BEAUTIFY_FLAG" val="#wm#"/>
+  <p:tag name="KSO_WM_TEMPLATE_CATEGORY" val="custom"/>
+  <p:tag name="KSO_WM_TEMPLATE_INDEX" val="20205081"/>
+  <p:tag name="KSO_WM_SLIDE_LAYOUT" val="a_b"/>
+  <p:tag name="KSO_WM_SLIDE_LAYOUT_CNT" val="1_1"/>
+  <p:tag name="KSO_WM_UNIT_SHOW_EDIT_AREA_INDICATION" val="1"/>
+  <p:tag name="KSO_WM_TEMPLATE_THUMBS_INDEX" val="1、4、7、12、13、14、15、16、17、18、20、24、25、28、33、36、40、43、44"/>
+</p:tagLst>
+</file>
+
+<file path=ppt/tags/tag168.xml><?xml version="1.0" encoding="utf-8"?>
+<p:tagLst xmlns:p="http://schemas.openxmlformats.org/presentationml/2006/main">
   <p:tag name="KSO_WM_UNIT_HIGHLIGHT" val="0"/>
   <p:tag name="KSO_WM_UNIT_COMPATIBLE" val="0"/>
   <p:tag name="KSO_WM_UNIT_DIAGRAM_ISNUMVISUAL" val="0"/>
@@ -25354,7 +26568,7 @@
 </p:tagLst>
 </file>
 
-<file path=ppt/tags/tag166.xml><?xml version="1.0" encoding="utf-8"?>
+<file path=ppt/tags/tag169.xml><?xml version="1.0" encoding="utf-8"?>
 <p:tagLst xmlns:p="http://schemas.openxmlformats.org/presentationml/2006/main">
   <p:tag name="KSO_WM_UNIT_ISCONTENTSTITLE" val="0"/>
   <p:tag name="KSO_WM_UNIT_ISNUMDGMTITLE" val="0"/>
@@ -25386,7 +26600,20 @@
 </p:tagLst>
 </file>
 
-<file path=ppt/tags/tag167.xml><?xml version="1.0" encoding="utf-8"?>
+<file path=ppt/tags/tag17.xml><?xml version="1.0" encoding="utf-8"?>
+<p:tagLst xmlns:p="http://schemas.openxmlformats.org/presentationml/2006/main">
+  <p:tag name="KSO_WM_UNIT_HIGHLIGHT" val="0"/>
+  <p:tag name="KSO_WM_UNIT_COMPATIBLE" val="0"/>
+  <p:tag name="KSO_WM_UNIT_DIAGRAM_ISNUMVISUAL" val="0"/>
+  <p:tag name="KSO_WM_UNIT_DIAGRAM_ISREFERUNIT" val="0"/>
+  <p:tag name="KSO_WM_UNIT_ID" val="_4**"/>
+  <p:tag name="KSO_WM_UNIT_LAYERLEVEL" val="1"/>
+  <p:tag name="KSO_WM_TAG_VERSION" val="1.0"/>
+  <p:tag name="KSO_WM_BEAUTIFY_FLAG" val="#wm#"/>
+</p:tagLst>
+</file>
+
+<file path=ppt/tags/tag170.xml><?xml version="1.0" encoding="utf-8"?>
 <p:tagLst xmlns:p="http://schemas.openxmlformats.org/presentationml/2006/main">
   <p:tag name="KSO_WM_CHIP_INFOS" val="{&quot;layout_type&quot;:&quot;forleft&quot;,&quot;slide_type&quot;:[&quot;title&quot;],&quot;aspect_ratio&quot;:&quot;16:9&quot;}"/>
   <p:tag name="KSO_WM_CHIP_XID" val="5ebe041a0ac41c4a0a52557b"/>
@@ -25416,19 +26643,6 @@
   <p:tag name="KSO_WM_TEMPLATE_ASSEMBLE_XID" val="5f9a6249e01a7e847d704abd"/>
   <p:tag name="KSO_WM_TEMPLATE_ASSEMBLE_GROUPID" val="5f8d43b4a61ec3b55284b1dd"/>
   <p:tag name="KSO_WM_TEMPLATE_THUMBS_INDEX" val="1、2、3、4、7、43"/>
-</p:tagLst>
-</file>
-
-<file path=ppt/tags/tag17.xml><?xml version="1.0" encoding="utf-8"?>
-<p:tagLst xmlns:p="http://schemas.openxmlformats.org/presentationml/2006/main">
-  <p:tag name="KSO_WM_UNIT_HIGHLIGHT" val="0"/>
-  <p:tag name="KSO_WM_UNIT_COMPATIBLE" val="0"/>
-  <p:tag name="KSO_WM_UNIT_DIAGRAM_ISNUMVISUAL" val="0"/>
-  <p:tag name="KSO_WM_UNIT_DIAGRAM_ISREFERUNIT" val="0"/>
-  <p:tag name="KSO_WM_UNIT_ID" val="_4**"/>
-  <p:tag name="KSO_WM_UNIT_LAYERLEVEL" val="1"/>
-  <p:tag name="KSO_WM_TAG_VERSION" val="1.0"/>
-  <p:tag name="KSO_WM_BEAUTIFY_FLAG" val="#wm#"/>
 </p:tagLst>
 </file>
 

--- a/算法/排序算法/桶排序/桶排序.pptx
+++ b/算法/排序算法/桶排序/桶排序.pptx
@@ -18520,10 +18520,12 @@
             <a:spAutoFit/>
           </a:bodyPr>
           <a:p>
-            <a:pPr>
+            <a:pPr marL="285750" indent="-285750">
               <a:lnSpc>
                 <a:spcPct val="150000"/>
               </a:lnSpc>
+              <a:buFont typeface="Arial" panose="020B0604020202020204" pitchFamily="34" charset="0"/>
+              <a:buChar char="•"/>
             </a:pPr>
             <a:r>
               <a:rPr lang="zh-CN" altLang="en-US"/>
@@ -18532,10 +18534,12 @@
             <a:endParaRPr lang="zh-CN" altLang="en-US"/>
           </a:p>
           <a:p>
-            <a:pPr>
+            <a:pPr marL="285750" indent="-285750">
               <a:lnSpc>
                 <a:spcPct val="150000"/>
               </a:lnSpc>
+              <a:buFont typeface="Arial" panose="020B0604020202020204" pitchFamily="34" charset="0"/>
+              <a:buChar char="•"/>
             </a:pPr>
             <a:r>
               <a:rPr lang="zh-CN" altLang="en-US"/>
@@ -18544,10 +18548,12 @@
             <a:endParaRPr lang="zh-CN" altLang="en-US"/>
           </a:p>
           <a:p>
-            <a:pPr>
+            <a:pPr marL="285750" indent="-285750">
               <a:lnSpc>
                 <a:spcPct val="150000"/>
               </a:lnSpc>
+              <a:buFont typeface="Arial" panose="020B0604020202020204" pitchFamily="34" charset="0"/>
+              <a:buChar char="•"/>
             </a:pPr>
             <a:r>
               <a:rPr lang="zh-CN" altLang="en-US"/>
@@ -18556,14 +18562,16 @@
             <a:endParaRPr lang="zh-CN" altLang="en-US"/>
           </a:p>
           <a:p>
-            <a:pPr>
+            <a:pPr marL="285750" indent="-285750">
               <a:lnSpc>
                 <a:spcPct val="150000"/>
               </a:lnSpc>
+              <a:buFont typeface="Arial" panose="020B0604020202020204" pitchFamily="34" charset="0"/>
+              <a:buChar char="•"/>
             </a:pPr>
             <a:r>
               <a:rPr lang="zh-CN" altLang="en-US"/>
-              <a:t>然后合并到一个新的区间</a:t>
+              <a:t>合并到一个新的区间</a:t>
             </a:r>
             <a:endParaRPr lang="zh-CN" altLang="en-US"/>
           </a:p>
@@ -18646,10 +18654,12 @@
             <a:spAutoFit/>
           </a:bodyPr>
           <a:p>
-            <a:pPr>
+            <a:pPr marL="285750" indent="-285750">
               <a:lnSpc>
                 <a:spcPct val="150000"/>
               </a:lnSpc>
+              <a:buFont typeface="Arial" panose="020B0604020202020204" pitchFamily="34" charset="0"/>
+              <a:buChar char="•"/>
             </a:pPr>
             <a:r>
               <a:rPr lang="zh-CN" altLang="en-US"/>
@@ -18658,10 +18668,12 @@
             <a:endParaRPr lang="zh-CN" altLang="en-US"/>
           </a:p>
           <a:p>
-            <a:pPr>
+            <a:pPr marL="285750" indent="-285750">
               <a:lnSpc>
                 <a:spcPct val="150000"/>
               </a:lnSpc>
+              <a:buFont typeface="Arial" panose="020B0604020202020204" pitchFamily="34" charset="0"/>
+              <a:buChar char="•"/>
             </a:pPr>
             <a:r>
               <a:rPr lang="zh-CN" altLang="en-US"/>
@@ -18670,10 +18682,12 @@
             <a:endParaRPr lang="zh-CN" altLang="en-US"/>
           </a:p>
           <a:p>
-            <a:pPr>
+            <a:pPr marL="285750" indent="-285750">
               <a:lnSpc>
                 <a:spcPct val="150000"/>
               </a:lnSpc>
+              <a:buFont typeface="Arial" panose="020B0604020202020204" pitchFamily="34" charset="0"/>
+              <a:buChar char="•"/>
             </a:pPr>
             <a:r>
               <a:rPr lang="zh-CN" altLang="en-US"/>
@@ -20433,539 +20447,6 @@
           </p:txBody>
         </p:sp>
       </p:grpSp>
-      <p:grpSp>
-        <p:nvGrpSpPr>
-          <p:cNvPr id="50" name="组合 49"/>
-          <p:cNvGrpSpPr/>
-          <p:nvPr/>
-        </p:nvGrpSpPr>
-        <p:grpSpPr>
-          <a:xfrm>
-            <a:off x="1784985" y="4429125"/>
-            <a:ext cx="8622665" cy="1905635"/>
-            <a:chOff x="2811" y="6975"/>
-            <a:chExt cx="13579" cy="3001"/>
-          </a:xfrm>
-        </p:grpSpPr>
-        <p:sp>
-          <p:nvSpPr>
-            <p:cNvPr id="38" name="流程图: 磁盘 37"/>
-            <p:cNvSpPr/>
-            <p:nvPr/>
-          </p:nvSpPr>
-          <p:spPr>
-            <a:xfrm>
-              <a:off x="2940" y="7039"/>
-              <a:ext cx="1256" cy="1919"/>
-            </a:xfrm>
-            <a:prstGeom prst="flowChartMagneticDisk">
-              <a:avLst/>
-            </a:prstGeom>
-          </p:spPr>
-          <p:style>
-            <a:lnRef idx="2">
-              <a:schemeClr val="accent3">
-                <a:shade val="50000"/>
-              </a:schemeClr>
-            </a:lnRef>
-            <a:fillRef idx="1">
-              <a:schemeClr val="accent3"/>
-            </a:fillRef>
-            <a:effectRef idx="0">
-              <a:schemeClr val="accent3"/>
-            </a:effectRef>
-            <a:fontRef idx="minor">
-              <a:schemeClr val="lt1"/>
-            </a:fontRef>
-          </p:style>
-          <p:txBody>
-            <a:bodyPr rtlCol="0" anchor="ctr"/>
-            <a:p>
-              <a:pPr algn="ctr"/>
-              <a:r>
-                <a:rPr lang="en-US" altLang="zh-CN">
-                  <a:solidFill>
-                    <a:srgbClr val="FFFF00"/>
-                  </a:solidFill>
-                </a:rPr>
-                <a:t>10</a:t>
-              </a:r>
-              <a:endParaRPr lang="en-US" altLang="zh-CN">
-                <a:solidFill>
-                  <a:srgbClr val="FFFF00"/>
-                </a:solidFill>
-              </a:endParaRPr>
-            </a:p>
-            <a:p>
-              <a:pPr algn="ctr"/>
-              <a:r>
-                <a:rPr lang="en-US" altLang="zh-CN">
-                  <a:solidFill>
-                    <a:srgbClr val="FFFF00"/>
-                  </a:solidFill>
-                </a:rPr>
-                <a:t>14</a:t>
-              </a:r>
-              <a:endParaRPr lang="en-US" altLang="zh-CN">
-                <a:solidFill>
-                  <a:srgbClr val="FFFF00"/>
-                </a:solidFill>
-              </a:endParaRPr>
-            </a:p>
-          </p:txBody>
-        </p:sp>
-        <p:sp>
-          <p:nvSpPr>
-            <p:cNvPr id="39" name="流程图: 磁盘 38"/>
-            <p:cNvSpPr/>
-            <p:nvPr/>
-          </p:nvSpPr>
-          <p:spPr>
-            <a:xfrm>
-              <a:off x="5353" y="7039"/>
-              <a:ext cx="1256" cy="1919"/>
-            </a:xfrm>
-            <a:prstGeom prst="flowChartMagneticDisk">
-              <a:avLst/>
-            </a:prstGeom>
-          </p:spPr>
-          <p:style>
-            <a:lnRef idx="2">
-              <a:schemeClr val="accent3">
-                <a:shade val="50000"/>
-              </a:schemeClr>
-            </a:lnRef>
-            <a:fillRef idx="1">
-              <a:schemeClr val="accent3"/>
-            </a:fillRef>
-            <a:effectRef idx="0">
-              <a:schemeClr val="accent3"/>
-            </a:effectRef>
-            <a:fontRef idx="minor">
-              <a:schemeClr val="lt1"/>
-            </a:fontRef>
-          </p:style>
-          <p:txBody>
-            <a:bodyPr rtlCol="0" anchor="ctr"/>
-            <a:p>
-              <a:pPr algn="ctr"/>
-              <a:r>
-                <a:rPr lang="en-US" altLang="zh-CN">
-                  <a:solidFill>
-                    <a:srgbClr val="FFFF00"/>
-                  </a:solidFill>
-                </a:rPr>
-                <a:t>24</a:t>
-              </a:r>
-              <a:endParaRPr lang="en-US" altLang="zh-CN">
-                <a:solidFill>
-                  <a:srgbClr val="FFFF00"/>
-                </a:solidFill>
-              </a:endParaRPr>
-            </a:p>
-          </p:txBody>
-        </p:sp>
-        <p:sp>
-          <p:nvSpPr>
-            <p:cNvPr id="40" name="流程图: 磁盘 39"/>
-            <p:cNvSpPr/>
-            <p:nvPr/>
-          </p:nvSpPr>
-          <p:spPr>
-            <a:xfrm>
-              <a:off x="7766" y="7039"/>
-              <a:ext cx="1256" cy="1919"/>
-            </a:xfrm>
-            <a:prstGeom prst="flowChartMagneticDisk">
-              <a:avLst/>
-            </a:prstGeom>
-          </p:spPr>
-          <p:style>
-            <a:lnRef idx="2">
-              <a:schemeClr val="accent3">
-                <a:shade val="50000"/>
-              </a:schemeClr>
-            </a:lnRef>
-            <a:fillRef idx="1">
-              <a:schemeClr val="accent3"/>
-            </a:fillRef>
-            <a:effectRef idx="0">
-              <a:schemeClr val="accent3"/>
-            </a:effectRef>
-            <a:fontRef idx="minor">
-              <a:schemeClr val="lt1"/>
-            </a:fontRef>
-          </p:style>
-          <p:txBody>
-            <a:bodyPr rtlCol="0" anchor="ctr"/>
-            <a:p>
-              <a:pPr algn="ctr"/>
-              <a:r>
-                <a:rPr lang="en-US" altLang="zh-CN">
-                  <a:solidFill>
-                    <a:srgbClr val="FFFF00"/>
-                  </a:solidFill>
-                </a:rPr>
-                <a:t>28</a:t>
-              </a:r>
-              <a:endParaRPr lang="en-US" altLang="zh-CN">
-                <a:solidFill>
-                  <a:srgbClr val="FFFF00"/>
-                </a:solidFill>
-              </a:endParaRPr>
-            </a:p>
-          </p:txBody>
-        </p:sp>
-        <p:sp>
-          <p:nvSpPr>
-            <p:cNvPr id="41" name="流程图: 磁盘 40"/>
-            <p:cNvSpPr/>
-            <p:nvPr/>
-          </p:nvSpPr>
-          <p:spPr>
-            <a:xfrm>
-              <a:off x="10179" y="7039"/>
-              <a:ext cx="1256" cy="1919"/>
-            </a:xfrm>
-            <a:prstGeom prst="flowChartMagneticDisk">
-              <a:avLst/>
-            </a:prstGeom>
-          </p:spPr>
-          <p:style>
-            <a:lnRef idx="2">
-              <a:schemeClr val="accent3">
-                <a:shade val="50000"/>
-              </a:schemeClr>
-            </a:lnRef>
-            <a:fillRef idx="1">
-              <a:schemeClr val="accent3"/>
-            </a:fillRef>
-            <a:effectRef idx="0">
-              <a:schemeClr val="accent3"/>
-            </a:effectRef>
-            <a:fontRef idx="minor">
-              <a:schemeClr val="lt1"/>
-            </a:fontRef>
-          </p:style>
-          <p:txBody>
-            <a:bodyPr rtlCol="0" anchor="ctr"/>
-            <a:p>
-              <a:pPr algn="ctr"/>
-              <a:r>
-                <a:rPr lang="en-US" altLang="zh-CN">
-                  <a:solidFill>
-                    <a:srgbClr val="FFFF00"/>
-                  </a:solidFill>
-                </a:rPr>
-                <a:t>35</a:t>
-              </a:r>
-              <a:endParaRPr lang="en-US" altLang="zh-CN">
-                <a:solidFill>
-                  <a:srgbClr val="FFFF00"/>
-                </a:solidFill>
-              </a:endParaRPr>
-            </a:p>
-            <a:p>
-              <a:pPr algn="ctr"/>
-              <a:r>
-                <a:rPr lang="en-US" altLang="zh-CN">
-                  <a:solidFill>
-                    <a:srgbClr val="FFFF00"/>
-                  </a:solidFill>
-                </a:rPr>
-                <a:t>39</a:t>
-              </a:r>
-              <a:endParaRPr lang="en-US" altLang="zh-CN">
-                <a:solidFill>
-                  <a:srgbClr val="FFFF00"/>
-                </a:solidFill>
-              </a:endParaRPr>
-            </a:p>
-          </p:txBody>
-        </p:sp>
-        <p:sp>
-          <p:nvSpPr>
-            <p:cNvPr id="42" name="流程图: 磁盘 41"/>
-            <p:cNvSpPr/>
-            <p:nvPr/>
-          </p:nvSpPr>
-          <p:spPr>
-            <a:xfrm>
-              <a:off x="12592" y="7033"/>
-              <a:ext cx="1256" cy="1919"/>
-            </a:xfrm>
-            <a:prstGeom prst="flowChartMagneticDisk">
-              <a:avLst/>
-            </a:prstGeom>
-          </p:spPr>
-          <p:style>
-            <a:lnRef idx="2">
-              <a:schemeClr val="accent3">
-                <a:shade val="50000"/>
-              </a:schemeClr>
-            </a:lnRef>
-            <a:fillRef idx="1">
-              <a:schemeClr val="accent3"/>
-            </a:fillRef>
-            <a:effectRef idx="0">
-              <a:schemeClr val="accent3"/>
-            </a:effectRef>
-            <a:fontRef idx="minor">
-              <a:schemeClr val="lt1"/>
-            </a:fontRef>
-          </p:style>
-          <p:txBody>
-            <a:bodyPr rtlCol="0" anchor="ctr"/>
-            <a:p>
-              <a:pPr algn="ctr"/>
-              <a:r>
-                <a:rPr lang="en-US" altLang="zh-CN">
-                  <a:solidFill>
-                    <a:srgbClr val="FFFF00"/>
-                  </a:solidFill>
-                </a:rPr>
-                <a:t>47</a:t>
-              </a:r>
-              <a:endParaRPr lang="en-US" altLang="zh-CN">
-                <a:solidFill>
-                  <a:srgbClr val="FFFF00"/>
-                </a:solidFill>
-              </a:endParaRPr>
-            </a:p>
-          </p:txBody>
-        </p:sp>
-        <p:sp>
-          <p:nvSpPr>
-            <p:cNvPr id="43" name="流程图: 磁盘 42"/>
-            <p:cNvSpPr/>
-            <p:nvPr/>
-          </p:nvSpPr>
-          <p:spPr>
-            <a:xfrm>
-              <a:off x="15005" y="6975"/>
-              <a:ext cx="1256" cy="1919"/>
-            </a:xfrm>
-            <a:prstGeom prst="flowChartMagneticDisk">
-              <a:avLst/>
-            </a:prstGeom>
-          </p:spPr>
-          <p:style>
-            <a:lnRef idx="2">
-              <a:schemeClr val="accent3">
-                <a:shade val="50000"/>
-              </a:schemeClr>
-            </a:lnRef>
-            <a:fillRef idx="1">
-              <a:schemeClr val="accent3"/>
-            </a:fillRef>
-            <a:effectRef idx="0">
-              <a:schemeClr val="accent3"/>
-            </a:effectRef>
-            <a:fontRef idx="minor">
-              <a:schemeClr val="lt1"/>
-            </a:fontRef>
-          </p:style>
-          <p:txBody>
-            <a:bodyPr rtlCol="0" anchor="ctr"/>
-            <a:p>
-              <a:pPr algn="ctr"/>
-              <a:r>
-                <a:rPr lang="en-US" altLang="zh-CN">
-                  <a:solidFill>
-                    <a:srgbClr val="FFFF00"/>
-                  </a:solidFill>
-                </a:rPr>
-                <a:t>50</a:t>
-              </a:r>
-              <a:endParaRPr lang="en-US" altLang="zh-CN">
-                <a:solidFill>
-                  <a:srgbClr val="FFFF00"/>
-                </a:solidFill>
-              </a:endParaRPr>
-            </a:p>
-          </p:txBody>
-        </p:sp>
-        <p:sp>
-          <p:nvSpPr>
-            <p:cNvPr id="44" name="文本框 43"/>
-            <p:cNvSpPr txBox="1"/>
-            <p:nvPr/>
-          </p:nvSpPr>
-          <p:spPr>
-            <a:xfrm>
-              <a:off x="2811" y="9396"/>
-              <a:ext cx="1514" cy="580"/>
-            </a:xfrm>
-            <a:prstGeom prst="rect">
-              <a:avLst/>
-            </a:prstGeom>
-            <a:noFill/>
-          </p:spPr>
-          <p:txBody>
-            <a:bodyPr wrap="square" rtlCol="0">
-              <a:spAutoFit/>
-            </a:bodyPr>
-            <a:p>
-              <a:pPr algn="ctr"/>
-              <a:r>
-                <a:rPr lang="en-US" altLang="zh-CN"/>
-                <a:t>[10,17]</a:t>
-              </a:r>
-              <a:endParaRPr lang="en-US" altLang="zh-CN"/>
-            </a:p>
-          </p:txBody>
-        </p:sp>
-        <p:sp>
-          <p:nvSpPr>
-            <p:cNvPr id="45" name="文本框 44"/>
-            <p:cNvSpPr txBox="1"/>
-            <p:nvPr/>
-          </p:nvSpPr>
-          <p:spPr>
-            <a:xfrm>
-              <a:off x="5224" y="9396"/>
-              <a:ext cx="1514" cy="580"/>
-            </a:xfrm>
-            <a:prstGeom prst="rect">
-              <a:avLst/>
-            </a:prstGeom>
-            <a:noFill/>
-          </p:spPr>
-          <p:txBody>
-            <a:bodyPr wrap="square" rtlCol="0">
-              <a:spAutoFit/>
-            </a:bodyPr>
-            <a:p>
-              <a:pPr algn="ctr"/>
-              <a:r>
-                <a:rPr lang="en-US" altLang="zh-CN"/>
-                <a:t>[18,25]</a:t>
-              </a:r>
-              <a:endParaRPr lang="en-US" altLang="zh-CN"/>
-            </a:p>
-          </p:txBody>
-        </p:sp>
-        <p:sp>
-          <p:nvSpPr>
-            <p:cNvPr id="46" name="文本框 45"/>
-            <p:cNvSpPr txBox="1"/>
-            <p:nvPr/>
-          </p:nvSpPr>
-          <p:spPr>
-            <a:xfrm>
-              <a:off x="7637" y="9396"/>
-              <a:ext cx="1514" cy="580"/>
-            </a:xfrm>
-            <a:prstGeom prst="rect">
-              <a:avLst/>
-            </a:prstGeom>
-            <a:noFill/>
-          </p:spPr>
-          <p:txBody>
-            <a:bodyPr wrap="square" rtlCol="0">
-              <a:spAutoFit/>
-            </a:bodyPr>
-            <a:p>
-              <a:pPr algn="ctr"/>
-              <a:r>
-                <a:rPr lang="en-US" altLang="zh-CN"/>
-                <a:t>[26,33]</a:t>
-              </a:r>
-              <a:endParaRPr lang="en-US" altLang="zh-CN"/>
-            </a:p>
-          </p:txBody>
-        </p:sp>
-        <p:sp>
-          <p:nvSpPr>
-            <p:cNvPr id="47" name="文本框 46"/>
-            <p:cNvSpPr txBox="1"/>
-            <p:nvPr/>
-          </p:nvSpPr>
-          <p:spPr>
-            <a:xfrm>
-              <a:off x="10050" y="9396"/>
-              <a:ext cx="1514" cy="580"/>
-            </a:xfrm>
-            <a:prstGeom prst="rect">
-              <a:avLst/>
-            </a:prstGeom>
-            <a:noFill/>
-          </p:spPr>
-          <p:txBody>
-            <a:bodyPr wrap="square" rtlCol="0">
-              <a:spAutoFit/>
-            </a:bodyPr>
-            <a:p>
-              <a:pPr algn="ctr"/>
-              <a:r>
-                <a:rPr lang="en-US" altLang="zh-CN"/>
-                <a:t>[34,41]</a:t>
-              </a:r>
-              <a:endParaRPr lang="en-US" altLang="zh-CN"/>
-            </a:p>
-          </p:txBody>
-        </p:sp>
-        <p:sp>
-          <p:nvSpPr>
-            <p:cNvPr id="48" name="文本框 47"/>
-            <p:cNvSpPr txBox="1"/>
-            <p:nvPr/>
-          </p:nvSpPr>
-          <p:spPr>
-            <a:xfrm>
-              <a:off x="12463" y="9396"/>
-              <a:ext cx="1514" cy="580"/>
-            </a:xfrm>
-            <a:prstGeom prst="rect">
-              <a:avLst/>
-            </a:prstGeom>
-            <a:noFill/>
-          </p:spPr>
-          <p:txBody>
-            <a:bodyPr wrap="square" rtlCol="0">
-              <a:spAutoFit/>
-            </a:bodyPr>
-            <a:p>
-              <a:pPr algn="ctr"/>
-              <a:r>
-                <a:rPr lang="en-US" altLang="zh-CN"/>
-                <a:t>[42,49]</a:t>
-              </a:r>
-              <a:endParaRPr lang="en-US" altLang="zh-CN"/>
-            </a:p>
-          </p:txBody>
-        </p:sp>
-        <p:sp>
-          <p:nvSpPr>
-            <p:cNvPr id="49" name="文本框 48"/>
-            <p:cNvSpPr txBox="1"/>
-            <p:nvPr/>
-          </p:nvSpPr>
-          <p:spPr>
-            <a:xfrm>
-              <a:off x="14876" y="9396"/>
-              <a:ext cx="1514" cy="580"/>
-            </a:xfrm>
-            <a:prstGeom prst="rect">
-              <a:avLst/>
-            </a:prstGeom>
-            <a:noFill/>
-          </p:spPr>
-          <p:txBody>
-            <a:bodyPr wrap="square" rtlCol="0">
-              <a:spAutoFit/>
-            </a:bodyPr>
-            <a:p>
-              <a:pPr algn="ctr"/>
-              <a:r>
-                <a:rPr lang="en-US" altLang="zh-CN"/>
-                <a:t>[50,57]</a:t>
-              </a:r>
-              <a:endParaRPr lang="en-US" altLang="zh-CN"/>
-            </a:p>
-          </p:txBody>
-        </p:sp>
-      </p:grpSp>
     </p:spTree>
     <p:custDataLst>
       <p:tags r:id="rId1"/>
@@ -20989,106 +20470,7 @@
   <p:timing>
     <p:tnLst>
       <p:par>
-        <p:cTn id="1" dur="indefinite" restart="never" nodeType="tmRoot">
-          <p:childTnLst>
-            <p:seq concurrent="1" nextAc="seek">
-              <p:cTn id="2" dur="indefinite" nodeType="mainSeq">
-                <p:childTnLst>
-                  <p:par>
-                    <p:cTn id="3" fill="hold">
-                      <p:stCondLst>
-                        <p:cond delay="indefinite"/>
-                      </p:stCondLst>
-                      <p:childTnLst>
-                        <p:par>
-                          <p:cTn id="4" fill="hold">
-                            <p:stCondLst>
-                              <p:cond delay="0"/>
-                            </p:stCondLst>
-                            <p:childTnLst>
-                              <p:par>
-                                <p:cTn id="5" presetID="12" presetClass="entr" presetSubtype="4" fill="hold" nodeType="clickEffect">
-                                  <p:stCondLst>
-                                    <p:cond delay="0"/>
-                                  </p:stCondLst>
-                                  <p:childTnLst>
-                                    <p:set>
-                                      <p:cBhvr>
-                                        <p:cTn id="6" dur="1" fill="hold">
-                                          <p:stCondLst>
-                                            <p:cond delay="0"/>
-                                          </p:stCondLst>
-                                        </p:cTn>
-                                        <p:tgtEl>
-                                          <p:spTgt spid="50"/>
-                                        </p:tgtEl>
-                                        <p:attrNameLst>
-                                          <p:attrName>style.visibility</p:attrName>
-                                        </p:attrNameLst>
-                                      </p:cBhvr>
-                                      <p:to>
-                                        <p:strVal val="visible"/>
-                                      </p:to>
-                                    </p:set>
-                                    <p:anim calcmode="lin" valueType="num">
-                                      <p:cBhvr additive="base">
-                                        <p:cTn id="7" dur="500"/>
-                                        <p:tgtEl>
-                                          <p:spTgt spid="50"/>
-                                        </p:tgtEl>
-                                        <p:attrNameLst>
-                                          <p:attrName>ppt_y</p:attrName>
-                                        </p:attrNameLst>
-                                      </p:cBhvr>
-                                      <p:tavLst>
-                                        <p:tav tm="0">
-                                          <p:val>
-                                            <p:strVal val="#ppt_y+#ppt_h*1.125000"/>
-                                          </p:val>
-                                        </p:tav>
-                                        <p:tav tm="100000">
-                                          <p:val>
-                                            <p:strVal val="#ppt_y"/>
-                                          </p:val>
-                                        </p:tav>
-                                      </p:tavLst>
-                                    </p:anim>
-                                    <p:animEffect transition="in" filter="wipe(up)">
-                                      <p:cBhvr>
-                                        <p:cTn id="8" dur="500"/>
-                                        <p:tgtEl>
-                                          <p:spTgt spid="50"/>
-                                        </p:tgtEl>
-                                      </p:cBhvr>
-                                    </p:animEffect>
-                                  </p:childTnLst>
-                                </p:cTn>
-                              </p:par>
-                            </p:childTnLst>
-                          </p:cTn>
-                        </p:par>
-                      </p:childTnLst>
-                    </p:cTn>
-                  </p:par>
-                </p:childTnLst>
-              </p:cTn>
-              <p:prevCondLst>
-                <p:cond evt="onPrev" delay="0">
-                  <p:tgtEl>
-                    <p:sldTgt/>
-                  </p:tgtEl>
-                </p:cond>
-              </p:prevCondLst>
-              <p:nextCondLst>
-                <p:cond evt="onNext" delay="0">
-                  <p:tgtEl>
-                    <p:sldTgt/>
-                  </p:tgtEl>
-                </p:cond>
-              </p:nextCondLst>
-            </p:seq>
-          </p:childTnLst>
-        </p:cTn>
+        <p:cTn id="1" dur="indefinite" restart="never" nodeType="tmRoot"/>
       </p:par>
     </p:tnLst>
   </p:timing>
